--- a/ai/8.2.pptx
+++ b/ai/8.2.pptx
@@ -223,7 +223,7 @@
   </p:defaultTextStyle>
   <p:extLst>
     <p:ext uri="{EFAFB233-063F-42B5-8137-9DF3F51BA10A}">
-      <p15:sldGuideLst xmlns="" xmlns:p15="http://schemas.microsoft.com/office/powerpoint/2012/main">
+      <p15:sldGuideLst xmlns:p15="http://schemas.microsoft.com/office/powerpoint/2012/main">
         <p15:guide id="1" orient="horz" pos="2880">
           <p15:clr>
             <a:srgbClr val="A4A3A4"/>
@@ -1455,7 +1455,7 @@
           </a:lstStyle>
           <a:p>
             <a:r>
-              <a:rPr lang="en-US" smtClean="0"/>
+              <a:rPr lang="en-US"/>
               <a:t>Click to edit Master title style</a:t>
             </a:r>
             <a:endParaRPr lang="en-US" dirty="0"/>
@@ -1583,7 +1583,7 @@
           </a:lstStyle>
           <a:p>
             <a:r>
-              <a:rPr lang="en-US" smtClean="0"/>
+              <a:rPr lang="en-US"/>
               <a:t>Click to edit Master subtitle style</a:t>
             </a:r>
             <a:endParaRPr lang="en-US" dirty="0"/>
@@ -1835,7 +1835,7 @@
           </a:lstStyle>
           <a:p>
             <a:r>
-              <a:rPr lang="en-US" smtClean="0"/>
+              <a:rPr lang="en-US"/>
               <a:t>Click to edit Master title style</a:t>
             </a:r>
             <a:endParaRPr lang="en-US" dirty="0"/>
@@ -1900,35 +1900,35 @@
           <a:p>
             <a:pPr lvl="0"/>
             <a:r>
-              <a:rPr lang="en-US" smtClean="0"/>
+              <a:rPr lang="en-US"/>
               <a:t>Click to edit Master text styles</a:t>
             </a:r>
           </a:p>
           <a:p>
             <a:pPr lvl="1"/>
             <a:r>
-              <a:rPr lang="en-US" smtClean="0"/>
+              <a:rPr lang="en-US"/>
               <a:t>Second level</a:t>
             </a:r>
           </a:p>
           <a:p>
             <a:pPr lvl="2"/>
             <a:r>
-              <a:rPr lang="en-US" smtClean="0"/>
+              <a:rPr lang="en-US"/>
               <a:t>Third level</a:t>
             </a:r>
           </a:p>
           <a:p>
             <a:pPr lvl="3"/>
             <a:r>
-              <a:rPr lang="en-US" smtClean="0"/>
+              <a:rPr lang="en-US"/>
               <a:t>Fourth level</a:t>
             </a:r>
           </a:p>
           <a:p>
             <a:pPr lvl="4"/>
             <a:r>
-              <a:rPr lang="en-US" smtClean="0"/>
+              <a:rPr lang="en-US"/>
               <a:t>Fifth level</a:t>
             </a:r>
             <a:endParaRPr lang="en-US" dirty="0"/>
@@ -1998,7 +1998,7 @@
           </a:lstStyle>
           <a:p>
             <a:r>
-              <a:rPr lang="en-US" smtClean="0"/>
+              <a:rPr lang="en-US"/>
               <a:t>Click to edit Master title style</a:t>
             </a:r>
             <a:endParaRPr lang="en-US" dirty="0"/>
@@ -2118,7 +2118,7 @@
           <a:p>
             <a:pPr lvl="0"/>
             <a:r>
-              <a:rPr lang="en-US" smtClean="0"/>
+              <a:rPr lang="en-US"/>
               <a:t>Click to edit Master text styles</a:t>
             </a:r>
           </a:p>
@@ -2189,7 +2189,7 @@
           </a:lstStyle>
           <a:p>
             <a:r>
-              <a:rPr lang="en-US" smtClean="0"/>
+              <a:rPr lang="en-US"/>
               <a:t>Click to edit Master title style</a:t>
             </a:r>
             <a:endParaRPr lang="en-US" dirty="0"/>
@@ -2264,35 +2264,35 @@
           <a:p>
             <a:pPr lvl="0"/>
             <a:r>
-              <a:rPr lang="en-US" smtClean="0"/>
+              <a:rPr lang="en-US"/>
               <a:t>Click to edit Master text styles</a:t>
             </a:r>
           </a:p>
           <a:p>
             <a:pPr lvl="1"/>
             <a:r>
-              <a:rPr lang="en-US" smtClean="0"/>
+              <a:rPr lang="en-US"/>
               <a:t>Second level</a:t>
             </a:r>
           </a:p>
           <a:p>
             <a:pPr lvl="2"/>
             <a:r>
-              <a:rPr lang="en-US" smtClean="0"/>
+              <a:rPr lang="en-US"/>
               <a:t>Third level</a:t>
             </a:r>
           </a:p>
           <a:p>
             <a:pPr lvl="3"/>
             <a:r>
-              <a:rPr lang="en-US" smtClean="0"/>
+              <a:rPr lang="en-US"/>
               <a:t>Fourth level</a:t>
             </a:r>
           </a:p>
           <a:p>
             <a:pPr lvl="4"/>
             <a:r>
-              <a:rPr lang="en-US" smtClean="0"/>
+              <a:rPr lang="en-US"/>
               <a:t>Fifth level</a:t>
             </a:r>
             <a:endParaRPr lang="en-US" dirty="0"/>
@@ -2367,35 +2367,35 @@
           <a:p>
             <a:pPr lvl="0"/>
             <a:r>
-              <a:rPr lang="en-US" smtClean="0"/>
+              <a:rPr lang="en-US"/>
               <a:t>Click to edit Master text styles</a:t>
             </a:r>
           </a:p>
           <a:p>
             <a:pPr lvl="1"/>
             <a:r>
-              <a:rPr lang="en-US" smtClean="0"/>
+              <a:rPr lang="en-US"/>
               <a:t>Second level</a:t>
             </a:r>
           </a:p>
           <a:p>
             <a:pPr lvl="2"/>
             <a:r>
-              <a:rPr lang="en-US" smtClean="0"/>
+              <a:rPr lang="en-US"/>
               <a:t>Third level</a:t>
             </a:r>
           </a:p>
           <a:p>
             <a:pPr lvl="3"/>
             <a:r>
-              <a:rPr lang="en-US" smtClean="0"/>
+              <a:rPr lang="en-US"/>
               <a:t>Fourth level</a:t>
             </a:r>
           </a:p>
           <a:p>
             <a:pPr lvl="4"/>
             <a:r>
-              <a:rPr lang="en-US" smtClean="0"/>
+              <a:rPr lang="en-US"/>
               <a:t>Fifth level</a:t>
             </a:r>
             <a:endParaRPr lang="en-US" dirty="0"/>
@@ -2467,7 +2467,7 @@
           </a:lstStyle>
           <a:p>
             <a:r>
-              <a:rPr lang="en-US" smtClean="0"/>
+              <a:rPr lang="en-US"/>
               <a:t>Click to edit Master title style</a:t>
             </a:r>
             <a:endParaRPr lang="en-US" dirty="0"/>
@@ -2542,7 +2542,7 @@
           <a:p>
             <a:pPr lvl="0"/>
             <a:r>
-              <a:rPr lang="en-US" smtClean="0"/>
+              <a:rPr lang="en-US"/>
               <a:t>Click to edit Master text styles</a:t>
             </a:r>
           </a:p>
@@ -2613,35 +2613,35 @@
           <a:p>
             <a:pPr lvl="0"/>
             <a:r>
-              <a:rPr lang="en-US" smtClean="0"/>
+              <a:rPr lang="en-US"/>
               <a:t>Click to edit Master text styles</a:t>
             </a:r>
           </a:p>
           <a:p>
             <a:pPr lvl="1"/>
             <a:r>
-              <a:rPr lang="en-US" smtClean="0"/>
+              <a:rPr lang="en-US"/>
               <a:t>Second level</a:t>
             </a:r>
           </a:p>
           <a:p>
             <a:pPr lvl="2"/>
             <a:r>
-              <a:rPr lang="en-US" smtClean="0"/>
+              <a:rPr lang="en-US"/>
               <a:t>Third level</a:t>
             </a:r>
           </a:p>
           <a:p>
             <a:pPr lvl="3"/>
             <a:r>
-              <a:rPr lang="en-US" smtClean="0"/>
+              <a:rPr lang="en-US"/>
               <a:t>Fourth level</a:t>
             </a:r>
           </a:p>
           <a:p>
             <a:pPr lvl="4"/>
             <a:r>
-              <a:rPr lang="en-US" smtClean="0"/>
+              <a:rPr lang="en-US"/>
               <a:t>Fifth level</a:t>
             </a:r>
             <a:endParaRPr lang="en-US" dirty="0"/>
@@ -2716,7 +2716,7 @@
           <a:p>
             <a:pPr lvl="0"/>
             <a:r>
-              <a:rPr lang="en-US" smtClean="0"/>
+              <a:rPr lang="en-US"/>
               <a:t>Click to edit Master text styles</a:t>
             </a:r>
           </a:p>
@@ -2787,35 +2787,35 @@
           <a:p>
             <a:pPr lvl="0"/>
             <a:r>
-              <a:rPr lang="en-US" smtClean="0"/>
+              <a:rPr lang="en-US"/>
               <a:t>Click to edit Master text styles</a:t>
             </a:r>
           </a:p>
           <a:p>
             <a:pPr lvl="1"/>
             <a:r>
-              <a:rPr lang="en-US" smtClean="0"/>
+              <a:rPr lang="en-US"/>
               <a:t>Second level</a:t>
             </a:r>
           </a:p>
           <a:p>
             <a:pPr lvl="2"/>
             <a:r>
-              <a:rPr lang="en-US" smtClean="0"/>
+              <a:rPr lang="en-US"/>
               <a:t>Third level</a:t>
             </a:r>
           </a:p>
           <a:p>
             <a:pPr lvl="3"/>
             <a:r>
-              <a:rPr lang="en-US" smtClean="0"/>
+              <a:rPr lang="en-US"/>
               <a:t>Fourth level</a:t>
             </a:r>
           </a:p>
           <a:p>
             <a:pPr lvl="4"/>
             <a:r>
-              <a:rPr lang="en-US" smtClean="0"/>
+              <a:rPr lang="en-US"/>
               <a:t>Fifth level</a:t>
             </a:r>
             <a:endParaRPr lang="en-US" dirty="0"/>
@@ -2887,7 +2887,7 @@
           </a:lstStyle>
           <a:p>
             <a:r>
-              <a:rPr lang="en-US" smtClean="0"/>
+              <a:rPr lang="en-US"/>
               <a:t>Click to edit Master title style</a:t>
             </a:r>
             <a:endParaRPr lang="en-US" dirty="0"/>
@@ -2988,7 +2988,7 @@
           </a:lstStyle>
           <a:p>
             <a:r>
-              <a:rPr lang="en-US" smtClean="0"/>
+              <a:rPr lang="en-US"/>
               <a:t>Click to edit Master title style</a:t>
             </a:r>
             <a:endParaRPr lang="en-US" dirty="0"/>
@@ -3063,35 +3063,35 @@
           <a:p>
             <a:pPr lvl="0"/>
             <a:r>
-              <a:rPr lang="en-US" smtClean="0"/>
+              <a:rPr lang="en-US"/>
               <a:t>Click to edit Master text styles</a:t>
             </a:r>
           </a:p>
           <a:p>
             <a:pPr lvl="1"/>
             <a:r>
-              <a:rPr lang="en-US" smtClean="0"/>
+              <a:rPr lang="en-US"/>
               <a:t>Second level</a:t>
             </a:r>
           </a:p>
           <a:p>
             <a:pPr lvl="2"/>
             <a:r>
-              <a:rPr lang="en-US" smtClean="0"/>
+              <a:rPr lang="en-US"/>
               <a:t>Third level</a:t>
             </a:r>
           </a:p>
           <a:p>
             <a:pPr lvl="3"/>
             <a:r>
-              <a:rPr lang="en-US" smtClean="0"/>
+              <a:rPr lang="en-US"/>
               <a:t>Fourth level</a:t>
             </a:r>
           </a:p>
           <a:p>
             <a:pPr lvl="4"/>
             <a:r>
-              <a:rPr lang="en-US" smtClean="0"/>
+              <a:rPr lang="en-US"/>
               <a:t>Fifth level</a:t>
             </a:r>
             <a:endParaRPr lang="en-US" dirty="0"/>
@@ -3161,7 +3161,7 @@
           <a:p>
             <a:pPr lvl="0"/>
             <a:r>
-              <a:rPr lang="en-US" smtClean="0"/>
+              <a:rPr lang="en-US"/>
               <a:t>Click to edit Master text styles</a:t>
             </a:r>
           </a:p>
@@ -3232,7 +3232,7 @@
           </a:lstStyle>
           <a:p>
             <a:r>
-              <a:rPr lang="en-US" smtClean="0"/>
+              <a:rPr lang="en-US"/>
               <a:t>Click to edit Master title style</a:t>
             </a:r>
             <a:endParaRPr lang="en-US" dirty="0"/>
@@ -3297,10 +3297,9 @@
           </a:lstStyle>
           <a:p>
             <a:r>
-              <a:rPr lang="en-US" smtClean="0"/>
+              <a:rPr lang="en-US"/>
               <a:t>Drag picture to placeholder or click icon to add</a:t>
             </a:r>
-            <a:endParaRPr lang="en-US"/>
           </a:p>
         </p:txBody>
       </p:sp>
@@ -3369,7 +3368,7 @@
           <a:p>
             <a:pPr lvl="0"/>
             <a:r>
-              <a:rPr lang="en-US" smtClean="0"/>
+              <a:rPr lang="en-US"/>
               <a:t>Click to edit Master text styles</a:t>
             </a:r>
           </a:p>
@@ -3441,35 +3440,35 @@
           <a:p>
             <a:pPr lvl="0"/>
             <a:r>
-              <a:rPr lang="en-US" smtClean="0"/>
+              <a:rPr lang="en-US"/>
               <a:t>Click to edit Master text styles</a:t>
             </a:r>
           </a:p>
           <a:p>
             <a:pPr lvl="1"/>
             <a:r>
-              <a:rPr lang="en-US" smtClean="0"/>
+              <a:rPr lang="en-US"/>
               <a:t>Second level</a:t>
             </a:r>
           </a:p>
           <a:p>
             <a:pPr lvl="2"/>
             <a:r>
-              <a:rPr lang="en-US" smtClean="0"/>
+              <a:rPr lang="en-US"/>
               <a:t>Third level</a:t>
             </a:r>
           </a:p>
           <a:p>
             <a:pPr lvl="3"/>
             <a:r>
-              <a:rPr lang="en-US" smtClean="0"/>
+              <a:rPr lang="en-US"/>
               <a:t>Fourth level</a:t>
             </a:r>
           </a:p>
           <a:p>
             <a:pPr lvl="4"/>
             <a:r>
-              <a:rPr lang="en-US" smtClean="0"/>
+              <a:rPr lang="en-US"/>
               <a:t>Fifth level</a:t>
             </a:r>
             <a:endParaRPr lang="en-US" dirty="0"/>
@@ -3529,7 +3528,7 @@
           <a:lstStyle/>
           <a:p>
             <a:r>
-              <a:rPr lang="en-US" sz="2300" dirty="0" smtClean="0">
+              <a:rPr lang="en-US" sz="2300" dirty="0">
                 <a:solidFill>
                   <a:srgbClr val="FFFFFF"/>
                 </a:solidFill>
@@ -3538,13 +3537,6 @@
               </a:rPr>
               <a:t>Lists – Part 2</a:t>
             </a:r>
-            <a:endParaRPr lang="en-US" sz="2300" dirty="0">
-              <a:solidFill>
-                <a:srgbClr val="FFFFFF"/>
-              </a:solidFill>
-              <a:latin typeface="Lucida Grande"/>
-              <a:cs typeface="Lucida Grande"/>
-            </a:endParaRPr>
           </a:p>
         </p:txBody>
       </p:sp>
@@ -3572,7 +3564,7 @@
           <a:p>
             <a:pPr algn="ctr"/>
             <a:r>
-              <a:rPr lang="en-US" sz="1700" b="0" dirty="0" smtClean="0">
+              <a:rPr lang="en-US" sz="1700" b="0" dirty="0">
                 <a:solidFill>
                   <a:schemeClr val="bg1"/>
                 </a:solidFill>
@@ -3582,7 +3574,7 @@
               <a:t>PYTHON</a:t>
             </a:r>
             <a:r>
-              <a:rPr lang="en-US" sz="1700" baseline="0" dirty="0" smtClean="0">
+              <a:rPr lang="en-US" sz="1700" baseline="0" dirty="0">
                 <a:solidFill>
                   <a:schemeClr val="bg1"/>
                 </a:solidFill>
@@ -3595,7 +3587,7 @@
           <a:p>
             <a:pPr algn="ctr"/>
             <a:r>
-              <a:rPr lang="en-US" sz="1700" baseline="0" dirty="0" smtClean="0">
+              <a:rPr lang="en-US" sz="1700" baseline="0" dirty="0">
                 <a:solidFill>
                   <a:schemeClr val="bg1"/>
                 </a:solidFill>
@@ -3635,13 +3627,6 @@
     <p:sldLayoutId id="2147483693" r:id="rId10"/>
     <p:sldLayoutId id="2147483694" r:id="rId11"/>
   </p:sldLayoutIdLst>
-  <p:timing>
-    <p:tnLst>
-      <p:par>
-        <p:cTn xmlns:p14="http://schemas.microsoft.com/office/powerpoint/2010/main" id="1" dur="indefinite" restart="never" nodeType="tmRoot"/>
-      </p:par>
-    </p:tnLst>
-  </p:timing>
   <p:hf sldNum="0" hdr="0" ftr="0" dt="0"/>
   <p:txStyles>
     <p:titleStyle>
@@ -3960,7 +3945,7 @@
               <a:buNone/>
             </a:pPr>
             <a:r>
-              <a:rPr lang="en-US" sz="7600" u="none" strike="noStrike" cap="none" dirty="0">
+              <a:rPr lang="es-419" sz="7600" u="none" strike="noStrike" cap="none" dirty="0">
                 <a:solidFill>
                   <a:srgbClr val="00FFFF"/>
                 </a:solidFill>
@@ -3969,10 +3954,10 @@
                 <a:cs typeface="Arial" charset="0"/>
                 <a:sym typeface="Cabin"/>
               </a:rPr>
-              <a:t>Concatenating</a:t>
-            </a:r>
-            <a:r>
-              <a:rPr lang="en-US" sz="7600" u="none" strike="noStrike" cap="none" dirty="0">
+              <a:t>Concatenando</a:t>
+            </a:r>
+            <a:r>
+              <a:rPr lang="es-419" sz="7600" u="none" strike="noStrike" cap="none" dirty="0">
                 <a:solidFill>
                   <a:schemeClr val="lt1"/>
                 </a:solidFill>
@@ -3984,7 +3969,7 @@
               <a:t> </a:t>
             </a:r>
             <a:r>
-              <a:rPr lang="en-US" sz="7600" dirty="0">
+              <a:rPr lang="es-419" sz="7600" dirty="0">
                 <a:solidFill>
                   <a:srgbClr val="FFFF00"/>
                 </a:solidFill>
@@ -3996,7 +3981,7 @@
               <a:t>L</a:t>
             </a:r>
             <a:r>
-              <a:rPr lang="en-US" sz="7600" u="none" strike="noStrike" cap="none" dirty="0" smtClean="0">
+              <a:rPr lang="es-419" sz="7600" u="none" strike="noStrike" cap="none" dirty="0">
                 <a:solidFill>
                   <a:srgbClr val="FFFF00"/>
                 </a:solidFill>
@@ -4005,10 +3990,10 @@
                 <a:cs typeface="Arial" charset="0"/>
                 <a:sym typeface="Cabin"/>
               </a:rPr>
-              <a:t>ists </a:t>
-            </a:r>
-            <a:r>
-              <a:rPr lang="en-US" sz="7600" dirty="0">
+              <a:t>istas </a:t>
+            </a:r>
+            <a:r>
+              <a:rPr lang="es-419" sz="7600" dirty="0">
                 <a:solidFill>
                   <a:srgbClr val="FFFF00"/>
                 </a:solidFill>
@@ -4017,34 +4002,22 @@
                 <a:cs typeface="Arial" charset="0"/>
                 <a:sym typeface="Cabin"/>
               </a:rPr>
-              <a:t>U</a:t>
-            </a:r>
-            <a:r>
-              <a:rPr lang="en-US" sz="7600" u="none" strike="noStrike" cap="none" dirty="0" smtClean="0">
-                <a:solidFill>
-                  <a:srgbClr val="FFFF00"/>
+              <a:t>Usando</a:t>
+            </a:r>
+            <a:r>
+              <a:rPr lang="es-419" sz="7600" u="none" strike="noStrike" cap="none" dirty="0">
+                <a:solidFill>
+                  <a:schemeClr val="lt1"/>
                 </a:solidFill>
                 <a:latin typeface="Arial" charset="0"/>
                 <a:ea typeface="Arial" charset="0"/>
                 <a:cs typeface="Arial" charset="0"/>
                 <a:sym typeface="Cabin"/>
               </a:rPr>
-              <a:t>sing</a:t>
-            </a:r>
-            <a:r>
-              <a:rPr lang="en-US" sz="7600" u="none" strike="noStrike" cap="none" dirty="0" smtClean="0">
-                <a:solidFill>
-                  <a:schemeClr val="lt1"/>
-                </a:solidFill>
-                <a:latin typeface="Arial" charset="0"/>
-                <a:ea typeface="Arial" charset="0"/>
-                <a:cs typeface="Arial" charset="0"/>
-                <a:sym typeface="Cabin"/>
-              </a:rPr>
               <a:t> </a:t>
             </a:r>
             <a:r>
-              <a:rPr lang="en-US" sz="7600" u="none" strike="noStrike" cap="none" dirty="0">
+              <a:rPr lang="es-419" sz="7600" u="none" strike="noStrike" cap="none" dirty="0">
                 <a:solidFill>
                   <a:srgbClr val="00FFFF"/>
                 </a:solidFill>
@@ -4101,7 +4074,7 @@
               <a:buNone/>
             </a:pPr>
             <a:r>
-              <a:rPr lang="en-US" sz="3600" b="0" u="none" strike="noStrike" cap="none" dirty="0">
+              <a:rPr lang="es-419" sz="3600" b="0" u="none" strike="noStrike" cap="none" dirty="0">
                 <a:solidFill>
                   <a:schemeClr val="lt1"/>
                 </a:solidFill>
@@ -4110,10 +4083,10 @@
                 <a:cs typeface="Arial" charset="0"/>
                 <a:sym typeface="Cabin"/>
               </a:rPr>
-              <a:t>We can create a new list by adding two ex</a:t>
-            </a:r>
-            <a:r>
-              <a:rPr lang="en-US" sz="3600" b="0" dirty="0">
+              <a:t>Podemos crear una nuev</a:t>
+            </a:r>
+            <a:r>
+              <a:rPr lang="es-419" sz="3600" b="0" dirty="0">
                 <a:solidFill>
                   <a:schemeClr val="lt1"/>
                 </a:solidFill>
@@ -4122,20 +4095,17 @@
                 <a:cs typeface="Arial" charset="0"/>
                 <a:sym typeface="Cabin"/>
               </a:rPr>
-              <a:t>is</a:t>
-            </a:r>
-            <a:r>
-              <a:rPr lang="en-US" sz="3600" b="0" u="none" strike="noStrike" cap="none" dirty="0">
-                <a:solidFill>
-                  <a:schemeClr val="lt1"/>
-                </a:solidFill>
-                <a:latin typeface="Arial" charset="0"/>
-                <a:ea typeface="Arial" charset="0"/>
-                <a:cs typeface="Arial" charset="0"/>
-                <a:sym typeface="Cabin"/>
-              </a:rPr>
-              <a:t>ting lists together</a:t>
-            </a:r>
+              <a:t>a lista al juntar dos listas creadas previamente</a:t>
+            </a:r>
+            <a:endParaRPr lang="es-419" sz="3600" b="0" u="none" strike="noStrike" cap="none" dirty="0">
+              <a:solidFill>
+                <a:schemeClr val="lt1"/>
+              </a:solidFill>
+              <a:latin typeface="Arial" charset="0"/>
+              <a:ea typeface="Arial" charset="0"/>
+              <a:cs typeface="Arial" charset="0"/>
+              <a:sym typeface="Cabin"/>
+            </a:endParaRPr>
           </a:p>
         </p:txBody>
       </p:sp>
@@ -4182,7 +4152,7 @@
               <a:buNone/>
             </a:pPr>
             <a:r>
-              <a:rPr lang="en-US" sz="3000" b="1" i="0" u="none" strike="noStrike" cap="none" dirty="0">
+              <a:rPr lang="es-419" sz="3000" b="1" i="0" u="none" strike="noStrike" cap="none">
                 <a:solidFill>
                   <a:schemeClr val="lt1"/>
                 </a:solidFill>
@@ -4194,7 +4164,7 @@
               <a:t>&gt;&gt;&gt; </a:t>
             </a:r>
             <a:r>
-              <a:rPr lang="en-US" sz="3000" b="1" i="0" u="none" strike="noStrike" cap="none" dirty="0">
+              <a:rPr lang="es-419" sz="3000" b="1" i="0" u="none" strike="noStrike" cap="none">
                 <a:solidFill>
                   <a:srgbClr val="00FF00"/>
                 </a:solidFill>
@@ -4206,7 +4176,7 @@
               <a:t>a</a:t>
             </a:r>
             <a:r>
-              <a:rPr lang="en-US" sz="3000" b="1" i="0" u="none" strike="noStrike" cap="none" dirty="0">
+              <a:rPr lang="es-419" sz="3000" b="1" i="0" u="none" strike="noStrike" cap="none">
                 <a:solidFill>
                   <a:schemeClr val="lt1"/>
                 </a:solidFill>
@@ -4237,7 +4207,7 @@
               <a:buNone/>
             </a:pPr>
             <a:r>
-              <a:rPr lang="en-US" sz="3000" b="1" i="0" u="none" strike="noStrike" cap="none" dirty="0">
+              <a:rPr lang="es-419" sz="3000" b="1" i="0" u="none" strike="noStrike" cap="none">
                 <a:solidFill>
                   <a:schemeClr val="lt1"/>
                 </a:solidFill>
@@ -4249,7 +4219,7 @@
               <a:t>&gt;&gt;&gt;</a:t>
             </a:r>
             <a:r>
-              <a:rPr lang="en-US" sz="3000" b="1" i="0" u="none" strike="noStrike" cap="none" dirty="0">
+              <a:rPr lang="es-419" sz="3000" b="1" i="0" u="none" strike="noStrike" cap="none">
                 <a:solidFill>
                   <a:srgbClr val="00FF00"/>
                 </a:solidFill>
@@ -4261,7 +4231,7 @@
               <a:t> b</a:t>
             </a:r>
             <a:r>
-              <a:rPr lang="en-US" sz="3000" b="1" i="0" u="none" strike="noStrike" cap="none" dirty="0">
+              <a:rPr lang="es-419" sz="3000" b="1" i="0" u="none" strike="noStrike" cap="none">
                 <a:solidFill>
                   <a:schemeClr val="lt1"/>
                 </a:solidFill>
@@ -4292,7 +4262,7 @@
               <a:buNone/>
             </a:pPr>
             <a:r>
-              <a:rPr lang="en-US" sz="3000" b="1" i="0" u="none" strike="noStrike" cap="none" dirty="0">
+              <a:rPr lang="es-419" sz="3000" b="1" i="0" u="none" strike="noStrike" cap="none">
                 <a:solidFill>
                   <a:schemeClr val="lt1"/>
                 </a:solidFill>
@@ -4304,7 +4274,7 @@
               <a:t>&gt;&gt;&gt; </a:t>
             </a:r>
             <a:r>
-              <a:rPr lang="en-US" sz="3000" b="1" i="0" u="none" strike="noStrike" cap="none" dirty="0">
+              <a:rPr lang="es-419" sz="3000" b="1" i="0" u="none" strike="noStrike" cap="none">
                 <a:solidFill>
                   <a:srgbClr val="00FF00"/>
                 </a:solidFill>
@@ -4316,7 +4286,7 @@
               <a:t>c</a:t>
             </a:r>
             <a:r>
-              <a:rPr lang="en-US" sz="3000" b="1" i="0" u="none" strike="noStrike" cap="none" dirty="0">
+              <a:rPr lang="es-419" sz="3000" b="1" i="0" u="none" strike="noStrike" cap="none">
                 <a:solidFill>
                   <a:schemeClr val="lt1"/>
                 </a:solidFill>
@@ -4328,7 +4298,7 @@
               <a:t> = </a:t>
             </a:r>
             <a:r>
-              <a:rPr lang="en-US" sz="3000" b="1" i="0" u="none" strike="noStrike" cap="none" dirty="0">
+              <a:rPr lang="es-419" sz="3000" b="1" i="0" u="none" strike="noStrike" cap="none">
                 <a:solidFill>
                   <a:srgbClr val="00FF00"/>
                 </a:solidFill>
@@ -4340,7 +4310,7 @@
               <a:t>a </a:t>
             </a:r>
             <a:r>
-              <a:rPr lang="en-US" sz="3000" b="1" i="0" u="none" strike="noStrike" cap="none" dirty="0">
+              <a:rPr lang="es-419" sz="3000" b="1" i="0" u="none" strike="noStrike" cap="none">
                 <a:solidFill>
                   <a:srgbClr val="00FFFF"/>
                 </a:solidFill>
@@ -4352,7 +4322,7 @@
               <a:t>+</a:t>
             </a:r>
             <a:r>
-              <a:rPr lang="en-US" sz="3000" b="1" i="0" u="none" strike="noStrike" cap="none" dirty="0">
+              <a:rPr lang="es-419" sz="3000" b="1" i="0" u="none" strike="noStrike" cap="none">
                 <a:solidFill>
                   <a:srgbClr val="00FF00"/>
                 </a:solidFill>
@@ -4372,7 +4342,7 @@
               <a:buSzPct val="25000"/>
             </a:pPr>
             <a:r>
-              <a:rPr lang="en-US" sz="3000" b="1" i="0" u="none" strike="noStrike" cap="none" dirty="0">
+              <a:rPr lang="es-419" sz="3000" b="1" i="0" u="none" strike="noStrike" cap="none">
                 <a:solidFill>
                   <a:schemeClr val="lt1"/>
                 </a:solidFill>
@@ -4384,7 +4354,7 @@
               <a:t>&gt;&gt;&gt; </a:t>
             </a:r>
             <a:r>
-              <a:rPr lang="en-US" sz="3000" b="1" i="0" u="none" strike="noStrike" cap="none" dirty="0" smtClean="0">
+              <a:rPr lang="es-419" sz="3000" b="1" i="0" u="none" strike="noStrike" cap="none">
                 <a:solidFill>
                   <a:srgbClr val="FFFF00"/>
                 </a:solidFill>
@@ -4396,7 +4366,7 @@
               <a:t>print(</a:t>
             </a:r>
             <a:r>
-              <a:rPr lang="en-US" sz="3000" b="1" i="0" u="none" strike="noStrike" cap="none" dirty="0" smtClean="0">
+              <a:rPr lang="es-419" sz="3000" b="1" i="0" u="none" strike="noStrike" cap="none">
                 <a:solidFill>
                   <a:srgbClr val="00FF00"/>
                 </a:solidFill>
@@ -4408,7 +4378,7 @@
               <a:t>c</a:t>
             </a:r>
             <a:r>
-              <a:rPr lang="en-US" sz="3200" b="1" dirty="0" smtClean="0">
+              <a:rPr lang="es-419" sz="3200" b="1">
                 <a:solidFill>
                   <a:srgbClr val="FFFF00"/>
                 </a:solidFill>
@@ -4419,7 +4389,7 @@
               </a:rPr>
               <a:t>)</a:t>
             </a:r>
-            <a:endParaRPr lang="en-US" sz="3000" b="1" i="0" u="none" strike="noStrike" cap="none" dirty="0">
+            <a:endParaRPr lang="es-419" sz="3000" b="1" i="0" u="none" strike="noStrike" cap="none">
               <a:solidFill>
                 <a:srgbClr val="00FF00"/>
               </a:solidFill>
@@ -4448,7 +4418,7 @@
               <a:buNone/>
             </a:pPr>
             <a:r>
-              <a:rPr lang="en-US" sz="3000" b="1" i="0" u="none" strike="noStrike" cap="none" dirty="0">
+              <a:rPr lang="es-419" sz="3000" b="1" i="0" u="none" strike="noStrike" cap="none">
                 <a:solidFill>
                   <a:schemeClr val="lt1"/>
                 </a:solidFill>
@@ -4468,7 +4438,7 @@
               <a:buSzPct val="25000"/>
             </a:pPr>
             <a:r>
-              <a:rPr lang="en-US" sz="3000" b="1" i="0" u="none" strike="noStrike" cap="none" dirty="0">
+              <a:rPr lang="es-419" sz="3000" b="1" i="0" u="none" strike="noStrike" cap="none">
                 <a:solidFill>
                   <a:schemeClr val="lt1"/>
                 </a:solidFill>
@@ -4480,7 +4450,7 @@
               <a:t>&gt;&gt;&gt; </a:t>
             </a:r>
             <a:r>
-              <a:rPr lang="en-US" sz="3000" b="1" i="0" u="none" strike="noStrike" cap="none" dirty="0" smtClean="0">
+              <a:rPr lang="es-419" sz="3000" b="1" i="0" u="none" strike="noStrike" cap="none">
                 <a:solidFill>
                   <a:srgbClr val="FFFF00"/>
                 </a:solidFill>
@@ -4492,7 +4462,7 @@
               <a:t>print(</a:t>
             </a:r>
             <a:r>
-              <a:rPr lang="en-US" sz="3000" b="1" i="0" u="none" strike="noStrike" cap="none" dirty="0" smtClean="0">
+              <a:rPr lang="es-419" sz="3000" b="1" i="0" u="none" strike="noStrike" cap="none">
                 <a:solidFill>
                   <a:srgbClr val="00FF00"/>
                 </a:solidFill>
@@ -4504,7 +4474,7 @@
               <a:t>a</a:t>
             </a:r>
             <a:r>
-              <a:rPr lang="en-US" sz="3200" b="1" dirty="0" smtClean="0">
+              <a:rPr lang="es-419" sz="3200" b="1">
                 <a:solidFill>
                   <a:srgbClr val="FFFF00"/>
                 </a:solidFill>
@@ -4515,7 +4485,7 @@
               </a:rPr>
               <a:t>)</a:t>
             </a:r>
-            <a:endParaRPr lang="en-US" sz="3000" b="1" i="0" u="none" strike="noStrike" cap="none" dirty="0">
+            <a:endParaRPr lang="es-419" sz="3000" b="1" i="0" u="none" strike="noStrike" cap="none">
               <a:solidFill>
                 <a:srgbClr val="00FF00"/>
               </a:solidFill>
@@ -4544,7 +4514,7 @@
               <a:buNone/>
             </a:pPr>
             <a:r>
-              <a:rPr lang="en-US" sz="3000" b="1" i="0" u="none" strike="noStrike" cap="none" dirty="0">
+              <a:rPr lang="es-419" sz="3000" b="1" i="0" u="none" strike="noStrike" cap="none">
                 <a:solidFill>
                   <a:schemeClr val="lt1"/>
                 </a:solidFill>
@@ -4563,13 +4533,6 @@
   <p:clrMapOvr>
     <a:masterClrMapping/>
   </p:clrMapOvr>
-  <p:timing>
-    <p:tnLst>
-      <p:par>
-        <p:cTn xmlns:p14="http://schemas.microsoft.com/office/powerpoint/2010/main" id="1" dur="indefinite" restart="never" nodeType="tmRoot"/>
-      </p:par>
-    </p:tnLst>
-  </p:timing>
 </p:sld>
 </file>
 
@@ -4633,7 +4596,7 @@
               <a:buNone/>
             </a:pPr>
             <a:r>
-              <a:rPr lang="en-US" sz="7600" u="none" strike="noStrike" cap="none" dirty="0">
+              <a:rPr lang="es-419" sz="7600" dirty="0">
                 <a:solidFill>
                   <a:srgbClr val="FFFF00"/>
                 </a:solidFill>
@@ -4642,22 +4605,22 @@
                 <a:cs typeface="Arial" charset="0"/>
                 <a:sym typeface="Cabin"/>
               </a:rPr>
-              <a:t>Lists </a:t>
-            </a:r>
-            <a:r>
-              <a:rPr lang="en-US" sz="7600" u="none" strike="noStrike" cap="none" dirty="0" smtClean="0">
-                <a:solidFill>
-                  <a:srgbClr val="FFFF00"/>
+              <a:t>Las Listas Pueden Ser </a:t>
+            </a:r>
+            <a:r>
+              <a:rPr lang="es-419" sz="7600" dirty="0">
+                <a:solidFill>
+                  <a:srgbClr val="00FFFF"/>
                 </a:solidFill>
                 <a:latin typeface="Arial" charset="0"/>
                 <a:ea typeface="Arial" charset="0"/>
                 <a:cs typeface="Arial" charset="0"/>
                 <a:sym typeface="Cabin"/>
               </a:rPr>
-              <a:t>Can </a:t>
-            </a:r>
-            <a:r>
-              <a:rPr lang="en-US" sz="7600" dirty="0">
+              <a:t>Rebanadas</a:t>
+            </a:r>
+            <a:r>
+              <a:rPr lang="es-419" sz="7600" u="none" strike="noStrike" cap="none" dirty="0">
                 <a:solidFill>
                   <a:srgbClr val="FFFF00"/>
                 </a:solidFill>
@@ -4666,10 +4629,10 @@
                 <a:cs typeface="Arial" charset="0"/>
                 <a:sym typeface="Cabin"/>
               </a:rPr>
-              <a:t>B</a:t>
-            </a:r>
-            <a:r>
-              <a:rPr lang="en-US" sz="7600" u="none" strike="noStrike" cap="none" dirty="0" smtClean="0">
+              <a:t> </a:t>
+            </a:r>
+            <a:r>
+              <a:rPr lang="es-419" sz="7600" dirty="0">
                 <a:solidFill>
                   <a:srgbClr val="FFFF00"/>
                 </a:solidFill>
@@ -4678,82 +4641,34 @@
                 <a:cs typeface="Arial" charset="0"/>
                 <a:sym typeface="Cabin"/>
               </a:rPr>
-              <a:t>e </a:t>
-            </a:r>
-            <a:r>
-              <a:rPr lang="en-US" sz="7600" dirty="0">
-                <a:solidFill>
-                  <a:srgbClr val="00FFFF"/>
+              <a:t>U</a:t>
+            </a:r>
+            <a:r>
+              <a:rPr lang="es-419" sz="7600" u="none" strike="noStrike" cap="none" dirty="0">
+                <a:solidFill>
+                  <a:srgbClr val="FFFF00"/>
                 </a:solidFill>
                 <a:latin typeface="Arial" charset="0"/>
                 <a:ea typeface="Arial" charset="0"/>
                 <a:cs typeface="Arial" charset="0"/>
                 <a:sym typeface="Cabin"/>
               </a:rPr>
-              <a:t>S</a:t>
-            </a:r>
-            <a:r>
-              <a:rPr lang="en-US" sz="7600" u="none" strike="noStrike" cap="none" dirty="0" smtClean="0">
-                <a:solidFill>
-                  <a:srgbClr val="00FFFF"/>
+              <a:t>sando</a:t>
+            </a:r>
+            <a:r>
+              <a:rPr lang="es-419" sz="7600" u="none" strike="noStrike" cap="none" dirty="0">
+                <a:solidFill>
+                  <a:schemeClr val="lt1"/>
                 </a:solidFill>
                 <a:latin typeface="Arial" charset="0"/>
                 <a:ea typeface="Arial" charset="0"/>
                 <a:cs typeface="Arial" charset="0"/>
                 <a:sym typeface="Cabin"/>
               </a:rPr>
-              <a:t>liced</a:t>
-            </a:r>
-            <a:r>
-              <a:rPr lang="en-US" sz="7600" u="none" strike="noStrike" cap="none" dirty="0" smtClean="0">
-                <a:solidFill>
-                  <a:srgbClr val="FFFF00"/>
-                </a:solidFill>
-                <a:latin typeface="Arial" charset="0"/>
-                <a:ea typeface="Arial" charset="0"/>
-                <a:cs typeface="Arial" charset="0"/>
-                <a:sym typeface="Cabin"/>
-              </a:rPr>
               <a:t> </a:t>
             </a:r>
             <a:r>
-              <a:rPr lang="en-US" sz="7600" dirty="0">
-                <a:solidFill>
-                  <a:srgbClr val="FFFF00"/>
-                </a:solidFill>
-                <a:latin typeface="Arial" charset="0"/>
-                <a:ea typeface="Arial" charset="0"/>
-                <a:cs typeface="Arial" charset="0"/>
-                <a:sym typeface="Cabin"/>
-              </a:rPr>
-              <a:t>U</a:t>
-            </a:r>
-            <a:r>
-              <a:rPr lang="en-US" sz="7600" u="none" strike="noStrike" cap="none" dirty="0" smtClean="0">
-                <a:solidFill>
-                  <a:srgbClr val="FFFF00"/>
-                </a:solidFill>
-                <a:latin typeface="Arial" charset="0"/>
-                <a:ea typeface="Arial" charset="0"/>
-                <a:cs typeface="Arial" charset="0"/>
-                <a:sym typeface="Cabin"/>
-              </a:rPr>
-              <a:t>sing</a:t>
-            </a:r>
-            <a:r>
-              <a:rPr lang="en-US" sz="7600" u="none" strike="noStrike" cap="none" dirty="0" smtClean="0">
-                <a:solidFill>
-                  <a:schemeClr val="lt1"/>
-                </a:solidFill>
-                <a:latin typeface="Arial" charset="0"/>
-                <a:ea typeface="Arial" charset="0"/>
-                <a:cs typeface="Arial" charset="0"/>
-                <a:sym typeface="Cabin"/>
-              </a:rPr>
-              <a:t> </a:t>
-            </a:r>
-            <a:r>
-              <a:rPr lang="en-US" sz="7600" u="none" strike="noStrike" cap="none" dirty="0">
+              <a:rPr lang="es-419" sz="7600" u="none" strike="noStrike" cap="none" dirty="0">
                 <a:solidFill>
                   <a:srgbClr val="00FFFF"/>
                 </a:solidFill>
@@ -4810,7 +4725,7 @@
               <a:buNone/>
             </a:pPr>
             <a:r>
-              <a:rPr lang="en-US" sz="3000" b="1" i="0" u="none" strike="noStrike" cap="none" dirty="0">
+              <a:rPr lang="es-419" sz="3000" b="1" i="0" u="none" strike="noStrike" cap="none">
                 <a:solidFill>
                   <a:schemeClr val="lt1"/>
                 </a:solidFill>
@@ -4822,7 +4737,7 @@
               <a:t>&gt;&gt;&gt; </a:t>
             </a:r>
             <a:r>
-              <a:rPr lang="en-US" sz="3000" b="1" i="0" u="none" strike="noStrike" cap="none" dirty="0">
+              <a:rPr lang="es-419" sz="3000" b="1" i="0" u="none" strike="noStrike" cap="none">
                 <a:solidFill>
                   <a:srgbClr val="00FF00"/>
                 </a:solidFill>
@@ -4834,7 +4749,7 @@
               <a:t>t</a:t>
             </a:r>
             <a:r>
-              <a:rPr lang="en-US" sz="3000" b="1" i="0" u="none" strike="noStrike" cap="none" dirty="0">
+              <a:rPr lang="es-419" sz="3000" b="1" i="0" u="none" strike="noStrike" cap="none">
                 <a:solidFill>
                   <a:schemeClr val="lt1"/>
                 </a:solidFill>
@@ -4865,7 +4780,7 @@
               <a:buNone/>
             </a:pPr>
             <a:r>
-              <a:rPr lang="en-US" sz="3000" b="1" i="0" u="none" strike="noStrike" cap="none" dirty="0">
+              <a:rPr lang="es-419" sz="3000" b="1" i="0" u="none" strike="noStrike" cap="none">
                 <a:solidFill>
                   <a:schemeClr val="lt1"/>
                 </a:solidFill>
@@ -4877,7 +4792,7 @@
               <a:t>&gt;&gt;&gt; </a:t>
             </a:r>
             <a:r>
-              <a:rPr lang="en-US" sz="3000" b="1" i="0" u="none" strike="noStrike" cap="none" dirty="0">
+              <a:rPr lang="es-419" sz="3000" b="1" i="0" u="none" strike="noStrike" cap="none">
                 <a:solidFill>
                   <a:srgbClr val="00FF00"/>
                 </a:solidFill>
@@ -4889,7 +4804,7 @@
               <a:t>t</a:t>
             </a:r>
             <a:r>
-              <a:rPr lang="en-US" sz="3000" b="1" i="0" u="none" strike="noStrike" cap="none" dirty="0">
+              <a:rPr lang="es-419" sz="3000" b="1" i="0" u="none" strike="noStrike" cap="none">
                 <a:solidFill>
                   <a:schemeClr val="lt1"/>
                 </a:solidFill>
@@ -4901,7 +4816,7 @@
               <a:t>[1</a:t>
             </a:r>
             <a:r>
-              <a:rPr lang="en-US" sz="3000" b="1" i="0" u="none" strike="noStrike" cap="none" dirty="0">
+              <a:rPr lang="es-419" sz="3000" b="1" i="0" u="none" strike="noStrike" cap="none">
                 <a:solidFill>
                   <a:srgbClr val="00FFFF"/>
                 </a:solidFill>
@@ -4913,7 +4828,7 @@
               <a:t>:</a:t>
             </a:r>
             <a:r>
-              <a:rPr lang="en-US" sz="3000" b="1" i="0" u="none" strike="noStrike" cap="none" dirty="0">
+              <a:rPr lang="es-419" sz="3000" b="1" i="0" u="none" strike="noStrike" cap="none">
                 <a:solidFill>
                   <a:srgbClr val="FF00FF"/>
                 </a:solidFill>
@@ -4925,7 +4840,7 @@
               <a:t>3</a:t>
             </a:r>
             <a:r>
-              <a:rPr lang="en-US" sz="3000" b="1" i="0" u="none" strike="noStrike" cap="none" dirty="0">
+              <a:rPr lang="es-419" sz="3000" b="1" i="0" u="none" strike="noStrike" cap="none">
                 <a:solidFill>
                   <a:schemeClr val="lt1"/>
                 </a:solidFill>
@@ -4956,7 +4871,7 @@
               <a:buNone/>
             </a:pPr>
             <a:r>
-              <a:rPr lang="en-US" sz="3000" b="1" i="0" u="none" strike="noStrike" cap="none" dirty="0">
+              <a:rPr lang="es-419" sz="3000" b="1" i="0" u="none" strike="noStrike" cap="none">
                 <a:solidFill>
                   <a:schemeClr val="lt1"/>
                 </a:solidFill>
@@ -4987,7 +4902,7 @@
               <a:buNone/>
             </a:pPr>
             <a:r>
-              <a:rPr lang="en-US" sz="3000" b="1" i="0" u="none" strike="noStrike" cap="none" dirty="0">
+              <a:rPr lang="es-419" sz="3000" b="1" i="0" u="none" strike="noStrike" cap="none">
                 <a:solidFill>
                   <a:schemeClr val="lt1"/>
                 </a:solidFill>
@@ -4999,7 +4914,7 @@
               <a:t>&gt;&gt;&gt; </a:t>
             </a:r>
             <a:r>
-              <a:rPr lang="en-US" sz="3000" b="1" i="0" u="none" strike="noStrike" cap="none" dirty="0">
+              <a:rPr lang="es-419" sz="3000" b="1" i="0" u="none" strike="noStrike" cap="none">
                 <a:solidFill>
                   <a:srgbClr val="00FF00"/>
                 </a:solidFill>
@@ -5011,7 +4926,7 @@
               <a:t>t</a:t>
             </a:r>
             <a:r>
-              <a:rPr lang="en-US" sz="3000" b="1" i="0" u="none" strike="noStrike" cap="none" dirty="0">
+              <a:rPr lang="es-419" sz="3000" b="1" i="0" u="none" strike="noStrike" cap="none">
                 <a:solidFill>
                   <a:schemeClr val="lt1"/>
                 </a:solidFill>
@@ -5023,7 +4938,7 @@
               <a:t>[</a:t>
             </a:r>
             <a:r>
-              <a:rPr lang="en-US" sz="3000" b="1" i="0" u="none" strike="noStrike" cap="none" dirty="0">
+              <a:rPr lang="es-419" sz="3000" b="1" i="0" u="none" strike="noStrike" cap="none">
                 <a:solidFill>
                   <a:srgbClr val="00FFFF"/>
                 </a:solidFill>
@@ -5035,7 +4950,7 @@
               <a:t>:</a:t>
             </a:r>
             <a:r>
-              <a:rPr lang="en-US" sz="3000" b="1" i="0" u="none" strike="noStrike" cap="none" dirty="0">
+              <a:rPr lang="es-419" sz="3000" b="1" i="0" u="none" strike="noStrike" cap="none">
                 <a:solidFill>
                   <a:srgbClr val="FF00FF"/>
                 </a:solidFill>
@@ -5047,7 +4962,7 @@
               <a:t>4</a:t>
             </a:r>
             <a:r>
-              <a:rPr lang="en-US" sz="3000" b="1" i="0" u="none" strike="noStrike" cap="none" dirty="0">
+              <a:rPr lang="es-419" sz="3000" b="1" i="0" u="none" strike="noStrike" cap="none">
                 <a:solidFill>
                   <a:schemeClr val="lt1"/>
                 </a:solidFill>
@@ -5078,7 +4993,7 @@
               <a:buNone/>
             </a:pPr>
             <a:r>
-              <a:rPr lang="en-US" sz="3000" b="1" i="0" u="none" strike="noStrike" cap="none" dirty="0">
+              <a:rPr lang="es-419" sz="3000" b="1" i="0" u="none" strike="noStrike" cap="none">
                 <a:solidFill>
                   <a:schemeClr val="lt1"/>
                 </a:solidFill>
@@ -5109,7 +5024,7 @@
               <a:buNone/>
             </a:pPr>
             <a:r>
-              <a:rPr lang="en-US" sz="3000" b="1" i="0" u="none" strike="noStrike" cap="none" dirty="0">
+              <a:rPr lang="es-419" sz="3000" b="1" i="0" u="none" strike="noStrike" cap="none">
                 <a:solidFill>
                   <a:schemeClr val="lt1"/>
                 </a:solidFill>
@@ -5121,7 +5036,7 @@
               <a:t>&gt;&gt;&gt; </a:t>
             </a:r>
             <a:r>
-              <a:rPr lang="en-US" sz="3000" b="1" i="0" u="none" strike="noStrike" cap="none" dirty="0">
+              <a:rPr lang="es-419" sz="3000" b="1" i="0" u="none" strike="noStrike" cap="none">
                 <a:solidFill>
                   <a:srgbClr val="00FF00"/>
                 </a:solidFill>
@@ -5133,7 +5048,7 @@
               <a:t>t</a:t>
             </a:r>
             <a:r>
-              <a:rPr lang="en-US" sz="3000" b="1" i="0" u="none" strike="noStrike" cap="none" dirty="0">
+              <a:rPr lang="es-419" sz="3000" b="1" i="0" u="none" strike="noStrike" cap="none">
                 <a:solidFill>
                   <a:schemeClr val="lt1"/>
                 </a:solidFill>
@@ -5145,7 +5060,7 @@
               <a:t>[3</a:t>
             </a:r>
             <a:r>
-              <a:rPr lang="en-US" sz="3000" b="1" i="0" u="none" strike="noStrike" cap="none" dirty="0">
+              <a:rPr lang="es-419" sz="3000" b="1" i="0" u="none" strike="noStrike" cap="none">
                 <a:solidFill>
                   <a:srgbClr val="00FFFF"/>
                 </a:solidFill>
@@ -5157,7 +5072,7 @@
               <a:t>:</a:t>
             </a:r>
             <a:r>
-              <a:rPr lang="en-US" sz="3000" b="1" i="0" u="none" strike="noStrike" cap="none" dirty="0">
+              <a:rPr lang="es-419" sz="3000" b="1" i="0" u="none" strike="noStrike" cap="none">
                 <a:solidFill>
                   <a:schemeClr val="lt1"/>
                 </a:solidFill>
@@ -5188,7 +5103,7 @@
               <a:buNone/>
             </a:pPr>
             <a:r>
-              <a:rPr lang="en-US" sz="3000" b="1" i="0" u="none" strike="noStrike" cap="none" dirty="0">
+              <a:rPr lang="es-419" sz="3000" b="1" i="0" u="none" strike="noStrike" cap="none">
                 <a:solidFill>
                   <a:schemeClr val="lt1"/>
                 </a:solidFill>
@@ -5219,7 +5134,7 @@
               <a:buNone/>
             </a:pPr>
             <a:r>
-              <a:rPr lang="en-US" sz="3000" b="1" i="0" u="none" strike="noStrike" cap="none" dirty="0">
+              <a:rPr lang="es-419" sz="3000" b="1" i="0" u="none" strike="noStrike" cap="none">
                 <a:solidFill>
                   <a:schemeClr val="lt1"/>
                 </a:solidFill>
@@ -5231,7 +5146,7 @@
               <a:t>&gt;&gt;&gt; </a:t>
             </a:r>
             <a:r>
-              <a:rPr lang="en-US" sz="3000" b="1" i="0" u="none" strike="noStrike" cap="none" dirty="0">
+              <a:rPr lang="es-419" sz="3000" b="1" i="0" u="none" strike="noStrike" cap="none">
                 <a:solidFill>
                   <a:srgbClr val="00FF00"/>
                 </a:solidFill>
@@ -5243,7 +5158,7 @@
               <a:t>t</a:t>
             </a:r>
             <a:r>
-              <a:rPr lang="en-US" sz="3000" b="1" i="0" u="none" strike="noStrike" cap="none" dirty="0">
+              <a:rPr lang="es-419" sz="3000" b="1" i="0" u="none" strike="noStrike" cap="none">
                 <a:solidFill>
                   <a:schemeClr val="lt1"/>
                 </a:solidFill>
@@ -5255,7 +5170,7 @@
               <a:t>[</a:t>
             </a:r>
             <a:r>
-              <a:rPr lang="en-US" sz="3000" b="1" i="0" u="none" strike="noStrike" cap="none" dirty="0">
+              <a:rPr lang="es-419" sz="3000" b="1" i="0" u="none" strike="noStrike" cap="none">
                 <a:solidFill>
                   <a:srgbClr val="00FFFF"/>
                 </a:solidFill>
@@ -5267,7 +5182,7 @@
               <a:t>:</a:t>
             </a:r>
             <a:r>
-              <a:rPr lang="en-US" sz="3000" b="1" i="0" u="none" strike="noStrike" cap="none" dirty="0">
+              <a:rPr lang="es-419" sz="3000" b="1" i="0" u="none" strike="noStrike" cap="none">
                 <a:solidFill>
                   <a:schemeClr val="lt1"/>
                 </a:solidFill>
@@ -5298,7 +5213,7 @@
               <a:buNone/>
             </a:pPr>
             <a:r>
-              <a:rPr lang="en-US" sz="3000" b="1" i="0" u="none" strike="noStrike" cap="none" dirty="0">
+              <a:rPr lang="es-419" sz="3000" b="1" i="0" u="none" strike="noStrike" cap="none">
                 <a:solidFill>
                   <a:schemeClr val="lt1"/>
                 </a:solidFill>
@@ -5355,7 +5270,7 @@
               <a:buNone/>
             </a:pPr>
             <a:r>
-              <a:rPr lang="en-US" sz="3600" u="none" strike="noStrike" cap="none">
+              <a:rPr lang="es-419" sz="3600" u="none" strike="noStrike" cap="none" dirty="0">
                 <a:solidFill>
                   <a:srgbClr val="00FF00"/>
                 </a:solidFill>
@@ -5364,10 +5279,10 @@
                 <a:cs typeface="Arial" charset="0"/>
                 <a:sym typeface="Cabin"/>
               </a:rPr>
-              <a:t>Remember</a:t>
-            </a:r>
-            <a:r>
-              <a:rPr lang="en-US" sz="3600" u="none" strike="noStrike" cap="none">
+              <a:t>Recuerda</a:t>
+            </a:r>
+            <a:r>
+              <a:rPr lang="es-419" sz="3600" u="none" strike="noStrike" cap="none" dirty="0">
                 <a:solidFill>
                   <a:schemeClr val="lt1"/>
                 </a:solidFill>
@@ -5376,10 +5291,10 @@
                 <a:cs typeface="Arial" charset="0"/>
                 <a:sym typeface="Cabin"/>
               </a:rPr>
-              <a:t>:  Just like in strings, the second number is </a:t>
-            </a:r>
-            <a:r>
-              <a:rPr lang="en-US" sz="3600">
+              <a:t>:  </a:t>
+            </a:r>
+            <a:r>
+              <a:rPr lang="es-419" sz="3600" dirty="0">
                 <a:solidFill>
                   <a:schemeClr val="lt1"/>
                 </a:solidFill>
@@ -5388,22 +5303,70 @@
                 <a:cs typeface="Arial" charset="0"/>
                 <a:sym typeface="Cabin"/>
               </a:rPr>
-              <a:t>“</a:t>
-            </a:r>
-            <a:r>
-              <a:rPr lang="en-US" sz="3600" u="none" strike="noStrike" cap="none">
-                <a:solidFill>
-                  <a:srgbClr val="FF00FF"/>
+              <a:t>Tal como en las cadenas, el segundo n</a:t>
+            </a:r>
+            <a:r>
+              <a:rPr lang="es-MX" sz="3600" dirty="0" err="1">
+                <a:solidFill>
+                  <a:schemeClr val="lt1"/>
                 </a:solidFill>
                 <a:latin typeface="Arial" charset="0"/>
                 <a:ea typeface="Arial" charset="0"/>
                 <a:cs typeface="Arial" charset="0"/>
                 <a:sym typeface="Cabin"/>
               </a:rPr>
-              <a:t>up to but not including</a:t>
-            </a:r>
-            <a:r>
-              <a:rPr lang="en-US" sz="3600">
+              <a:t>úmero</a:t>
+            </a:r>
+            <a:r>
+              <a:rPr lang="es-MX" sz="3600" dirty="0">
+                <a:solidFill>
+                  <a:schemeClr val="lt1"/>
+                </a:solidFill>
+                <a:latin typeface="Arial" charset="0"/>
+                <a:ea typeface="Arial" charset="0"/>
+                <a:cs typeface="Arial" charset="0"/>
+                <a:sym typeface="Cabin"/>
+              </a:rPr>
+              <a:t> es</a:t>
+            </a:r>
+            <a:r>
+              <a:rPr lang="es-419" sz="3600" u="none" strike="noStrike" cap="none" dirty="0">
+                <a:solidFill>
+                  <a:schemeClr val="lt1"/>
+                </a:solidFill>
+                <a:latin typeface="Arial" charset="0"/>
+                <a:ea typeface="Arial" charset="0"/>
+                <a:cs typeface="Arial" charset="0"/>
+                <a:sym typeface="Cabin"/>
+              </a:rPr>
+              <a:t> </a:t>
+            </a:r>
+            <a:r>
+              <a:rPr lang="es-419" sz="3600" dirty="0">
+                <a:solidFill>
+                  <a:schemeClr val="lt1"/>
+                </a:solidFill>
+                <a:latin typeface="Arial" charset="0"/>
+                <a:ea typeface="Arial" charset="0"/>
+                <a:cs typeface="Arial" charset="0"/>
+                <a:sym typeface="Cabin"/>
+              </a:rPr>
+              <a:t>“</a:t>
+            </a:r>
+            <a:r>
+              <a:rPr lang="es-419" sz="3600" dirty="0">
+                <a:solidFill>
+                  <a:srgbClr val="FF00FF"/>
+                </a:solidFill>
+                <a:latin typeface="Arial" charset="0"/>
+                <a:ea typeface="Arial" charset="0"/>
+                <a:cs typeface="Arial" charset="0"/>
+                <a:sym typeface="Cabin"/>
+              </a:rPr>
+              <a:t>hasta pero no incluyendo</a:t>
+            </a:r>
+            <a:r>
+              <a:rPr lang="es-419" sz="3600" dirty="0">
                 <a:solidFill>
                   <a:schemeClr val="lt1"/>
                 </a:solidFill>
@@ -5422,13 +5385,6 @@
   <p:clrMapOvr>
     <a:masterClrMapping/>
   </p:clrMapOvr>
-  <p:timing>
-    <p:tnLst>
-      <p:par>
-        <p:cTn xmlns:p14="http://schemas.microsoft.com/office/powerpoint/2010/main" id="1" dur="indefinite" restart="never" nodeType="tmRoot"/>
-      </p:par>
-    </p:tnLst>
-  </p:timing>
 </p:sld>
 </file>
 
@@ -5496,7 +5452,7 @@
               <a:buNone/>
             </a:pPr>
             <a:r>
-              <a:rPr lang="en-US" sz="7600" u="none" strike="noStrike" cap="none" dirty="0">
+              <a:rPr lang="es-419" sz="7600" u="none" strike="noStrike" cap="none" dirty="0">
                 <a:solidFill>
                   <a:srgbClr val="FFFF00"/>
                 </a:solidFill>
@@ -5505,7 +5461,7 @@
                 <a:cs typeface="Arial" charset="0"/>
                 <a:sym typeface="Cabin"/>
               </a:rPr>
-              <a:t>List Methods</a:t>
+              <a:t>Métodos de Listas</a:t>
             </a:r>
           </a:p>
         </p:txBody>
@@ -5553,7 +5509,7 @@
               <a:buNone/>
             </a:pPr>
             <a:r>
-              <a:rPr lang="en-US" sz="3000" b="1" i="0" u="none" strike="noStrike" cap="none" dirty="0">
+              <a:rPr lang="es-419" sz="3000" b="1" i="0" u="none" strike="noStrike" cap="none">
                 <a:solidFill>
                   <a:schemeClr val="lt1"/>
                 </a:solidFill>
@@ -5565,7 +5521,7 @@
               <a:t>&gt;&gt;&gt; </a:t>
             </a:r>
             <a:r>
-              <a:rPr lang="en-US" sz="3000" b="1" i="0" u="none" strike="noStrike" cap="none" dirty="0">
+              <a:rPr lang="es-419" sz="3000" b="1" i="0" u="none" strike="noStrike" cap="none">
                 <a:solidFill>
                   <a:srgbClr val="00FF00"/>
                 </a:solidFill>
@@ -5577,7 +5533,7 @@
               <a:t>x</a:t>
             </a:r>
             <a:r>
-              <a:rPr lang="en-US" sz="3000" b="1" i="0" u="none" strike="noStrike" cap="none" dirty="0">
+              <a:rPr lang="es-419" sz="3000" b="1" i="0" u="none" strike="noStrike" cap="none">
                 <a:solidFill>
                   <a:schemeClr val="lt1"/>
                 </a:solidFill>
@@ -5589,7 +5545,7 @@
               <a:t> = </a:t>
             </a:r>
             <a:r>
-              <a:rPr lang="en-US" sz="3000" b="1" i="0" u="none" strike="noStrike" cap="none" dirty="0">
+              <a:rPr lang="es-419" sz="3000" b="1" i="0" u="none" strike="noStrike" cap="none">
                 <a:solidFill>
                   <a:srgbClr val="FF00FF"/>
                 </a:solidFill>
@@ -5601,7 +5557,7 @@
               <a:t>list</a:t>
             </a:r>
             <a:r>
-              <a:rPr lang="en-US" sz="3000" b="1" i="0" u="none" strike="noStrike" cap="none" dirty="0">
+              <a:rPr lang="es-419" sz="3000" b="1" i="0" u="none" strike="noStrike" cap="none">
                 <a:solidFill>
                   <a:schemeClr val="lt1"/>
                 </a:solidFill>
@@ -5632,7 +5588,7 @@
               <a:buNone/>
             </a:pPr>
             <a:r>
-              <a:rPr lang="en-US" sz="3000" b="1" i="0" u="none" strike="noStrike" cap="none" dirty="0">
+              <a:rPr lang="es-419" sz="3000" b="1" i="0" u="none" strike="noStrike" cap="none">
                 <a:solidFill>
                   <a:schemeClr val="lt1"/>
                 </a:solidFill>
@@ -5644,7 +5600,7 @@
               <a:t>&gt;&gt;&gt; </a:t>
             </a:r>
             <a:r>
-              <a:rPr lang="en-US" sz="3000" b="1" i="0" u="none" strike="noStrike" cap="none" dirty="0">
+              <a:rPr lang="es-419" sz="3000" b="1" i="0" u="none" strike="noStrike" cap="none">
                 <a:solidFill>
                   <a:srgbClr val="FF00FF"/>
                 </a:solidFill>
@@ -5656,7 +5612,7 @@
               <a:t>type</a:t>
             </a:r>
             <a:r>
-              <a:rPr lang="en-US" sz="3000" b="1" i="0" u="none" strike="noStrike" cap="none" dirty="0">
+              <a:rPr lang="es-419" sz="3000" b="1" i="0" u="none" strike="noStrike" cap="none">
                 <a:solidFill>
                   <a:schemeClr val="lt1"/>
                 </a:solidFill>
@@ -5668,7 +5624,7 @@
               <a:t>(</a:t>
             </a:r>
             <a:r>
-              <a:rPr lang="en-US" sz="3000" b="1" i="0" u="none" strike="noStrike" cap="none" dirty="0">
+              <a:rPr lang="es-419" sz="3000" b="1" i="0" u="none" strike="noStrike" cap="none">
                 <a:solidFill>
                   <a:srgbClr val="00FF00"/>
                 </a:solidFill>
@@ -5680,7 +5636,7 @@
               <a:t>x</a:t>
             </a:r>
             <a:r>
-              <a:rPr lang="en-US" sz="3000" b="1" i="0" u="none" strike="noStrike" cap="none" dirty="0">
+              <a:rPr lang="es-419" sz="3000" b="1" i="0" u="none" strike="noStrike" cap="none">
                 <a:solidFill>
                   <a:schemeClr val="lt1"/>
                 </a:solidFill>
@@ -5711,7 +5667,7 @@
               <a:buNone/>
             </a:pPr>
             <a:r>
-              <a:rPr lang="en-US" sz="3000" b="1" i="0" u="none" strike="noStrike" cap="none" dirty="0">
+              <a:rPr lang="es-419" sz="3000" b="1" i="0" u="none" strike="noStrike" cap="none">
                 <a:solidFill>
                   <a:schemeClr val="lt1"/>
                 </a:solidFill>
@@ -5742,7 +5698,7 @@
               <a:buNone/>
             </a:pPr>
             <a:r>
-              <a:rPr lang="en-US" sz="3000" b="1" i="0" u="none" strike="noStrike" cap="none" dirty="0">
+              <a:rPr lang="es-419" sz="3000" b="1" i="0" u="none" strike="noStrike" cap="none">
                 <a:solidFill>
                   <a:schemeClr val="lt1"/>
                 </a:solidFill>
@@ -5754,7 +5710,7 @@
               <a:t>&gt;&gt;&gt; </a:t>
             </a:r>
             <a:r>
-              <a:rPr lang="en-US" sz="3000" b="1" i="0" u="none" strike="noStrike" cap="none" dirty="0" err="1">
+              <a:rPr lang="es-419" sz="3000" b="1" i="0" u="none" strike="noStrike" cap="none">
                 <a:solidFill>
                   <a:srgbClr val="FF00FF"/>
                 </a:solidFill>
@@ -5766,7 +5722,7 @@
               <a:t>dir</a:t>
             </a:r>
             <a:r>
-              <a:rPr lang="en-US" sz="3000" b="1" i="0" u="none" strike="noStrike" cap="none" dirty="0">
+              <a:rPr lang="es-419" sz="3000" b="1" i="0" u="none" strike="noStrike" cap="none">
                 <a:solidFill>
                   <a:schemeClr val="lt1"/>
                 </a:solidFill>
@@ -5778,7 +5734,7 @@
               <a:t>(</a:t>
             </a:r>
             <a:r>
-              <a:rPr lang="en-US" sz="3000" b="1" i="0" u="none" strike="noStrike" cap="none" dirty="0">
+              <a:rPr lang="es-419" sz="3000" b="1" i="0" u="none" strike="noStrike" cap="none">
                 <a:solidFill>
                   <a:srgbClr val="00FF00"/>
                 </a:solidFill>
@@ -5790,7 +5746,7 @@
               <a:t>x</a:t>
             </a:r>
             <a:r>
-              <a:rPr lang="en-US" sz="3000" b="1" i="0" u="none" strike="noStrike" cap="none" dirty="0">
+              <a:rPr lang="es-419" sz="3000" b="1" i="0" u="none" strike="noStrike" cap="none">
                 <a:solidFill>
                   <a:schemeClr val="lt1"/>
                 </a:solidFill>
@@ -5821,7 +5777,7 @@
               <a:buNone/>
             </a:pPr>
             <a:r>
-              <a:rPr lang="en-US" sz="3000" b="1" i="0" u="none" strike="noStrike" cap="none" dirty="0">
+              <a:rPr lang="es-419" sz="3000" b="1" i="0" u="none" strike="noStrike" cap="none">
                 <a:solidFill>
                   <a:schemeClr val="lt1"/>
                 </a:solidFill>
@@ -5852,7 +5808,7 @@
               <a:buNone/>
             </a:pPr>
             <a:r>
-              <a:rPr lang="en-US" sz="3000" b="1" i="0" u="none" strike="noStrike" cap="none" dirty="0">
+              <a:rPr lang="es-419" sz="3000" b="1" i="0" u="none" strike="noStrike" cap="none">
                 <a:solidFill>
                   <a:schemeClr val="lt1"/>
                 </a:solidFill>
@@ -5864,7 +5820,7 @@
               <a:t>&gt;&gt;&gt;</a:t>
             </a:r>
             <a:r>
-              <a:rPr lang="en-US" sz="3600" b="1" i="0" u="none" strike="noStrike" cap="none" dirty="0">
+              <a:rPr lang="es-419" sz="3600" b="1" i="0" u="none" strike="noStrike" cap="none">
                 <a:solidFill>
                   <a:schemeClr val="lt1"/>
                 </a:solidFill>
@@ -5921,7 +5877,7 @@
               <a:buNone/>
             </a:pPr>
             <a:r>
-              <a:rPr lang="en-US" sz="3000" u="sng" strike="noStrike" cap="none" dirty="0">
+              <a:rPr lang="es-419" sz="3000" u="sng" strike="noStrike" cap="none">
                 <a:solidFill>
                   <a:srgbClr val="FFFF00"/>
                 </a:solidFill>
@@ -5941,13 +5897,6 @@
   <p:clrMapOvr>
     <a:masterClrMapping/>
   </p:clrMapOvr>
-  <p:timing>
-    <p:tnLst>
-      <p:par>
-        <p:cTn xmlns:p14="http://schemas.microsoft.com/office/powerpoint/2010/main" id="1" dur="indefinite" restart="never" nodeType="tmRoot"/>
-      </p:par>
-    </p:tnLst>
-  </p:timing>
 </p:sld>
 </file>
 
@@ -5979,6 +5928,10 @@
           </p:nvPr>
         </p:nvSpPr>
         <p:spPr>
+          <a:xfrm>
+            <a:off x="0" y="905084"/>
+            <a:ext cx="16256000" cy="1247721"/>
+          </a:xfrm>
           <a:prstGeom prst="rect">
             <a:avLst/>
           </a:prstGeom>
@@ -6011,7 +5964,7 @@
               <a:buNone/>
             </a:pPr>
             <a:r>
-              <a:rPr lang="en-US" sz="7600" u="none" strike="noStrike" cap="none" dirty="0">
+              <a:rPr lang="es-419" sz="7600" u="none" strike="noStrike" cap="none" dirty="0">
                 <a:solidFill>
                   <a:srgbClr val="FFFF00"/>
                 </a:solidFill>
@@ -6020,55 +5973,7 @@
                 <a:cs typeface="Arial" charset="0"/>
                 <a:sym typeface="Cabin"/>
               </a:rPr>
-              <a:t>Building a </a:t>
-            </a:r>
-            <a:r>
-              <a:rPr lang="en-US" sz="7600" dirty="0">
-                <a:solidFill>
-                  <a:srgbClr val="FFFF00"/>
-                </a:solidFill>
-                <a:latin typeface="Arial" charset="0"/>
-                <a:ea typeface="Arial" charset="0"/>
-                <a:cs typeface="Arial" charset="0"/>
-                <a:sym typeface="Cabin"/>
-              </a:rPr>
-              <a:t>L</a:t>
-            </a:r>
-            <a:r>
-              <a:rPr lang="en-US" sz="7600" u="none" strike="noStrike" cap="none" dirty="0">
-                <a:solidFill>
-                  <a:srgbClr val="FFFF00"/>
-                </a:solidFill>
-                <a:latin typeface="Arial" charset="0"/>
-                <a:ea typeface="Arial" charset="0"/>
-                <a:cs typeface="Arial" charset="0"/>
-                <a:sym typeface="Cabin"/>
-              </a:rPr>
-              <a:t>ist from </a:t>
-            </a:r>
-            <a:r>
-              <a:rPr lang="en-US" sz="7600" dirty="0">
-                <a:solidFill>
-                  <a:srgbClr val="FFFF00"/>
-                </a:solidFill>
-                <a:latin typeface="Arial" charset="0"/>
-                <a:ea typeface="Arial" charset="0"/>
-                <a:cs typeface="Arial" charset="0"/>
-                <a:sym typeface="Cabin"/>
-              </a:rPr>
-              <a:t>S</a:t>
-            </a:r>
-            <a:r>
-              <a:rPr lang="en-US" sz="7600" u="none" strike="noStrike" cap="none" dirty="0">
-                <a:solidFill>
-                  <a:srgbClr val="FFFF00"/>
-                </a:solidFill>
-                <a:latin typeface="Arial" charset="0"/>
-                <a:ea typeface="Arial" charset="0"/>
-                <a:cs typeface="Arial" charset="0"/>
-                <a:sym typeface="Cabin"/>
-              </a:rPr>
-              <a:t>cratch</a:t>
+              <a:t>Construyendo una Lista desde Cero</a:t>
             </a:r>
           </a:p>
         </p:txBody>
@@ -6085,7 +5990,7 @@
         </p:nvSpPr>
         <p:spPr>
           <a:xfrm>
-            <a:off x="1390900" y="1521722"/>
+            <a:off x="1390900" y="2536617"/>
             <a:ext cx="6302375" cy="5702299"/>
           </a:xfrm>
           <a:prstGeom prst="rect">
@@ -6117,7 +6022,7 @@
               <a:buChar char="•"/>
             </a:pPr>
             <a:r>
-              <a:rPr lang="en-US" sz="3400" b="0" u="none" strike="noStrike" cap="none" dirty="0">
+              <a:rPr lang="es-419" sz="3400" b="0" u="none" strike="noStrike" cap="none" dirty="0">
                 <a:solidFill>
                   <a:schemeClr val="lt1"/>
                 </a:solidFill>
@@ -6126,10 +6031,10 @@
                 <a:cs typeface="Arial" charset="0"/>
                 <a:sym typeface="Cabin"/>
               </a:rPr>
-              <a:t>We can create an empty </a:t>
-            </a:r>
-            <a:r>
-              <a:rPr lang="en-US" sz="3400" b="0" u="none" strike="noStrike" cap="none" dirty="0">
+              <a:t>Podemos crear una </a:t>
+            </a:r>
+            <a:r>
+              <a:rPr lang="es-419" sz="3400" b="0" u="none" strike="noStrike" cap="none" dirty="0">
                 <a:solidFill>
                   <a:srgbClr val="00FF00"/>
                 </a:solidFill>
@@ -6138,10 +6043,10 @@
                 <a:cs typeface="Arial" charset="0"/>
                 <a:sym typeface="Cabin"/>
               </a:rPr>
-              <a:t>list</a:t>
-            </a:r>
-            <a:r>
-              <a:rPr lang="en-US" sz="3400" b="0" u="none" strike="noStrike" cap="none" dirty="0">
+              <a:t>lista </a:t>
+            </a:r>
+            <a:r>
+              <a:rPr lang="es-419" sz="3400" b="0" dirty="0">
                 <a:solidFill>
                   <a:schemeClr val="lt1"/>
                 </a:solidFill>
@@ -6150,31 +6055,43 @@
                 <a:cs typeface="Arial" charset="0"/>
                 <a:sym typeface="Cabin"/>
               </a:rPr>
-              <a:t> and then add elements using the </a:t>
-            </a:r>
-            <a:r>
-              <a:rPr lang="en-US" sz="3400" b="0" u="none" strike="noStrike" cap="none" dirty="0">
-                <a:solidFill>
-                  <a:srgbClr val="FF00FF"/>
+              <a:t>vacía y después agregar elementos usando el método</a:t>
+            </a:r>
+            <a:r>
+              <a:rPr lang="es-419" sz="3400" b="0" u="none" strike="noStrike" cap="none" dirty="0">
+                <a:solidFill>
+                  <a:schemeClr val="lt1"/>
                 </a:solidFill>
                 <a:latin typeface="Arial" charset="0"/>
                 <a:ea typeface="Arial" charset="0"/>
                 <a:cs typeface="Arial" charset="0"/>
                 <a:sym typeface="Cabin"/>
               </a:rPr>
-              <a:t>append</a:t>
-            </a:r>
-            <a:r>
-              <a:rPr lang="en-US" sz="3400" b="0" u="none" strike="noStrike" cap="none" dirty="0">
-                <a:solidFill>
-                  <a:schemeClr val="lt1"/>
+              <a:t> </a:t>
+            </a:r>
+            <a:r>
+              <a:rPr lang="es-419" sz="3400" b="0" u="none" strike="noStrike" cap="none" dirty="0" err="1">
+                <a:solidFill>
+                  <a:srgbClr val="FF00FF"/>
                 </a:solidFill>
                 <a:latin typeface="Arial" charset="0"/>
                 <a:ea typeface="Arial" charset="0"/>
                 <a:cs typeface="Arial" charset="0"/>
                 <a:sym typeface="Cabin"/>
               </a:rPr>
-              <a:t> method</a:t>
+              <a:t>append</a:t>
+            </a:r>
+            <a:r>
+              <a:rPr lang="es-419" sz="3400" b="0" u="none" strike="noStrike" cap="none" dirty="0">
+                <a:solidFill>
+                  <a:schemeClr val="lt1"/>
+                </a:solidFill>
+                <a:latin typeface="Arial" charset="0"/>
+                <a:ea typeface="Arial" charset="0"/>
+                <a:cs typeface="Arial" charset="0"/>
+                <a:sym typeface="Cabin"/>
+              </a:rPr>
+              <a:t> (agregar)</a:t>
             </a:r>
           </a:p>
           <a:p>
@@ -6193,7 +6110,7 @@
               <a:buChar char="•"/>
             </a:pPr>
             <a:r>
-              <a:rPr lang="en-US" sz="3400" b="0" u="none" strike="noStrike" cap="none" dirty="0">
+              <a:rPr lang="es-419" sz="3400" b="0" u="none" strike="noStrike" cap="none" dirty="0">
                 <a:solidFill>
                   <a:schemeClr val="lt1"/>
                 </a:solidFill>
@@ -6202,10 +6119,10 @@
                 <a:cs typeface="Arial" charset="0"/>
                 <a:sym typeface="Cabin"/>
               </a:rPr>
-              <a:t>The </a:t>
-            </a:r>
-            <a:r>
-              <a:rPr lang="en-US" sz="3400" b="0" u="none" strike="noStrike" cap="none" dirty="0">
+              <a:t>La </a:t>
+            </a:r>
+            <a:r>
+              <a:rPr lang="es-419" sz="3400" b="0" u="none" strike="noStrike" cap="none" dirty="0">
                 <a:solidFill>
                   <a:srgbClr val="00FF00"/>
                 </a:solidFill>
@@ -6214,10 +6131,10 @@
                 <a:cs typeface="Arial" charset="0"/>
                 <a:sym typeface="Cabin"/>
               </a:rPr>
-              <a:t>list</a:t>
-            </a:r>
-            <a:r>
-              <a:rPr lang="en-US" sz="3400" b="0" u="none" strike="noStrike" cap="none" dirty="0">
+              <a:t>lista</a:t>
+            </a:r>
+            <a:r>
+              <a:rPr lang="es-419" sz="3400" b="0" u="none" strike="noStrike" cap="none" dirty="0">
                 <a:solidFill>
                   <a:schemeClr val="lt1"/>
                 </a:solidFill>
@@ -6226,43 +6143,55 @@
                 <a:cs typeface="Arial" charset="0"/>
                 <a:sym typeface="Cabin"/>
               </a:rPr>
-              <a:t> stays in order and new elements are </a:t>
-            </a:r>
-            <a:r>
-              <a:rPr lang="en-US" sz="3400" b="0" u="none" strike="noStrike" cap="none" dirty="0">
-                <a:solidFill>
-                  <a:srgbClr val="FF00FF"/>
+              <a:t> </a:t>
+            </a:r>
+            <a:r>
+              <a:rPr lang="es-419" sz="3400" b="0" dirty="0">
+                <a:solidFill>
+                  <a:schemeClr val="lt1"/>
                 </a:solidFill>
                 <a:latin typeface="Arial" charset="0"/>
                 <a:ea typeface="Arial" charset="0"/>
                 <a:cs typeface="Arial" charset="0"/>
                 <a:sym typeface="Cabin"/>
               </a:rPr>
-              <a:t>added</a:t>
-            </a:r>
-            <a:r>
-              <a:rPr lang="en-US" sz="3400" b="0" u="none" strike="noStrike" cap="none" dirty="0">
-                <a:solidFill>
-                  <a:schemeClr val="lt1"/>
+              <a:t>mantiene su orden y los nuevos elementos son </a:t>
+            </a:r>
+            <a:r>
+              <a:rPr lang="es-419" sz="3400" b="0" u="none" strike="noStrike" cap="none" dirty="0">
+                <a:solidFill>
+                  <a:srgbClr val="FF00FF"/>
                 </a:solidFill>
                 <a:latin typeface="Arial" charset="0"/>
                 <a:ea typeface="Arial" charset="0"/>
                 <a:cs typeface="Arial" charset="0"/>
                 <a:sym typeface="Cabin"/>
               </a:rPr>
-              <a:t> at the end of the </a:t>
-            </a:r>
-            <a:r>
-              <a:rPr lang="en-US" sz="3400" b="0" u="none" strike="noStrike" cap="none" dirty="0">
-                <a:solidFill>
-                  <a:srgbClr val="00FF00"/>
+              <a:t>agregados</a:t>
+            </a:r>
+            <a:r>
+              <a:rPr lang="es-419" sz="3400" b="0" u="none" strike="noStrike" cap="none" dirty="0">
+                <a:solidFill>
+                  <a:schemeClr val="lt1"/>
                 </a:solidFill>
                 <a:latin typeface="Arial" charset="0"/>
                 <a:ea typeface="Arial" charset="0"/>
                 <a:cs typeface="Arial" charset="0"/>
                 <a:sym typeface="Cabin"/>
               </a:rPr>
-              <a:t>list</a:t>
+              <a:t> al final de la </a:t>
+            </a:r>
+            <a:r>
+              <a:rPr lang="es-419" sz="3400" b="0" u="none" strike="noStrike" cap="none" dirty="0">
+                <a:solidFill>
+                  <a:srgbClr val="00FF00"/>
+                </a:solidFill>
+                <a:latin typeface="Arial" charset="0"/>
+                <a:ea typeface="Arial" charset="0"/>
+                <a:cs typeface="Arial" charset="0"/>
+                <a:sym typeface="Cabin"/>
+              </a:rPr>
+              <a:t>lista</a:t>
             </a:r>
           </a:p>
         </p:txBody>
@@ -6275,7 +6204,7 @@
         </p:nvSpPr>
         <p:spPr>
           <a:xfrm>
-            <a:off x="8602375" y="2128560"/>
+            <a:off x="8600019" y="3171666"/>
             <a:ext cx="7455599" cy="4432199"/>
           </a:xfrm>
           <a:prstGeom prst="rect">
@@ -6310,7 +6239,7 @@
               <a:buNone/>
             </a:pPr>
             <a:r>
-              <a:rPr lang="en-US" sz="3000" b="1" i="0" u="none" strike="noStrike" cap="none" dirty="0">
+              <a:rPr lang="es-419" sz="3000" b="1" i="0" u="none" strike="noStrike" cap="none" dirty="0">
                 <a:solidFill>
                   <a:schemeClr val="lt1"/>
                 </a:solidFill>
@@ -6322,7 +6251,7 @@
               <a:t>&gt;&gt;&gt; </a:t>
             </a:r>
             <a:r>
-              <a:rPr lang="en-US" sz="3000" b="1" i="0" u="none" strike="noStrike" cap="none" dirty="0">
+              <a:rPr lang="es-419" sz="3000" b="1" i="0" u="none" strike="noStrike" cap="none" dirty="0">
                 <a:solidFill>
                   <a:srgbClr val="00FF00"/>
                 </a:solidFill>
@@ -6331,10 +6260,10 @@
                 <a:cs typeface="Courier New"/>
                 <a:sym typeface="Courier New"/>
               </a:rPr>
-              <a:t>stuff</a:t>
-            </a:r>
-            <a:r>
-              <a:rPr lang="en-US" sz="3000" b="1" i="0" u="none" strike="noStrike" cap="none" dirty="0">
+              <a:t>cosas</a:t>
+            </a:r>
+            <a:r>
+              <a:rPr lang="es-419" sz="3000" b="1" i="0" u="none" strike="noStrike" cap="none" dirty="0">
                 <a:solidFill>
                   <a:schemeClr val="lt1"/>
                 </a:solidFill>
@@ -6346,7 +6275,7 @@
               <a:t> = </a:t>
             </a:r>
             <a:r>
-              <a:rPr lang="en-US" sz="3000" b="1" i="0" u="none" strike="noStrike" cap="none" dirty="0">
+              <a:rPr lang="es-419" sz="3000" b="1" i="0" u="none" strike="noStrike" cap="none" dirty="0" err="1">
                 <a:solidFill>
                   <a:srgbClr val="FF00FF"/>
                 </a:solidFill>
@@ -6358,7 +6287,7 @@
               <a:t>list</a:t>
             </a:r>
             <a:r>
-              <a:rPr lang="en-US" sz="3000" b="1" i="0" u="none" strike="noStrike" cap="none" dirty="0">
+              <a:rPr lang="es-419" sz="3000" b="1" i="0" u="none" strike="noStrike" cap="none" dirty="0">
                 <a:solidFill>
                   <a:schemeClr val="lt1"/>
                 </a:solidFill>
@@ -6368,317 +6297,6 @@
                 <a:sym typeface="Courier New"/>
               </a:rPr>
               <a:t>()</a:t>
-            </a:r>
-          </a:p>
-          <a:p>
-            <a:pPr marL="0" marR="0" lvl="0" indent="0" algn="l" rtl="0">
-              <a:lnSpc>
-                <a:spcPct val="100000"/>
-              </a:lnSpc>
-              <a:spcBef>
-                <a:spcPts val="0"/>
-              </a:spcBef>
-              <a:spcAft>
-                <a:spcPts val="0"/>
-              </a:spcAft>
-              <a:buClr>
-                <a:schemeClr val="lt1"/>
-              </a:buClr>
-              <a:buSzPct val="25000"/>
-              <a:buFont typeface="Cabin"/>
-              <a:buNone/>
-            </a:pPr>
-            <a:r>
-              <a:rPr lang="en-US" sz="3000" b="1" i="0" u="none" strike="noStrike" cap="none" dirty="0">
-                <a:solidFill>
-                  <a:schemeClr val="lt1"/>
-                </a:solidFill>
-                <a:latin typeface="Courier New"/>
-                <a:ea typeface="Courier New"/>
-                <a:cs typeface="Courier New"/>
-                <a:sym typeface="Courier New"/>
-              </a:rPr>
-              <a:t>&gt;&gt;&gt; </a:t>
-            </a:r>
-            <a:r>
-              <a:rPr lang="en-US" sz="3000" b="1" i="0" u="none" strike="noStrike" cap="none" dirty="0" err="1">
-                <a:solidFill>
-                  <a:srgbClr val="00FF00"/>
-                </a:solidFill>
-                <a:latin typeface="Courier New"/>
-                <a:ea typeface="Courier New"/>
-                <a:cs typeface="Courier New"/>
-                <a:sym typeface="Courier New"/>
-              </a:rPr>
-              <a:t>stuff</a:t>
-            </a:r>
-            <a:r>
-              <a:rPr lang="en-US" sz="3000" b="1" i="0" u="none" strike="noStrike" cap="none" dirty="0" err="1">
-                <a:solidFill>
-                  <a:srgbClr val="FF00FF"/>
-                </a:solidFill>
-                <a:latin typeface="Courier New"/>
-                <a:ea typeface="Courier New"/>
-                <a:cs typeface="Courier New"/>
-                <a:sym typeface="Courier New"/>
-              </a:rPr>
-              <a:t>.append</a:t>
-            </a:r>
-            <a:r>
-              <a:rPr lang="en-US" sz="3000" b="1" i="0" u="none" strike="noStrike" cap="none" dirty="0">
-                <a:solidFill>
-                  <a:schemeClr val="lt1"/>
-                </a:solidFill>
-                <a:latin typeface="Courier New"/>
-                <a:ea typeface="Courier New"/>
-                <a:cs typeface="Courier New"/>
-                <a:sym typeface="Courier New"/>
-              </a:rPr>
-              <a:t>('book')</a:t>
-            </a:r>
-          </a:p>
-          <a:p>
-            <a:pPr marL="0" marR="0" lvl="0" indent="0" algn="l" rtl="0">
-              <a:lnSpc>
-                <a:spcPct val="100000"/>
-              </a:lnSpc>
-              <a:spcBef>
-                <a:spcPts val="0"/>
-              </a:spcBef>
-              <a:spcAft>
-                <a:spcPts val="0"/>
-              </a:spcAft>
-              <a:buClr>
-                <a:schemeClr val="lt1"/>
-              </a:buClr>
-              <a:buSzPct val="25000"/>
-              <a:buFont typeface="Cabin"/>
-              <a:buNone/>
-            </a:pPr>
-            <a:r>
-              <a:rPr lang="en-US" sz="3000" b="1" i="0" u="none" strike="noStrike" cap="none" dirty="0">
-                <a:solidFill>
-                  <a:schemeClr val="lt1"/>
-                </a:solidFill>
-                <a:latin typeface="Courier New"/>
-                <a:ea typeface="Courier New"/>
-                <a:cs typeface="Courier New"/>
-                <a:sym typeface="Courier New"/>
-              </a:rPr>
-              <a:t>&gt;&gt;&gt; </a:t>
-            </a:r>
-            <a:r>
-              <a:rPr lang="en-US" sz="3000" b="1" i="0" u="none" strike="noStrike" cap="none" dirty="0" err="1">
-                <a:solidFill>
-                  <a:srgbClr val="00FF00"/>
-                </a:solidFill>
-                <a:latin typeface="Courier New"/>
-                <a:ea typeface="Courier New"/>
-                <a:cs typeface="Courier New"/>
-                <a:sym typeface="Courier New"/>
-              </a:rPr>
-              <a:t>stuff</a:t>
-            </a:r>
-            <a:r>
-              <a:rPr lang="en-US" sz="3000" b="1" i="0" u="none" strike="noStrike" cap="none" dirty="0" err="1">
-                <a:solidFill>
-                  <a:srgbClr val="FF00FF"/>
-                </a:solidFill>
-                <a:latin typeface="Courier New"/>
-                <a:ea typeface="Courier New"/>
-                <a:cs typeface="Courier New"/>
-                <a:sym typeface="Courier New"/>
-              </a:rPr>
-              <a:t>.append</a:t>
-            </a:r>
-            <a:r>
-              <a:rPr lang="en-US" sz="3000" b="1" i="0" u="none" strike="noStrike" cap="none" dirty="0">
-                <a:solidFill>
-                  <a:schemeClr val="lt1"/>
-                </a:solidFill>
-                <a:latin typeface="Courier New"/>
-                <a:ea typeface="Courier New"/>
-                <a:cs typeface="Courier New"/>
-                <a:sym typeface="Courier New"/>
-              </a:rPr>
-              <a:t>(99)</a:t>
-            </a:r>
-          </a:p>
-          <a:p>
-            <a:pPr marL="0" marR="0" lvl="0" indent="0" algn="l" rtl="0">
-              <a:lnSpc>
-                <a:spcPct val="100000"/>
-              </a:lnSpc>
-              <a:spcBef>
-                <a:spcPts val="0"/>
-              </a:spcBef>
-              <a:spcAft>
-                <a:spcPts val="0"/>
-              </a:spcAft>
-              <a:buClr>
-                <a:schemeClr val="lt1"/>
-              </a:buClr>
-              <a:buSzPct val="25000"/>
-              <a:buFont typeface="Cabin"/>
-              <a:buNone/>
-            </a:pPr>
-            <a:r>
-              <a:rPr lang="en-US" sz="3000" b="1" i="0" u="none" strike="noStrike" cap="none" dirty="0" smtClean="0">
-                <a:solidFill>
-                  <a:schemeClr val="lt1"/>
-                </a:solidFill>
-                <a:latin typeface="Courier New"/>
-                <a:ea typeface="Courier New"/>
-                <a:cs typeface="Courier New"/>
-                <a:sym typeface="Courier New"/>
-              </a:rPr>
-              <a:t>&gt;&gt;&gt; </a:t>
-            </a:r>
-            <a:r>
-              <a:rPr lang="en-US" sz="3000" b="1" i="0" u="none" strike="noStrike" cap="none" dirty="0" smtClean="0">
-                <a:solidFill>
-                  <a:srgbClr val="FFFF00"/>
-                </a:solidFill>
-                <a:latin typeface="Courier New"/>
-                <a:ea typeface="Courier New"/>
-                <a:cs typeface="Courier New"/>
-                <a:sym typeface="Courier New"/>
-              </a:rPr>
-              <a:t>print(</a:t>
-            </a:r>
-            <a:r>
-              <a:rPr lang="en-US" sz="3000" b="1" i="0" u="none" strike="noStrike" cap="none" dirty="0" smtClean="0">
-                <a:solidFill>
-                  <a:srgbClr val="00FF00"/>
-                </a:solidFill>
-                <a:latin typeface="Courier New"/>
-                <a:ea typeface="Courier New"/>
-                <a:cs typeface="Courier New"/>
-                <a:sym typeface="Courier New"/>
-              </a:rPr>
-              <a:t>stuff</a:t>
-            </a:r>
-            <a:r>
-              <a:rPr lang="en-US" sz="3000" b="1" i="0" u="none" strike="noStrike" cap="none" dirty="0" smtClean="0">
-                <a:solidFill>
-                  <a:srgbClr val="FFFF00"/>
-                </a:solidFill>
-                <a:latin typeface="Courier New"/>
-                <a:ea typeface="Courier New"/>
-                <a:cs typeface="Courier New"/>
-                <a:sym typeface="Courier New"/>
-              </a:rPr>
-              <a:t>)</a:t>
-            </a:r>
-          </a:p>
-          <a:p>
-            <a:pPr marL="0" marR="0" lvl="0" indent="0" algn="l" rtl="0">
-              <a:lnSpc>
-                <a:spcPct val="100000"/>
-              </a:lnSpc>
-              <a:spcBef>
-                <a:spcPts val="0"/>
-              </a:spcBef>
-              <a:spcAft>
-                <a:spcPts val="0"/>
-              </a:spcAft>
-              <a:buClr>
-                <a:schemeClr val="lt1"/>
-              </a:buClr>
-              <a:buSzPct val="25000"/>
-              <a:buFont typeface="Cabin"/>
-              <a:buNone/>
-            </a:pPr>
-            <a:r>
-              <a:rPr lang="en-US" sz="3000" b="1" i="0" u="none" strike="noStrike" cap="none" dirty="0" smtClean="0">
-                <a:solidFill>
-                  <a:schemeClr val="lt1"/>
-                </a:solidFill>
-                <a:latin typeface="Courier New"/>
-                <a:ea typeface="Courier New"/>
-                <a:cs typeface="Courier New"/>
-                <a:sym typeface="Courier New"/>
-              </a:rPr>
-              <a:t>[</a:t>
-            </a:r>
-            <a:r>
-              <a:rPr lang="en-US" sz="3000" b="1" i="0" u="none" strike="noStrike" cap="none" dirty="0">
-                <a:solidFill>
-                  <a:schemeClr val="lt1"/>
-                </a:solidFill>
-                <a:latin typeface="Courier New"/>
-                <a:ea typeface="Courier New"/>
-                <a:cs typeface="Courier New"/>
-                <a:sym typeface="Courier New"/>
-              </a:rPr>
-              <a:t>'book', 99]</a:t>
-            </a:r>
-          </a:p>
-          <a:p>
-            <a:pPr marL="0" marR="0" lvl="0" indent="0" algn="l" rtl="0">
-              <a:lnSpc>
-                <a:spcPct val="100000"/>
-              </a:lnSpc>
-              <a:spcBef>
-                <a:spcPts val="0"/>
-              </a:spcBef>
-              <a:spcAft>
-                <a:spcPts val="0"/>
-              </a:spcAft>
-              <a:buClr>
-                <a:schemeClr val="lt1"/>
-              </a:buClr>
-              <a:buSzPct val="25000"/>
-              <a:buFont typeface="Cabin"/>
-              <a:buNone/>
-            </a:pPr>
-            <a:r>
-              <a:rPr lang="en-US" sz="3000" b="1" i="0" u="none" strike="noStrike" cap="none" dirty="0">
-                <a:solidFill>
-                  <a:schemeClr val="lt1"/>
-                </a:solidFill>
-                <a:latin typeface="Courier New"/>
-                <a:ea typeface="Courier New"/>
-                <a:cs typeface="Courier New"/>
-                <a:sym typeface="Courier New"/>
-              </a:rPr>
-              <a:t>&gt;&gt;&gt; </a:t>
-            </a:r>
-            <a:r>
-              <a:rPr lang="en-US" sz="3000" b="1" i="0" u="none" strike="noStrike" cap="none" dirty="0" err="1">
-                <a:solidFill>
-                  <a:srgbClr val="00FF00"/>
-                </a:solidFill>
-                <a:latin typeface="Courier New"/>
-                <a:ea typeface="Courier New"/>
-                <a:cs typeface="Courier New"/>
-                <a:sym typeface="Courier New"/>
-              </a:rPr>
-              <a:t>stuff</a:t>
-            </a:r>
-            <a:r>
-              <a:rPr lang="en-US" sz="3000" b="1" i="0" u="none" strike="noStrike" cap="none" dirty="0" err="1">
-                <a:solidFill>
-                  <a:srgbClr val="FF00FF"/>
-                </a:solidFill>
-                <a:latin typeface="Courier New"/>
-                <a:ea typeface="Courier New"/>
-                <a:cs typeface="Courier New"/>
-                <a:sym typeface="Courier New"/>
-              </a:rPr>
-              <a:t>.append</a:t>
-            </a:r>
-            <a:r>
-              <a:rPr lang="en-US" sz="3000" b="1" i="0" u="none" strike="noStrike" cap="none" dirty="0">
-                <a:solidFill>
-                  <a:schemeClr val="lt1"/>
-                </a:solidFill>
-                <a:latin typeface="Courier New"/>
-                <a:ea typeface="Courier New"/>
-                <a:cs typeface="Courier New"/>
-                <a:sym typeface="Courier New"/>
-              </a:rPr>
-              <a:t>('cookie')</a:t>
             </a:r>
           </a:p>
           <a:p>
@@ -6689,7 +6307,7 @@
               <a:buSzPct val="25000"/>
             </a:pPr>
             <a:r>
-              <a:rPr lang="en-US" sz="3000" b="1" i="0" u="none" strike="noStrike" cap="none" dirty="0">
+              <a:rPr lang="es-419" sz="3000" b="1" i="0" u="none" strike="noStrike" cap="none" dirty="0">
                 <a:solidFill>
                   <a:schemeClr val="lt1"/>
                 </a:solidFill>
@@ -6701,7 +6319,128 @@
               <a:t>&gt;&gt;&gt; </a:t>
             </a:r>
             <a:r>
-              <a:rPr lang="en-US" sz="3000" b="1" i="0" u="none" strike="noStrike" cap="none" dirty="0" smtClean="0">
+              <a:rPr lang="es-419" sz="3000" b="1" dirty="0" err="1">
+                <a:solidFill>
+                  <a:srgbClr val="00FF00"/>
+                </a:solidFill>
+                <a:latin typeface="Courier New"/>
+                <a:ea typeface="Courier New"/>
+                <a:cs typeface="Courier New"/>
+                <a:sym typeface="Courier New"/>
+              </a:rPr>
+              <a:t>cosas</a:t>
+            </a:r>
+            <a:r>
+              <a:rPr lang="es-419" sz="3000" b="1" i="0" u="none" strike="noStrike" cap="none" dirty="0" err="1">
+                <a:solidFill>
+                  <a:srgbClr val="FF00FF"/>
+                </a:solidFill>
+                <a:latin typeface="Courier New"/>
+                <a:ea typeface="Courier New"/>
+                <a:cs typeface="Courier New"/>
+                <a:sym typeface="Courier New"/>
+              </a:rPr>
+              <a:t>.append</a:t>
+            </a:r>
+            <a:r>
+              <a:rPr lang="es-419" sz="3000" b="1" dirty="0">
+                <a:solidFill>
+                  <a:schemeClr val="lt1"/>
+                </a:solidFill>
+                <a:latin typeface="Courier New"/>
+                <a:ea typeface="Courier New"/>
+                <a:cs typeface="Courier New"/>
+                <a:sym typeface="Courier New"/>
+              </a:rPr>
+              <a:t>('libro')</a:t>
+            </a:r>
+            <a:endParaRPr lang="es-419" sz="3000" b="1" i="0" u="none" strike="noStrike" cap="none" dirty="0">
+              <a:solidFill>
+                <a:schemeClr val="lt1"/>
+              </a:solidFill>
+              <a:latin typeface="Courier New"/>
+              <a:ea typeface="Courier New"/>
+              <a:cs typeface="Courier New"/>
+              <a:sym typeface="Courier New"/>
+            </a:endParaRPr>
+          </a:p>
+          <a:p>
+            <a:pPr lvl="0">
+              <a:buClr>
+                <a:schemeClr val="lt1"/>
+              </a:buClr>
+              <a:buSzPct val="25000"/>
+            </a:pPr>
+            <a:r>
+              <a:rPr lang="es-419" sz="3000" b="1" i="0" u="none" strike="noStrike" cap="none" dirty="0">
+                <a:solidFill>
+                  <a:schemeClr val="lt1"/>
+                </a:solidFill>
+                <a:latin typeface="Courier New"/>
+                <a:ea typeface="Courier New"/>
+                <a:cs typeface="Courier New"/>
+                <a:sym typeface="Courier New"/>
+              </a:rPr>
+              <a:t>&gt;&gt;&gt; </a:t>
+            </a:r>
+            <a:r>
+              <a:rPr lang="es-419" sz="3000" b="1" dirty="0" err="1">
+                <a:solidFill>
+                  <a:srgbClr val="00FF00"/>
+                </a:solidFill>
+                <a:latin typeface="Courier New"/>
+                <a:ea typeface="Courier New"/>
+                <a:cs typeface="Courier New"/>
+                <a:sym typeface="Courier New"/>
+              </a:rPr>
+              <a:t>cosas</a:t>
+            </a:r>
+            <a:r>
+              <a:rPr lang="es-419" sz="3000" b="1" i="0" u="none" strike="noStrike" cap="none" dirty="0" err="1">
+                <a:solidFill>
+                  <a:srgbClr val="FF00FF"/>
+                </a:solidFill>
+                <a:latin typeface="Courier New"/>
+                <a:ea typeface="Courier New"/>
+                <a:cs typeface="Courier New"/>
+                <a:sym typeface="Courier New"/>
+              </a:rPr>
+              <a:t>.append</a:t>
+            </a:r>
+            <a:r>
+              <a:rPr lang="es-419" sz="3000" b="1" i="0" u="none" strike="noStrike" cap="none" dirty="0">
+                <a:solidFill>
+                  <a:schemeClr val="lt1"/>
+                </a:solidFill>
+                <a:latin typeface="Courier New"/>
+                <a:ea typeface="Courier New"/>
+                <a:cs typeface="Courier New"/>
+                <a:sym typeface="Courier New"/>
+              </a:rPr>
+              <a:t>(99)</a:t>
+            </a:r>
+          </a:p>
+          <a:p>
+            <a:pPr lvl="0">
+              <a:buClr>
+                <a:schemeClr val="lt1"/>
+              </a:buClr>
+              <a:buSzPct val="25000"/>
+            </a:pPr>
+            <a:r>
+              <a:rPr lang="es-419" sz="3000" b="1" i="0" u="none" strike="noStrike" cap="none" dirty="0">
+                <a:solidFill>
+                  <a:schemeClr val="lt1"/>
+                </a:solidFill>
+                <a:latin typeface="Courier New"/>
+                <a:ea typeface="Courier New"/>
+                <a:cs typeface="Courier New"/>
+                <a:sym typeface="Courier New"/>
+              </a:rPr>
+              <a:t>&gt;&gt;&gt; </a:t>
+            </a:r>
+            <a:r>
+              <a:rPr lang="es-419" sz="3000" b="1" i="0" u="none" strike="noStrike" cap="none" dirty="0" err="1">
                 <a:solidFill>
                   <a:srgbClr val="FFFF00"/>
                 </a:solidFill>
@@ -6710,10 +6449,22 @@
                 <a:cs typeface="Courier New"/>
                 <a:sym typeface="Courier New"/>
               </a:rPr>
-              <a:t>print(</a:t>
-            </a:r>
-            <a:r>
-              <a:rPr lang="en-US" sz="3000" b="1" i="0" u="none" strike="noStrike" cap="none" dirty="0" smtClean="0">
+              <a:t>print</a:t>
+            </a:r>
+            <a:r>
+              <a:rPr lang="es-419" sz="3000" b="1" i="0" u="none" strike="noStrike" cap="none" dirty="0">
+                <a:solidFill>
+                  <a:srgbClr val="FFFF00"/>
+                </a:solidFill>
+                <a:latin typeface="Courier New"/>
+                <a:ea typeface="Courier New"/>
+                <a:cs typeface="Courier New"/>
+                <a:sym typeface="Courier New"/>
+              </a:rPr>
+              <a:t>(</a:t>
+            </a:r>
+            <a:r>
+              <a:rPr lang="es-419" sz="3000" b="1" dirty="0">
                 <a:solidFill>
                   <a:srgbClr val="00FF00"/>
                 </a:solidFill>
@@ -6722,10 +6473,10 @@
                 <a:cs typeface="Courier New"/>
                 <a:sym typeface="Courier New"/>
               </a:rPr>
-              <a:t>stuff</a:t>
-            </a:r>
-            <a:r>
-              <a:rPr lang="en-US" sz="3000" b="1" dirty="0" smtClean="0">
+              <a:t>cosas</a:t>
+            </a:r>
+            <a:r>
+              <a:rPr lang="es-419" sz="3000" b="1" i="0" u="none" strike="noStrike" cap="none" dirty="0">
                 <a:solidFill>
                   <a:srgbClr val="FFFF00"/>
                 </a:solidFill>
@@ -6736,7 +6487,172 @@
               </a:rPr>
               <a:t>)</a:t>
             </a:r>
-            <a:endParaRPr lang="en-US" sz="3000" b="1" i="0" u="none" strike="noStrike" cap="none" dirty="0">
+          </a:p>
+          <a:p>
+            <a:pPr lvl="0">
+              <a:buClr>
+                <a:schemeClr val="lt1"/>
+              </a:buClr>
+              <a:buSzPct val="25000"/>
+            </a:pPr>
+            <a:r>
+              <a:rPr lang="es-419" sz="3000" b="1" dirty="0">
+                <a:solidFill>
+                  <a:schemeClr val="lt1"/>
+                </a:solidFill>
+                <a:latin typeface="Courier New"/>
+                <a:ea typeface="Courier New"/>
+                <a:cs typeface="Courier New"/>
+                <a:sym typeface="Courier New"/>
+              </a:rPr>
+              <a:t>['libro', </a:t>
+            </a:r>
+            <a:r>
+              <a:rPr lang="es-419" sz="3000" b="1" i="0" u="none" strike="noStrike" cap="none" dirty="0">
+                <a:solidFill>
+                  <a:schemeClr val="lt1"/>
+                </a:solidFill>
+                <a:latin typeface="Courier New"/>
+                <a:ea typeface="Courier New"/>
+                <a:cs typeface="Courier New"/>
+                <a:sym typeface="Courier New"/>
+              </a:rPr>
+              <a:t>99]</a:t>
+            </a:r>
+          </a:p>
+          <a:p>
+            <a:pPr lvl="0">
+              <a:buClr>
+                <a:schemeClr val="lt1"/>
+              </a:buClr>
+              <a:buSzPct val="25000"/>
+            </a:pPr>
+            <a:r>
+              <a:rPr lang="es-419" sz="3000" b="1" i="0" u="none" strike="noStrike" cap="none" dirty="0">
+                <a:solidFill>
+                  <a:schemeClr val="lt1"/>
+                </a:solidFill>
+                <a:latin typeface="Courier New"/>
+                <a:ea typeface="Courier New"/>
+                <a:cs typeface="Courier New"/>
+                <a:sym typeface="Courier New"/>
+              </a:rPr>
+              <a:t>&gt;&gt;&gt; </a:t>
+            </a:r>
+            <a:r>
+              <a:rPr lang="es-419" sz="3000" b="1" dirty="0" err="1">
+                <a:solidFill>
+                  <a:srgbClr val="00FF00"/>
+                </a:solidFill>
+                <a:latin typeface="Courier New"/>
+                <a:ea typeface="Courier New"/>
+                <a:cs typeface="Courier New"/>
+                <a:sym typeface="Courier New"/>
+              </a:rPr>
+              <a:t>cosas</a:t>
+            </a:r>
+            <a:r>
+              <a:rPr lang="es-419" sz="3000" b="1" i="0" u="none" strike="noStrike" cap="none" dirty="0" err="1">
+                <a:solidFill>
+                  <a:srgbClr val="FF00FF"/>
+                </a:solidFill>
+                <a:latin typeface="Courier New"/>
+                <a:ea typeface="Courier New"/>
+                <a:cs typeface="Courier New"/>
+                <a:sym typeface="Courier New"/>
+              </a:rPr>
+              <a:t>.append</a:t>
+            </a:r>
+            <a:r>
+              <a:rPr lang="es-419" sz="3000" b="1" dirty="0">
+                <a:solidFill>
+                  <a:schemeClr val="lt1"/>
+                </a:solidFill>
+                <a:latin typeface="Courier New"/>
+                <a:ea typeface="Courier New"/>
+                <a:cs typeface="Courier New"/>
+                <a:sym typeface="Courier New"/>
+              </a:rPr>
+              <a:t>('galleta')</a:t>
+            </a:r>
+            <a:endParaRPr lang="es-419" sz="3000" b="1" i="0" u="none" strike="noStrike" cap="none" dirty="0">
+              <a:solidFill>
+                <a:schemeClr val="lt1"/>
+              </a:solidFill>
+              <a:latin typeface="Courier New"/>
+              <a:ea typeface="Courier New"/>
+              <a:cs typeface="Courier New"/>
+              <a:sym typeface="Courier New"/>
+            </a:endParaRPr>
+          </a:p>
+          <a:p>
+            <a:pPr lvl="0">
+              <a:buClr>
+                <a:schemeClr val="lt1"/>
+              </a:buClr>
+              <a:buSzPct val="25000"/>
+            </a:pPr>
+            <a:r>
+              <a:rPr lang="es-419" sz="3000" b="1" i="0" u="none" strike="noStrike" cap="none" dirty="0">
+                <a:solidFill>
+                  <a:schemeClr val="lt1"/>
+                </a:solidFill>
+                <a:latin typeface="Courier New"/>
+                <a:ea typeface="Courier New"/>
+                <a:cs typeface="Courier New"/>
+                <a:sym typeface="Courier New"/>
+              </a:rPr>
+              <a:t>&gt;&gt;&gt; </a:t>
+            </a:r>
+            <a:r>
+              <a:rPr lang="es-419" sz="3000" b="1" i="0" u="none" strike="noStrike" cap="none" dirty="0" err="1">
+                <a:solidFill>
+                  <a:srgbClr val="FFFF00"/>
+                </a:solidFill>
+                <a:latin typeface="Courier New"/>
+                <a:ea typeface="Courier New"/>
+                <a:cs typeface="Courier New"/>
+                <a:sym typeface="Courier New"/>
+              </a:rPr>
+              <a:t>print</a:t>
+            </a:r>
+            <a:r>
+              <a:rPr lang="es-419" sz="3000" b="1" i="0" u="none" strike="noStrike" cap="none" dirty="0">
+                <a:solidFill>
+                  <a:srgbClr val="FFFF00"/>
+                </a:solidFill>
+                <a:latin typeface="Courier New"/>
+                <a:ea typeface="Courier New"/>
+                <a:cs typeface="Courier New"/>
+                <a:sym typeface="Courier New"/>
+              </a:rPr>
+              <a:t>(</a:t>
+            </a:r>
+            <a:r>
+              <a:rPr lang="es-419" sz="3000" b="1" dirty="0">
+                <a:solidFill>
+                  <a:srgbClr val="00FF00"/>
+                </a:solidFill>
+                <a:latin typeface="Courier New"/>
+                <a:ea typeface="Courier New"/>
+                <a:cs typeface="Courier New"/>
+                <a:sym typeface="Courier New"/>
+              </a:rPr>
+              <a:t>cosas</a:t>
+            </a:r>
+            <a:r>
+              <a:rPr lang="es-419" sz="3000" b="1" dirty="0">
+                <a:solidFill>
+                  <a:srgbClr val="FFFF00"/>
+                </a:solidFill>
+                <a:latin typeface="Courier New"/>
+                <a:ea typeface="Courier New"/>
+                <a:cs typeface="Courier New"/>
+                <a:sym typeface="Courier New"/>
+              </a:rPr>
+              <a:t>)</a:t>
+            </a:r>
+            <a:endParaRPr lang="es-419" sz="3000" b="1" i="0" u="none" strike="noStrike" cap="none" dirty="0">
               <a:solidFill>
                 <a:srgbClr val="00FF00"/>
               </a:solidFill>
@@ -6747,35 +6663,57 @@
             </a:endParaRPr>
           </a:p>
           <a:p>
-            <a:pPr marL="0" marR="0" lvl="0" indent="0" algn="l" rtl="0">
-              <a:lnSpc>
-                <a:spcPct val="100000"/>
-              </a:lnSpc>
-              <a:spcBef>
-                <a:spcPts val="0"/>
-              </a:spcBef>
-              <a:spcAft>
-                <a:spcPts val="0"/>
-              </a:spcAft>
+            <a:pPr lvl="0">
               <a:buClr>
                 <a:schemeClr val="lt1"/>
               </a:buClr>
               <a:buSzPct val="25000"/>
-              <a:buFont typeface="Cabin"/>
-              <a:buNone/>
             </a:pPr>
             <a:r>
-              <a:rPr lang="en-US" sz="3000" b="1" i="0" u="none" strike="noStrike" cap="none" dirty="0">
-                <a:solidFill>
-                  <a:schemeClr val="lt1"/>
-                </a:solidFill>
-                <a:latin typeface="Courier New"/>
-                <a:ea typeface="Courier New"/>
-                <a:cs typeface="Courier New"/>
-                <a:sym typeface="Courier New"/>
-              </a:rPr>
-              <a:t>['book', 99, 'cookie']</a:t>
-            </a:r>
+              <a:rPr lang="es-419" sz="3000" b="1" dirty="0">
+                <a:solidFill>
+                  <a:schemeClr val="lt1"/>
+                </a:solidFill>
+                <a:latin typeface="Courier New"/>
+                <a:ea typeface="Courier New"/>
+                <a:cs typeface="Courier New"/>
+                <a:sym typeface="Courier New"/>
+              </a:rPr>
+              <a:t>['libro', </a:t>
+            </a:r>
+            <a:r>
+              <a:rPr lang="es-419" sz="3000" b="1" i="0" u="none" strike="noStrike" cap="none" dirty="0">
+                <a:solidFill>
+                  <a:schemeClr val="lt1"/>
+                </a:solidFill>
+                <a:latin typeface="Courier New"/>
+                <a:ea typeface="Courier New"/>
+                <a:cs typeface="Courier New"/>
+                <a:sym typeface="Courier New"/>
+              </a:rPr>
+              <a:t>99</a:t>
+            </a:r>
+            <a:r>
+              <a:rPr lang="es-419" sz="3000" b="1" dirty="0">
+                <a:solidFill>
+                  <a:schemeClr val="lt1"/>
+                </a:solidFill>
+                <a:latin typeface="Courier New"/>
+                <a:ea typeface="Courier New"/>
+                <a:cs typeface="Courier New"/>
+                <a:sym typeface="Courier New"/>
+              </a:rPr>
+              <a:t>, 'galleta']</a:t>
+            </a:r>
+            <a:endParaRPr lang="es-419" sz="3000" b="1" i="0" u="none" strike="noStrike" cap="none" dirty="0">
+              <a:solidFill>
+                <a:schemeClr val="lt1"/>
+              </a:solidFill>
+              <a:latin typeface="Courier New"/>
+              <a:ea typeface="Courier New"/>
+              <a:cs typeface="Courier New"/>
+              <a:sym typeface="Courier New"/>
+            </a:endParaRPr>
           </a:p>
         </p:txBody>
       </p:sp>
@@ -6784,13 +6722,6 @@
   <p:clrMapOvr>
     <a:masterClrMapping/>
   </p:clrMapOvr>
-  <p:timing>
-    <p:tnLst>
-      <p:par>
-        <p:cTn xmlns:p14="http://schemas.microsoft.com/office/powerpoint/2010/main" id="1" dur="indefinite" restart="never" nodeType="tmRoot"/>
-      </p:par>
-    </p:tnLst>
-  </p:timing>
 </p:sld>
 </file>
 
@@ -6822,6 +6753,10 @@
           </p:nvPr>
         </p:nvSpPr>
         <p:spPr>
+          <a:xfrm>
+            <a:off x="0" y="905084"/>
+            <a:ext cx="16256000" cy="1247721"/>
+          </a:xfrm>
           <a:prstGeom prst="rect">
             <a:avLst/>
           </a:prstGeom>
@@ -6854,7 +6789,7 @@
               <a:buNone/>
             </a:pPr>
             <a:r>
-              <a:rPr lang="en-US" sz="7600" u="none" strike="noStrike" cap="none">
+              <a:rPr lang="es-419" sz="7600" u="none" strike="noStrike" cap="none" dirty="0">
                 <a:solidFill>
                   <a:srgbClr val="FFFF00"/>
                 </a:solidFill>
@@ -6863,7 +6798,55 @@
                 <a:cs typeface="Arial" charset="0"/>
                 <a:sym typeface="Cabin"/>
               </a:rPr>
-              <a:t>Is Something in a List?</a:t>
+              <a:t>¿Se </a:t>
+            </a:r>
+            <a:r>
+              <a:rPr lang="es-419" sz="7600" dirty="0">
+                <a:solidFill>
+                  <a:srgbClr val="FFFF00"/>
+                </a:solidFill>
+                <a:latin typeface="Arial" charset="0"/>
+                <a:ea typeface="Arial" charset="0"/>
+                <a:cs typeface="Arial" charset="0"/>
+                <a:sym typeface="Cabin"/>
+              </a:rPr>
+              <a:t>Encuentra</a:t>
+            </a:r>
+            <a:r>
+              <a:rPr lang="es-419" sz="7600" u="none" strike="noStrike" cap="none" dirty="0">
+                <a:solidFill>
+                  <a:srgbClr val="FFFF00"/>
+                </a:solidFill>
+                <a:latin typeface="Arial" charset="0"/>
+                <a:ea typeface="Arial" charset="0"/>
+                <a:cs typeface="Arial" charset="0"/>
+                <a:sym typeface="Cabin"/>
+              </a:rPr>
+              <a:t> </a:t>
+            </a:r>
+            <a:r>
+              <a:rPr lang="es-419" sz="7600" dirty="0">
+                <a:solidFill>
+                  <a:srgbClr val="FFFF00"/>
+                </a:solidFill>
+                <a:latin typeface="Arial" charset="0"/>
+                <a:ea typeface="Arial" charset="0"/>
+                <a:cs typeface="Arial" charset="0"/>
+                <a:sym typeface="Cabin"/>
+              </a:rPr>
+              <a:t>Algo en una Lista</a:t>
+            </a:r>
+            <a:r>
+              <a:rPr lang="es-419" sz="7600" u="none" strike="noStrike" cap="none" dirty="0">
+                <a:solidFill>
+                  <a:srgbClr val="FFFF00"/>
+                </a:solidFill>
+                <a:latin typeface="Arial" charset="0"/>
+                <a:ea typeface="Arial" charset="0"/>
+                <a:cs typeface="Arial" charset="0"/>
+                <a:sym typeface="Cabin"/>
+              </a:rPr>
+              <a:t>?</a:t>
             </a:r>
           </a:p>
         </p:txBody>
@@ -6880,7 +6863,7 @@
         </p:nvSpPr>
         <p:spPr>
           <a:xfrm>
-            <a:off x="1030260" y="1788244"/>
+            <a:off x="1063664" y="2756432"/>
             <a:ext cx="6573838" cy="5702299"/>
           </a:xfrm>
           <a:prstGeom prst="rect">
@@ -6912,7 +6895,7 @@
               <a:buChar char="•"/>
             </a:pPr>
             <a:r>
-              <a:rPr lang="en-US" sz="3400" b="0" u="none" strike="noStrike" cap="none" dirty="0">
+              <a:rPr lang="es-419" sz="3400" b="0" u="none" strike="noStrike" cap="none" dirty="0">
                 <a:solidFill>
                   <a:schemeClr val="lt1"/>
                 </a:solidFill>
@@ -6921,10 +6904,10 @@
                 <a:cs typeface="Arial" charset="0"/>
                 <a:sym typeface="Cabin"/>
               </a:rPr>
-              <a:t>Python provides two </a:t>
-            </a:r>
-            <a:r>
-              <a:rPr lang="en-US" sz="3400" b="0" u="none" strike="noStrike" cap="none" dirty="0">
+              <a:t>Python provee dos </a:t>
+            </a:r>
+            <a:r>
+              <a:rPr lang="es-419" sz="3400" b="0" u="none" strike="noStrike" cap="none" dirty="0">
                 <a:solidFill>
                   <a:srgbClr val="FFFF00"/>
                 </a:solidFill>
@@ -6933,10 +6916,10 @@
                 <a:cs typeface="Arial" charset="0"/>
                 <a:sym typeface="Cabin"/>
               </a:rPr>
-              <a:t>operators</a:t>
-            </a:r>
-            <a:r>
-              <a:rPr lang="en-US" sz="3400" b="0" u="none" strike="noStrike" cap="none" dirty="0">
+              <a:t>operadores</a:t>
+            </a:r>
+            <a:r>
+              <a:rPr lang="es-419" sz="3400" b="0" u="none" strike="noStrike" cap="none" dirty="0">
                 <a:solidFill>
                   <a:schemeClr val="lt1"/>
                 </a:solidFill>
@@ -6945,8 +6928,29 @@
                 <a:cs typeface="Arial" charset="0"/>
                 <a:sym typeface="Cabin"/>
               </a:rPr>
-              <a:t> that let you check if an item is in a list</a:t>
-            </a:r>
+              <a:t> que te </a:t>
+            </a:r>
+            <a:r>
+              <a:rPr lang="es-419" sz="3400" b="0" dirty="0">
+                <a:solidFill>
+                  <a:schemeClr val="lt1"/>
+                </a:solidFill>
+                <a:latin typeface="Arial" charset="0"/>
+                <a:ea typeface="Arial" charset="0"/>
+                <a:cs typeface="Arial" charset="0"/>
+                <a:sym typeface="Cabin"/>
+              </a:rPr>
+              <a:t>permiten revisar si un elemento se encuentra en una lista</a:t>
+            </a:r>
+            <a:endParaRPr lang="es-419" sz="3400" b="0" u="none" strike="noStrike" cap="none" dirty="0">
+              <a:solidFill>
+                <a:schemeClr val="lt1"/>
+              </a:solidFill>
+              <a:latin typeface="Arial" charset="0"/>
+              <a:ea typeface="Arial" charset="0"/>
+              <a:cs typeface="Arial" charset="0"/>
+              <a:sym typeface="Cabin"/>
+            </a:endParaRPr>
           </a:p>
           <a:p>
             <a:pPr marL="469900" marR="0" lvl="0" indent="-457200" algn="l" rtl="0">
@@ -6964,7 +6968,7 @@
               <a:buChar char="•"/>
             </a:pPr>
             <a:r>
-              <a:rPr lang="en-US" sz="3400" b="0" u="none" strike="noStrike" cap="none" dirty="0">
+              <a:rPr lang="es-419" sz="3400" b="0" u="none" strike="noStrike" cap="none" dirty="0">
                 <a:solidFill>
                   <a:schemeClr val="lt1"/>
                 </a:solidFill>
@@ -6973,10 +6977,10 @@
                 <a:cs typeface="Arial" charset="0"/>
                 <a:sym typeface="Cabin"/>
               </a:rPr>
-              <a:t>These are logical operators that return </a:t>
-            </a:r>
-            <a:r>
-              <a:rPr lang="en-US" sz="3400" b="0" u="none" strike="noStrike" cap="none" dirty="0">
+              <a:t>Son operadores lógicos retornan </a:t>
+            </a:r>
+            <a:r>
+              <a:rPr lang="es-419" sz="3400" b="0" u="none" strike="noStrike" cap="none" dirty="0">
                 <a:solidFill>
                   <a:srgbClr val="FF00FF"/>
                 </a:solidFill>
@@ -6988,7 +6992,7 @@
               <a:t>True</a:t>
             </a:r>
             <a:r>
-              <a:rPr lang="en-US" sz="3400" b="0" u="none" strike="noStrike" cap="none" dirty="0">
+              <a:rPr lang="es-419" sz="3400" b="0" u="none" strike="noStrike" cap="none" dirty="0">
                 <a:solidFill>
                   <a:schemeClr val="lt1"/>
                 </a:solidFill>
@@ -6997,10 +7001,10 @@
                 <a:cs typeface="Arial" charset="0"/>
                 <a:sym typeface="Cabin"/>
               </a:rPr>
-              <a:t> or </a:t>
-            </a:r>
-            <a:r>
-              <a:rPr lang="en-US" sz="3400" b="0" u="none" strike="noStrike" cap="none" dirty="0">
+              <a:t> o </a:t>
+            </a:r>
+            <a:r>
+              <a:rPr lang="es-419" sz="3400" b="0" u="none" strike="noStrike" cap="none" dirty="0">
                 <a:solidFill>
                   <a:srgbClr val="FF00FF"/>
                 </a:solidFill>
@@ -7028,7 +7032,7 @@
               <a:buChar char="•"/>
             </a:pPr>
             <a:r>
-              <a:rPr lang="en-US" sz="3400" b="0" u="none" strike="noStrike" cap="none" dirty="0">
+              <a:rPr lang="es-419" sz="3400" b="0" u="none" strike="noStrike" cap="none" dirty="0">
                 <a:solidFill>
                   <a:schemeClr val="lt1"/>
                 </a:solidFill>
@@ -7037,7 +7041,7 @@
                 <a:cs typeface="Arial" charset="0"/>
                 <a:sym typeface="Cabin"/>
               </a:rPr>
-              <a:t>They do not modify the list</a:t>
+              <a:t>Esos operadores no modifican la lista</a:t>
             </a:r>
           </a:p>
         </p:txBody>
@@ -7051,7 +7055,7 @@
         <p:spPr>
           <a:xfrm>
             <a:off x="8459798" y="2124794"/>
-            <a:ext cx="7131013" cy="4432199"/>
+            <a:ext cx="7796202" cy="4432199"/>
           </a:xfrm>
           <a:prstGeom prst="rect">
             <a:avLst/>
@@ -7085,7 +7089,7 @@
               <a:buNone/>
             </a:pPr>
             <a:r>
-              <a:rPr lang="en-US" sz="3000" b="1" i="0" u="none" strike="noStrike" cap="none" dirty="0">
+              <a:rPr lang="es-419" sz="3000" b="1" i="0" u="none" strike="noStrike" cap="none" dirty="0">
                 <a:solidFill>
                   <a:schemeClr val="lt1"/>
                 </a:solidFill>
@@ -7097,7 +7101,7 @@
               <a:t>&gt;&gt;&gt; </a:t>
             </a:r>
             <a:r>
-              <a:rPr lang="en-US" sz="3000" b="1" i="0" u="none" strike="noStrike" cap="none" dirty="0">
+              <a:rPr lang="es-419" sz="3000" b="1" i="0" u="none" strike="noStrike" cap="none" dirty="0">
                 <a:solidFill>
                   <a:srgbClr val="00FF00"/>
                 </a:solidFill>
@@ -7106,10 +7110,10 @@
                 <a:cs typeface="Courier New"/>
                 <a:sym typeface="Courier New"/>
               </a:rPr>
-              <a:t>some</a:t>
-            </a:r>
-            <a:r>
-              <a:rPr lang="en-US" sz="3000" b="1" i="0" u="none" strike="noStrike" cap="none" dirty="0">
+              <a:t>algunos</a:t>
+            </a:r>
+            <a:r>
+              <a:rPr lang="es-419" sz="3000" b="1" i="0" u="none" strike="noStrike" cap="none" dirty="0">
                 <a:solidFill>
                   <a:schemeClr val="lt1"/>
                 </a:solidFill>
@@ -7121,7 +7125,7 @@
               <a:t> = </a:t>
             </a:r>
             <a:r>
-              <a:rPr lang="en-US" sz="3000" b="1" i="0" u="none" strike="noStrike" cap="none" dirty="0">
+              <a:rPr lang="es-419" sz="3000" b="1" i="0" u="none" strike="noStrike" cap="none" dirty="0">
                 <a:solidFill>
                   <a:srgbClr val="FF7F00"/>
                 </a:solidFill>
@@ -7131,6 +7135,378 @@
                 <a:sym typeface="Courier New"/>
               </a:rPr>
               <a:t>[1, 9, 21, 10, 16]</a:t>
+            </a:r>
+          </a:p>
+          <a:p>
+            <a:pPr lvl="0">
+              <a:buClr>
+                <a:schemeClr val="lt1"/>
+              </a:buClr>
+              <a:buSzPct val="25000"/>
+            </a:pPr>
+            <a:r>
+              <a:rPr lang="es-419" sz="3000" b="1" i="0" u="none" strike="noStrike" cap="none" dirty="0">
+                <a:solidFill>
+                  <a:schemeClr val="lt1"/>
+                </a:solidFill>
+                <a:latin typeface="Courier New"/>
+                <a:ea typeface="Courier New"/>
+                <a:cs typeface="Courier New"/>
+                <a:sym typeface="Courier New"/>
+              </a:rPr>
+              <a:t>&gt;&gt;&gt; </a:t>
+            </a:r>
+            <a:r>
+              <a:rPr lang="es-419" sz="3000" b="1" i="0" u="none" strike="noStrike" cap="none" dirty="0">
+                <a:solidFill>
+                  <a:srgbClr val="FF7F00"/>
+                </a:solidFill>
+                <a:latin typeface="Courier New"/>
+                <a:ea typeface="Courier New"/>
+                <a:cs typeface="Courier New"/>
+                <a:sym typeface="Courier New"/>
+              </a:rPr>
+              <a:t>9</a:t>
+            </a:r>
+            <a:r>
+              <a:rPr lang="es-419" sz="3000" b="1" i="0" u="none" strike="noStrike" cap="none" dirty="0">
+                <a:solidFill>
+                  <a:schemeClr val="lt1"/>
+                </a:solidFill>
+                <a:latin typeface="Courier New"/>
+                <a:ea typeface="Courier New"/>
+                <a:cs typeface="Courier New"/>
+                <a:sym typeface="Courier New"/>
+              </a:rPr>
+              <a:t> </a:t>
+            </a:r>
+            <a:r>
+              <a:rPr lang="es-419" sz="3000" b="1" i="0" u="none" strike="noStrike" cap="none" dirty="0">
+                <a:solidFill>
+                  <a:srgbClr val="FFFF00"/>
+                </a:solidFill>
+                <a:latin typeface="Courier New"/>
+                <a:ea typeface="Courier New"/>
+                <a:cs typeface="Courier New"/>
+                <a:sym typeface="Courier New"/>
+              </a:rPr>
+              <a:t>in</a:t>
+            </a:r>
+            <a:r>
+              <a:rPr lang="es-419" sz="3000" b="1" i="0" u="none" strike="noStrike" cap="none" dirty="0">
+                <a:solidFill>
+                  <a:schemeClr val="lt1"/>
+                </a:solidFill>
+                <a:latin typeface="Courier New"/>
+                <a:ea typeface="Courier New"/>
+                <a:cs typeface="Courier New"/>
+                <a:sym typeface="Courier New"/>
+              </a:rPr>
+              <a:t> </a:t>
+            </a:r>
+            <a:r>
+              <a:rPr lang="es-419" sz="3000" b="1" dirty="0">
+                <a:solidFill>
+                  <a:srgbClr val="00FF00"/>
+                </a:solidFill>
+                <a:latin typeface="Courier New"/>
+                <a:ea typeface="Courier New"/>
+                <a:cs typeface="Courier New"/>
+                <a:sym typeface="Courier New"/>
+              </a:rPr>
+              <a:t>algunos</a:t>
+            </a:r>
+            <a:endParaRPr lang="es-419" sz="3000" b="1" i="0" u="none" strike="noStrike" cap="none" dirty="0">
+              <a:solidFill>
+                <a:srgbClr val="00FF00"/>
+              </a:solidFill>
+              <a:latin typeface="Courier New"/>
+              <a:ea typeface="Courier New"/>
+              <a:cs typeface="Courier New"/>
+              <a:sym typeface="Courier New"/>
+            </a:endParaRPr>
+          </a:p>
+          <a:p>
+            <a:pPr marL="0" marR="0" lvl="0" indent="0" algn="l" rtl="0">
+              <a:lnSpc>
+                <a:spcPct val="100000"/>
+              </a:lnSpc>
+              <a:spcBef>
+                <a:spcPts val="0"/>
+              </a:spcBef>
+              <a:spcAft>
+                <a:spcPts val="0"/>
+              </a:spcAft>
+              <a:buClr>
+                <a:srgbClr val="FF00FF"/>
+              </a:buClr>
+              <a:buSzPct val="25000"/>
+              <a:buFont typeface="Cabin"/>
+              <a:buNone/>
+            </a:pPr>
+            <a:r>
+              <a:rPr lang="es-419" sz="3000" b="1" i="0" u="none" strike="noStrike" cap="none" dirty="0">
+                <a:solidFill>
+                  <a:srgbClr val="FF00FF"/>
+                </a:solidFill>
+                <a:latin typeface="Courier New"/>
+                <a:ea typeface="Courier New"/>
+                <a:cs typeface="Courier New"/>
+                <a:sym typeface="Courier New"/>
+              </a:rPr>
+              <a:t>True</a:t>
+            </a:r>
+          </a:p>
+          <a:p>
+            <a:pPr lvl="0">
+              <a:buClr>
+                <a:schemeClr val="lt1"/>
+              </a:buClr>
+              <a:buSzPct val="25000"/>
+            </a:pPr>
+            <a:r>
+              <a:rPr lang="es-419" sz="3000" b="1" i="0" u="none" strike="noStrike" cap="none" dirty="0">
+                <a:solidFill>
+                  <a:schemeClr val="lt1"/>
+                </a:solidFill>
+                <a:latin typeface="Courier New"/>
+                <a:ea typeface="Courier New"/>
+                <a:cs typeface="Courier New"/>
+                <a:sym typeface="Courier New"/>
+              </a:rPr>
+              <a:t>&gt;&gt;&gt; </a:t>
+            </a:r>
+            <a:r>
+              <a:rPr lang="es-419" sz="3000" b="1" i="0" u="none" strike="noStrike" cap="none" dirty="0">
+                <a:solidFill>
+                  <a:srgbClr val="FF7F00"/>
+                </a:solidFill>
+                <a:latin typeface="Courier New"/>
+                <a:ea typeface="Courier New"/>
+                <a:cs typeface="Courier New"/>
+                <a:sym typeface="Courier New"/>
+              </a:rPr>
+              <a:t>15</a:t>
+            </a:r>
+            <a:r>
+              <a:rPr lang="es-419" sz="3000" b="1" i="0" u="none" strike="noStrike" cap="none" dirty="0">
+                <a:solidFill>
+                  <a:schemeClr val="lt1"/>
+                </a:solidFill>
+                <a:latin typeface="Courier New"/>
+                <a:ea typeface="Courier New"/>
+                <a:cs typeface="Courier New"/>
+                <a:sym typeface="Courier New"/>
+              </a:rPr>
+              <a:t> </a:t>
+            </a:r>
+            <a:r>
+              <a:rPr lang="es-419" sz="3000" b="1" i="0" u="none" strike="noStrike" cap="none" dirty="0">
+                <a:solidFill>
+                  <a:srgbClr val="FFFF00"/>
+                </a:solidFill>
+                <a:latin typeface="Courier New"/>
+                <a:ea typeface="Courier New"/>
+                <a:cs typeface="Courier New"/>
+                <a:sym typeface="Courier New"/>
+              </a:rPr>
+              <a:t>in</a:t>
+            </a:r>
+            <a:r>
+              <a:rPr lang="es-419" sz="3000" b="1" i="0" u="none" strike="noStrike" cap="none" dirty="0">
+                <a:solidFill>
+                  <a:schemeClr val="lt1"/>
+                </a:solidFill>
+                <a:latin typeface="Courier New"/>
+                <a:ea typeface="Courier New"/>
+                <a:cs typeface="Courier New"/>
+                <a:sym typeface="Courier New"/>
+              </a:rPr>
+              <a:t> </a:t>
+            </a:r>
+            <a:r>
+              <a:rPr lang="es-419" sz="3000" b="1" dirty="0">
+                <a:solidFill>
+                  <a:srgbClr val="00FF00"/>
+                </a:solidFill>
+                <a:latin typeface="Courier New"/>
+                <a:ea typeface="Courier New"/>
+                <a:cs typeface="Courier New"/>
+                <a:sym typeface="Courier New"/>
+              </a:rPr>
+              <a:t>algunos</a:t>
+            </a:r>
+            <a:endParaRPr lang="es-419" sz="3000" b="1" i="0" u="none" strike="noStrike" cap="none" dirty="0">
+              <a:solidFill>
+                <a:srgbClr val="00FF00"/>
+              </a:solidFill>
+              <a:latin typeface="Courier New"/>
+              <a:ea typeface="Courier New"/>
+              <a:cs typeface="Courier New"/>
+              <a:sym typeface="Courier New"/>
+            </a:endParaRPr>
+          </a:p>
+          <a:p>
+            <a:pPr marL="0" marR="0" lvl="0" indent="0" algn="l" rtl="0">
+              <a:lnSpc>
+                <a:spcPct val="100000"/>
+              </a:lnSpc>
+              <a:spcBef>
+                <a:spcPts val="0"/>
+              </a:spcBef>
+              <a:spcAft>
+                <a:spcPts val="0"/>
+              </a:spcAft>
+              <a:buClr>
+                <a:srgbClr val="00FF00"/>
+              </a:buClr>
+              <a:buSzPct val="25000"/>
+              <a:buFont typeface="Cabin"/>
+              <a:buNone/>
+            </a:pPr>
+            <a:r>
+              <a:rPr lang="es-419" sz="3000" b="1" i="0" u="none" strike="noStrike" cap="none" dirty="0">
+                <a:solidFill>
+                  <a:srgbClr val="00FF00"/>
+                </a:solidFill>
+                <a:latin typeface="Courier New"/>
+                <a:ea typeface="Courier New"/>
+                <a:cs typeface="Courier New"/>
+                <a:sym typeface="Courier New"/>
+              </a:rPr>
+              <a:t>False</a:t>
+            </a:r>
+          </a:p>
+          <a:p>
+            <a:pPr lvl="0">
+              <a:buClr>
+                <a:schemeClr val="lt1"/>
+              </a:buClr>
+              <a:buSzPct val="25000"/>
+            </a:pPr>
+            <a:r>
+              <a:rPr lang="es-419" sz="3000" b="1" i="0" u="none" strike="noStrike" cap="none" dirty="0">
+                <a:solidFill>
+                  <a:schemeClr val="lt1"/>
+                </a:solidFill>
+                <a:latin typeface="Courier New"/>
+                <a:ea typeface="Courier New"/>
+                <a:cs typeface="Courier New"/>
+                <a:sym typeface="Courier New"/>
+              </a:rPr>
+              <a:t>&gt;&gt;&gt; </a:t>
+            </a:r>
+            <a:r>
+              <a:rPr lang="es-419" sz="3000" b="1" i="0" u="none" strike="noStrike" cap="none" dirty="0">
+                <a:solidFill>
+                  <a:srgbClr val="FF7F00"/>
+                </a:solidFill>
+                <a:latin typeface="Courier New"/>
+                <a:ea typeface="Courier New"/>
+                <a:cs typeface="Courier New"/>
+                <a:sym typeface="Courier New"/>
+              </a:rPr>
+              <a:t>20</a:t>
+            </a:r>
+            <a:r>
+              <a:rPr lang="es-419" sz="3000" b="1" i="0" u="none" strike="noStrike" cap="none" dirty="0">
+                <a:solidFill>
+                  <a:schemeClr val="lt1"/>
+                </a:solidFill>
+                <a:latin typeface="Courier New"/>
+                <a:ea typeface="Courier New"/>
+                <a:cs typeface="Courier New"/>
+                <a:sym typeface="Courier New"/>
+              </a:rPr>
+              <a:t> </a:t>
+            </a:r>
+            <a:r>
+              <a:rPr lang="es-419" sz="3000" b="1" i="0" u="none" strike="noStrike" cap="none" dirty="0" err="1">
+                <a:solidFill>
+                  <a:srgbClr val="FFFF00"/>
+                </a:solidFill>
+                <a:latin typeface="Courier New"/>
+                <a:ea typeface="Courier New"/>
+                <a:cs typeface="Courier New"/>
+                <a:sym typeface="Courier New"/>
+              </a:rPr>
+              <a:t>not</a:t>
+            </a:r>
+            <a:r>
+              <a:rPr lang="es-419" sz="3000" b="1" i="0" u="none" strike="noStrike" cap="none" dirty="0">
+                <a:solidFill>
+                  <a:srgbClr val="FFFF00"/>
+                </a:solidFill>
+                <a:latin typeface="Courier New"/>
+                <a:ea typeface="Courier New"/>
+                <a:cs typeface="Courier New"/>
+                <a:sym typeface="Courier New"/>
+              </a:rPr>
+              <a:t> in</a:t>
+            </a:r>
+            <a:r>
+              <a:rPr lang="es-419" sz="3000" b="1" i="0" u="none" strike="noStrike" cap="none" dirty="0">
+                <a:solidFill>
+                  <a:schemeClr val="lt1"/>
+                </a:solidFill>
+                <a:latin typeface="Courier New"/>
+                <a:ea typeface="Courier New"/>
+                <a:cs typeface="Courier New"/>
+                <a:sym typeface="Courier New"/>
+              </a:rPr>
+              <a:t> </a:t>
+            </a:r>
+            <a:r>
+              <a:rPr lang="es-419" sz="3000" b="1" dirty="0">
+                <a:solidFill>
+                  <a:srgbClr val="00FF00"/>
+                </a:solidFill>
+                <a:latin typeface="Courier New"/>
+                <a:ea typeface="Courier New"/>
+                <a:cs typeface="Courier New"/>
+                <a:sym typeface="Courier New"/>
+              </a:rPr>
+              <a:t>algunos</a:t>
+            </a:r>
+            <a:endParaRPr lang="es-419" sz="3000" b="1" i="0" u="none" strike="noStrike" cap="none" dirty="0">
+              <a:solidFill>
+                <a:srgbClr val="00FF00"/>
+              </a:solidFill>
+              <a:latin typeface="Courier New"/>
+              <a:ea typeface="Courier New"/>
+              <a:cs typeface="Courier New"/>
+              <a:sym typeface="Courier New"/>
+            </a:endParaRPr>
+          </a:p>
+          <a:p>
+            <a:pPr marL="0" marR="0" lvl="0" indent="0" algn="l" rtl="0">
+              <a:lnSpc>
+                <a:spcPct val="100000"/>
+              </a:lnSpc>
+              <a:spcBef>
+                <a:spcPts val="0"/>
+              </a:spcBef>
+              <a:spcAft>
+                <a:spcPts val="0"/>
+              </a:spcAft>
+              <a:buClr>
+                <a:srgbClr val="FF00FF"/>
+              </a:buClr>
+              <a:buSzPct val="25000"/>
+              <a:buFont typeface="Cabin"/>
+              <a:buNone/>
+            </a:pPr>
+            <a:r>
+              <a:rPr lang="es-419" sz="3000" b="1" i="0" u="none" strike="noStrike" cap="none" dirty="0">
+                <a:solidFill>
+                  <a:srgbClr val="FF00FF"/>
+                </a:solidFill>
+                <a:latin typeface="Courier New"/>
+                <a:ea typeface="Courier New"/>
+                <a:cs typeface="Courier New"/>
+                <a:sym typeface="Courier New"/>
+              </a:rPr>
+              <a:t>True</a:t>
             </a:r>
           </a:p>
           <a:p>
@@ -7152,373 +7528,7 @@
               <a:buNone/>
             </a:pPr>
             <a:r>
-              <a:rPr lang="en-US" sz="3000" b="1" i="0" u="none" strike="noStrike" cap="none" dirty="0">
-                <a:solidFill>
-                  <a:schemeClr val="lt1"/>
-                </a:solidFill>
-                <a:latin typeface="Courier New"/>
-                <a:ea typeface="Courier New"/>
-                <a:cs typeface="Courier New"/>
-                <a:sym typeface="Courier New"/>
-              </a:rPr>
-              <a:t>&gt;&gt;&gt; </a:t>
-            </a:r>
-            <a:r>
-              <a:rPr lang="en-US" sz="3000" b="1" i="0" u="none" strike="noStrike" cap="none" dirty="0">
-                <a:solidFill>
-                  <a:srgbClr val="FF7F00"/>
-                </a:solidFill>
-                <a:latin typeface="Courier New"/>
-                <a:ea typeface="Courier New"/>
-                <a:cs typeface="Courier New"/>
-                <a:sym typeface="Courier New"/>
-              </a:rPr>
-              <a:t>9</a:t>
-            </a:r>
-            <a:r>
-              <a:rPr lang="en-US" sz="3000" b="1" i="0" u="none" strike="noStrike" cap="none" dirty="0">
-                <a:solidFill>
-                  <a:schemeClr val="lt1"/>
-                </a:solidFill>
-                <a:latin typeface="Courier New"/>
-                <a:ea typeface="Courier New"/>
-                <a:cs typeface="Courier New"/>
-                <a:sym typeface="Courier New"/>
-              </a:rPr>
-              <a:t> </a:t>
-            </a:r>
-            <a:r>
-              <a:rPr lang="en-US" sz="3000" b="1" i="0" u="none" strike="noStrike" cap="none" dirty="0">
-                <a:solidFill>
-                  <a:srgbClr val="FFFF00"/>
-                </a:solidFill>
-                <a:latin typeface="Courier New"/>
-                <a:ea typeface="Courier New"/>
-                <a:cs typeface="Courier New"/>
-                <a:sym typeface="Courier New"/>
-              </a:rPr>
-              <a:t>in</a:t>
-            </a:r>
-            <a:r>
-              <a:rPr lang="en-US" sz="3000" b="1" i="0" u="none" strike="noStrike" cap="none" dirty="0">
-                <a:solidFill>
-                  <a:schemeClr val="lt1"/>
-                </a:solidFill>
-                <a:latin typeface="Courier New"/>
-                <a:ea typeface="Courier New"/>
-                <a:cs typeface="Courier New"/>
-                <a:sym typeface="Courier New"/>
-              </a:rPr>
-              <a:t> </a:t>
-            </a:r>
-            <a:r>
-              <a:rPr lang="en-US" sz="3000" b="1" i="0" u="none" strike="noStrike" cap="none" dirty="0">
-                <a:solidFill>
-                  <a:srgbClr val="00FF00"/>
-                </a:solidFill>
-                <a:latin typeface="Courier New"/>
-                <a:ea typeface="Courier New"/>
-                <a:cs typeface="Courier New"/>
-                <a:sym typeface="Courier New"/>
-              </a:rPr>
-              <a:t>some</a:t>
-            </a:r>
-          </a:p>
-          <a:p>
-            <a:pPr marL="0" marR="0" lvl="0" indent="0" algn="l" rtl="0">
-              <a:lnSpc>
-                <a:spcPct val="100000"/>
-              </a:lnSpc>
-              <a:spcBef>
-                <a:spcPts val="0"/>
-              </a:spcBef>
-              <a:spcAft>
-                <a:spcPts val="0"/>
-              </a:spcAft>
-              <a:buClr>
-                <a:srgbClr val="FF00FF"/>
-              </a:buClr>
-              <a:buSzPct val="25000"/>
-              <a:buFont typeface="Cabin"/>
-              <a:buNone/>
-            </a:pPr>
-            <a:r>
-              <a:rPr lang="en-US" sz="3000" b="1" i="0" u="none" strike="noStrike" cap="none" dirty="0">
-                <a:solidFill>
-                  <a:srgbClr val="FF00FF"/>
-                </a:solidFill>
-                <a:latin typeface="Courier New"/>
-                <a:ea typeface="Courier New"/>
-                <a:cs typeface="Courier New"/>
-                <a:sym typeface="Courier New"/>
-              </a:rPr>
-              <a:t>True</a:t>
-            </a:r>
-          </a:p>
-          <a:p>
-            <a:pPr marL="0" marR="0" lvl="0" indent="0" algn="l" rtl="0">
-              <a:lnSpc>
-                <a:spcPct val="100000"/>
-              </a:lnSpc>
-              <a:spcBef>
-                <a:spcPts val="0"/>
-              </a:spcBef>
-              <a:spcAft>
-                <a:spcPts val="0"/>
-              </a:spcAft>
-              <a:buClr>
-                <a:schemeClr val="lt1"/>
-              </a:buClr>
-              <a:buSzPct val="25000"/>
-              <a:buFont typeface="Cabin"/>
-              <a:buNone/>
-            </a:pPr>
-            <a:r>
-              <a:rPr lang="en-US" sz="3000" b="1" i="0" u="none" strike="noStrike" cap="none" dirty="0">
-                <a:solidFill>
-                  <a:schemeClr val="lt1"/>
-                </a:solidFill>
-                <a:latin typeface="Courier New"/>
-                <a:ea typeface="Courier New"/>
-                <a:cs typeface="Courier New"/>
-                <a:sym typeface="Courier New"/>
-              </a:rPr>
-              <a:t>&gt;&gt;&gt; </a:t>
-            </a:r>
-            <a:r>
-              <a:rPr lang="en-US" sz="3000" b="1" i="0" u="none" strike="noStrike" cap="none" dirty="0">
-                <a:solidFill>
-                  <a:srgbClr val="FF7F00"/>
-                </a:solidFill>
-                <a:latin typeface="Courier New"/>
-                <a:ea typeface="Courier New"/>
-                <a:cs typeface="Courier New"/>
-                <a:sym typeface="Courier New"/>
-              </a:rPr>
-              <a:t>15</a:t>
-            </a:r>
-            <a:r>
-              <a:rPr lang="en-US" sz="3000" b="1" i="0" u="none" strike="noStrike" cap="none" dirty="0">
-                <a:solidFill>
-                  <a:schemeClr val="lt1"/>
-                </a:solidFill>
-                <a:latin typeface="Courier New"/>
-                <a:ea typeface="Courier New"/>
-                <a:cs typeface="Courier New"/>
-                <a:sym typeface="Courier New"/>
-              </a:rPr>
-              <a:t> </a:t>
-            </a:r>
-            <a:r>
-              <a:rPr lang="en-US" sz="3000" b="1" i="0" u="none" strike="noStrike" cap="none" dirty="0">
-                <a:solidFill>
-                  <a:srgbClr val="FFFF00"/>
-                </a:solidFill>
-                <a:latin typeface="Courier New"/>
-                <a:ea typeface="Courier New"/>
-                <a:cs typeface="Courier New"/>
-                <a:sym typeface="Courier New"/>
-              </a:rPr>
-              <a:t>in</a:t>
-            </a:r>
-            <a:r>
-              <a:rPr lang="en-US" sz="3000" b="1" i="0" u="none" strike="noStrike" cap="none" dirty="0">
-                <a:solidFill>
-                  <a:schemeClr val="lt1"/>
-                </a:solidFill>
-                <a:latin typeface="Courier New"/>
-                <a:ea typeface="Courier New"/>
-                <a:cs typeface="Courier New"/>
-                <a:sym typeface="Courier New"/>
-              </a:rPr>
-              <a:t> </a:t>
-            </a:r>
-            <a:r>
-              <a:rPr lang="en-US" sz="3000" b="1" i="0" u="none" strike="noStrike" cap="none" dirty="0">
-                <a:solidFill>
-                  <a:srgbClr val="00FF00"/>
-                </a:solidFill>
-                <a:latin typeface="Courier New"/>
-                <a:ea typeface="Courier New"/>
-                <a:cs typeface="Courier New"/>
-                <a:sym typeface="Courier New"/>
-              </a:rPr>
-              <a:t>some</a:t>
-            </a:r>
-          </a:p>
-          <a:p>
-            <a:pPr marL="0" marR="0" lvl="0" indent="0" algn="l" rtl="0">
-              <a:lnSpc>
-                <a:spcPct val="100000"/>
-              </a:lnSpc>
-              <a:spcBef>
-                <a:spcPts val="0"/>
-              </a:spcBef>
-              <a:spcAft>
-                <a:spcPts val="0"/>
-              </a:spcAft>
-              <a:buClr>
-                <a:srgbClr val="00FF00"/>
-              </a:buClr>
-              <a:buSzPct val="25000"/>
-              <a:buFont typeface="Cabin"/>
-              <a:buNone/>
-            </a:pPr>
-            <a:r>
-              <a:rPr lang="en-US" sz="3000" b="1" i="0" u="none" strike="noStrike" cap="none" dirty="0">
-                <a:solidFill>
-                  <a:srgbClr val="00FF00"/>
-                </a:solidFill>
-                <a:latin typeface="Courier New"/>
-                <a:ea typeface="Courier New"/>
-                <a:cs typeface="Courier New"/>
-                <a:sym typeface="Courier New"/>
-              </a:rPr>
-              <a:t>False</a:t>
-            </a:r>
-          </a:p>
-          <a:p>
-            <a:pPr marL="0" marR="0" lvl="0" indent="0" algn="l" rtl="0">
-              <a:lnSpc>
-                <a:spcPct val="100000"/>
-              </a:lnSpc>
-              <a:spcBef>
-                <a:spcPts val="0"/>
-              </a:spcBef>
-              <a:spcAft>
-                <a:spcPts val="0"/>
-              </a:spcAft>
-              <a:buClr>
-                <a:schemeClr val="lt1"/>
-              </a:buClr>
-              <a:buSzPct val="25000"/>
-              <a:buFont typeface="Cabin"/>
-              <a:buNone/>
-            </a:pPr>
-            <a:r>
-              <a:rPr lang="en-US" sz="3000" b="1" i="0" u="none" strike="noStrike" cap="none" dirty="0">
-                <a:solidFill>
-                  <a:schemeClr val="lt1"/>
-                </a:solidFill>
-                <a:latin typeface="Courier New"/>
-                <a:ea typeface="Courier New"/>
-                <a:cs typeface="Courier New"/>
-                <a:sym typeface="Courier New"/>
-              </a:rPr>
-              <a:t>&gt;&gt;&gt; </a:t>
-            </a:r>
-            <a:r>
-              <a:rPr lang="en-US" sz="3000" b="1" i="0" u="none" strike="noStrike" cap="none" dirty="0">
-                <a:solidFill>
-                  <a:srgbClr val="FF7F00"/>
-                </a:solidFill>
-                <a:latin typeface="Courier New"/>
-                <a:ea typeface="Courier New"/>
-                <a:cs typeface="Courier New"/>
-                <a:sym typeface="Courier New"/>
-              </a:rPr>
-              <a:t>20</a:t>
-            </a:r>
-            <a:r>
-              <a:rPr lang="en-US" sz="3000" b="1" i="0" u="none" strike="noStrike" cap="none" dirty="0">
-                <a:solidFill>
-                  <a:schemeClr val="lt1"/>
-                </a:solidFill>
-                <a:latin typeface="Courier New"/>
-                <a:ea typeface="Courier New"/>
-                <a:cs typeface="Courier New"/>
-                <a:sym typeface="Courier New"/>
-              </a:rPr>
-              <a:t> </a:t>
-            </a:r>
-            <a:r>
-              <a:rPr lang="en-US" sz="3000" b="1" i="0" u="none" strike="noStrike" cap="none" dirty="0">
-                <a:solidFill>
-                  <a:srgbClr val="FFFF00"/>
-                </a:solidFill>
-                <a:latin typeface="Courier New"/>
-                <a:ea typeface="Courier New"/>
-                <a:cs typeface="Courier New"/>
-                <a:sym typeface="Courier New"/>
-              </a:rPr>
-              <a:t>not in</a:t>
-            </a:r>
-            <a:r>
-              <a:rPr lang="en-US" sz="3000" b="1" i="0" u="none" strike="noStrike" cap="none" dirty="0">
-                <a:solidFill>
-                  <a:schemeClr val="lt1"/>
-                </a:solidFill>
-                <a:latin typeface="Courier New"/>
-                <a:ea typeface="Courier New"/>
-                <a:cs typeface="Courier New"/>
-                <a:sym typeface="Courier New"/>
-              </a:rPr>
-              <a:t> </a:t>
-            </a:r>
-            <a:r>
-              <a:rPr lang="en-US" sz="3000" b="1" i="0" u="none" strike="noStrike" cap="none" dirty="0">
-                <a:solidFill>
-                  <a:srgbClr val="00FF00"/>
-                </a:solidFill>
-                <a:latin typeface="Courier New"/>
-                <a:ea typeface="Courier New"/>
-                <a:cs typeface="Courier New"/>
-                <a:sym typeface="Courier New"/>
-              </a:rPr>
-              <a:t>some</a:t>
-            </a:r>
-          </a:p>
-          <a:p>
-            <a:pPr marL="0" marR="0" lvl="0" indent="0" algn="l" rtl="0">
-              <a:lnSpc>
-                <a:spcPct val="100000"/>
-              </a:lnSpc>
-              <a:spcBef>
-                <a:spcPts val="0"/>
-              </a:spcBef>
-              <a:spcAft>
-                <a:spcPts val="0"/>
-              </a:spcAft>
-              <a:buClr>
-                <a:srgbClr val="FF00FF"/>
-              </a:buClr>
-              <a:buSzPct val="25000"/>
-              <a:buFont typeface="Cabin"/>
-              <a:buNone/>
-            </a:pPr>
-            <a:r>
-              <a:rPr lang="en-US" sz="3000" b="1" i="0" u="none" strike="noStrike" cap="none" dirty="0">
-                <a:solidFill>
-                  <a:srgbClr val="FF00FF"/>
-                </a:solidFill>
-                <a:latin typeface="Courier New"/>
-                <a:ea typeface="Courier New"/>
-                <a:cs typeface="Courier New"/>
-                <a:sym typeface="Courier New"/>
-              </a:rPr>
-              <a:t>True</a:t>
-            </a:r>
-          </a:p>
-          <a:p>
-            <a:pPr marL="0" marR="0" lvl="0" indent="0" algn="l" rtl="0">
-              <a:lnSpc>
-                <a:spcPct val="100000"/>
-              </a:lnSpc>
-              <a:spcBef>
-                <a:spcPts val="0"/>
-              </a:spcBef>
-              <a:spcAft>
-                <a:spcPts val="0"/>
-              </a:spcAft>
-              <a:buClr>
-                <a:schemeClr val="lt1"/>
-              </a:buClr>
-              <a:buSzPct val="25000"/>
-              <a:buFont typeface="Cabin"/>
-              <a:buNone/>
-            </a:pPr>
-            <a:r>
-              <a:rPr lang="en-US" sz="3000" b="1" i="0" u="none" strike="noStrike" cap="none" dirty="0">
+              <a:rPr lang="es-419" sz="3000" b="1" i="0" u="none" strike="noStrike" cap="none" dirty="0">
                 <a:solidFill>
                   <a:schemeClr val="lt1"/>
                 </a:solidFill>
@@ -7537,13 +7547,6 @@
   <p:clrMapOvr>
     <a:masterClrMapping/>
   </p:clrMapOvr>
-  <p:timing>
-    <p:tnLst>
-      <p:par>
-        <p:cTn xmlns:p14="http://schemas.microsoft.com/office/powerpoint/2010/main" id="1" dur="indefinite" restart="never" nodeType="tmRoot"/>
-      </p:par>
-    </p:tnLst>
-  </p:timing>
 </p:sld>
 </file>
 
@@ -7607,7 +7610,7 @@
               <a:buNone/>
             </a:pPr>
             <a:r>
-              <a:rPr lang="en-US" sz="7800" u="none" strike="noStrike" cap="none" dirty="0" smtClean="0">
+              <a:rPr lang="es-419" sz="7800" u="none" strike="noStrike" cap="none" dirty="0">
                 <a:solidFill>
                   <a:srgbClr val="FFFF00"/>
                 </a:solidFill>
@@ -7616,17 +7619,8 @@
                 <a:cs typeface="Arial" charset="0"/>
                 <a:sym typeface="Cabin"/>
               </a:rPr>
-              <a:t>Lists are in Order</a:t>
-            </a:r>
-            <a:endParaRPr lang="en-US" sz="7800" u="none" strike="noStrike" cap="none" dirty="0">
-              <a:solidFill>
-                <a:srgbClr val="FFFF00"/>
-              </a:solidFill>
-              <a:latin typeface="Arial" charset="0"/>
-              <a:ea typeface="Arial" charset="0"/>
-              <a:cs typeface="Arial" charset="0"/>
-              <a:sym typeface="Cabin"/>
-            </a:endParaRPr>
+              <a:t>Las Listas están en Orden</a:t>
+            </a:r>
           </a:p>
         </p:txBody>
       </p:sp>
@@ -7642,8 +7636,8 @@
         </p:nvSpPr>
         <p:spPr>
           <a:xfrm>
-            <a:off x="324385" y="2446720"/>
-            <a:ext cx="5524500" cy="5702299"/>
+            <a:off x="0" y="2446720"/>
+            <a:ext cx="7234518" cy="5702299"/>
           </a:xfrm>
           <a:prstGeom prst="rect">
             <a:avLst/>
@@ -7677,7 +7671,7 @@
               <a:buChar char="•"/>
             </a:pPr>
             <a:r>
-              <a:rPr lang="en-US" sz="3400" b="0" u="none" strike="noStrike" cap="none" dirty="0">
+              <a:rPr lang="es-419" sz="3400" b="0" dirty="0">
                 <a:solidFill>
                   <a:schemeClr val="lt1"/>
                 </a:solidFill>
@@ -7686,31 +7680,43 @@
                 <a:cs typeface="Arial" charset="0"/>
                 <a:sym typeface="Cabin"/>
               </a:rPr>
-              <a:t>A </a:t>
-            </a:r>
-            <a:r>
-              <a:rPr lang="en-US" sz="3400" b="0" u="none" strike="noStrike" cap="none" dirty="0">
-                <a:solidFill>
-                  <a:srgbClr val="FF7F00"/>
+              <a:t>Una</a:t>
+            </a:r>
+            <a:r>
+              <a:rPr lang="es-419" sz="3400" b="0" u="none" strike="noStrike" cap="none" dirty="0">
+                <a:solidFill>
+                  <a:schemeClr val="lt1"/>
                 </a:solidFill>
                 <a:latin typeface="Arial" charset="0"/>
                 <a:ea typeface="Arial" charset="0"/>
                 <a:cs typeface="Arial" charset="0"/>
                 <a:sym typeface="Cabin"/>
               </a:rPr>
-              <a:t>list</a:t>
-            </a:r>
-            <a:r>
-              <a:rPr lang="en-US" sz="3400" b="0" u="none" strike="noStrike" cap="none" dirty="0">
-                <a:solidFill>
-                  <a:schemeClr val="lt1"/>
+              <a:t> </a:t>
+            </a:r>
+            <a:r>
+              <a:rPr lang="es-419" sz="3400" b="0" u="none" strike="noStrike" cap="none" dirty="0">
+                <a:solidFill>
+                  <a:srgbClr val="FF7F00"/>
                 </a:solidFill>
                 <a:latin typeface="Arial" charset="0"/>
                 <a:ea typeface="Arial" charset="0"/>
                 <a:cs typeface="Arial" charset="0"/>
                 <a:sym typeface="Cabin"/>
               </a:rPr>
-              <a:t> can hold many items and keeps those items in the order until we do something to change the order</a:t>
+              <a:t>lista</a:t>
+            </a:r>
+            <a:r>
+              <a:rPr lang="es-419" sz="3400" b="0" u="none" strike="noStrike" cap="none" dirty="0">
+                <a:solidFill>
+                  <a:schemeClr val="lt1"/>
+                </a:solidFill>
+                <a:latin typeface="Arial" charset="0"/>
+                <a:ea typeface="Arial" charset="0"/>
+                <a:cs typeface="Arial" charset="0"/>
+                <a:sym typeface="Cabin"/>
+              </a:rPr>
+              <a:t> puede almacenar muchos elementos y los mantiene en orden hasta que hagamos algo para cambiarlo</a:t>
             </a:r>
           </a:p>
           <a:p>
@@ -7732,7 +7738,7 @@
               <a:buChar char="•"/>
             </a:pPr>
             <a:r>
-              <a:rPr lang="en-US" sz="3400" b="0" u="none" strike="noStrike" cap="none" dirty="0">
+              <a:rPr lang="es-419" sz="3400" b="0" dirty="0">
                 <a:solidFill>
                   <a:schemeClr val="lt1"/>
                 </a:solidFill>
@@ -7741,58 +7747,58 @@
                 <a:cs typeface="Arial" charset="0"/>
                 <a:sym typeface="Cabin"/>
               </a:rPr>
-              <a:t>A </a:t>
-            </a:r>
-            <a:r>
-              <a:rPr lang="en-US" sz="3400" b="0" u="none" strike="noStrike" cap="none" dirty="0">
-                <a:solidFill>
-                  <a:srgbClr val="FF7F00"/>
+              <a:t>Una</a:t>
+            </a:r>
+            <a:r>
+              <a:rPr lang="es-419" sz="3400" b="0" u="none" strike="noStrike" cap="none" dirty="0">
+                <a:solidFill>
+                  <a:schemeClr val="lt1"/>
                 </a:solidFill>
                 <a:latin typeface="Arial" charset="0"/>
                 <a:ea typeface="Arial" charset="0"/>
                 <a:cs typeface="Arial" charset="0"/>
                 <a:sym typeface="Cabin"/>
               </a:rPr>
-              <a:t>list</a:t>
-            </a:r>
-            <a:r>
-              <a:rPr lang="en-US" sz="3400" b="0" u="none" strike="noStrike" cap="none" dirty="0">
-                <a:solidFill>
-                  <a:schemeClr val="lt1"/>
+              <a:t> </a:t>
+            </a:r>
+            <a:r>
+              <a:rPr lang="es-419" sz="3400" b="0" u="none" strike="noStrike" cap="none" dirty="0">
+                <a:solidFill>
+                  <a:srgbClr val="FF7F00"/>
                 </a:solidFill>
                 <a:latin typeface="Arial" charset="0"/>
                 <a:ea typeface="Arial" charset="0"/>
                 <a:cs typeface="Arial" charset="0"/>
                 <a:sym typeface="Cabin"/>
               </a:rPr>
-              <a:t> can be </a:t>
-            </a:r>
-            <a:r>
-              <a:rPr lang="en-US" sz="3400" b="0" u="none" strike="noStrike" cap="none" dirty="0">
-                <a:solidFill>
-                  <a:srgbClr val="FF00FF"/>
+              <a:t>lista</a:t>
+            </a:r>
+            <a:r>
+              <a:rPr lang="es-419" sz="3400" b="0" u="none" strike="noStrike" cap="none" dirty="0">
+                <a:solidFill>
+                  <a:schemeClr val="lt1"/>
                 </a:solidFill>
                 <a:latin typeface="Arial" charset="0"/>
                 <a:ea typeface="Arial" charset="0"/>
                 <a:cs typeface="Arial" charset="0"/>
                 <a:sym typeface="Cabin"/>
               </a:rPr>
-              <a:t>sorted</a:t>
-            </a:r>
-            <a:r>
-              <a:rPr lang="en-US" sz="3400" b="0" u="none" strike="noStrike" cap="none" dirty="0">
-                <a:solidFill>
-                  <a:schemeClr val="lt1"/>
+              <a:t> puede ser </a:t>
+            </a:r>
+            <a:r>
+              <a:rPr lang="es-419" sz="3400" b="0" u="none" strike="noStrike" cap="none" dirty="0">
+                <a:solidFill>
+                  <a:srgbClr val="FF00FF"/>
                 </a:solidFill>
                 <a:latin typeface="Arial" charset="0"/>
                 <a:ea typeface="Arial" charset="0"/>
                 <a:cs typeface="Arial" charset="0"/>
                 <a:sym typeface="Cabin"/>
               </a:rPr>
-              <a:t> </a:t>
-            </a:r>
-            <a:br>
-              <a:rPr lang="en-US" sz="3400" b="0" u="none" strike="noStrike" cap="none" dirty="0">
+              <a:t>ordenada</a:t>
+            </a:r>
+            <a:r>
+              <a:rPr lang="es-419" sz="3400" b="0" u="none" strike="noStrike" cap="none" dirty="0">
                 <a:solidFill>
                   <a:schemeClr val="lt1"/>
                 </a:solidFill>
@@ -7801,9 +7807,10 @@
                 <a:cs typeface="Arial" charset="0"/>
                 <a:sym typeface="Cabin"/>
               </a:rPr>
-            </a:br>
-            <a:r>
-              <a:rPr lang="en-US" sz="3400" b="0" u="none" strike="noStrike" cap="none" dirty="0">
+              <a:t> </a:t>
+            </a:r>
+            <a:br>
+              <a:rPr lang="es-419" sz="3400" b="0" u="none" strike="noStrike" cap="none" dirty="0">
                 <a:solidFill>
                   <a:schemeClr val="lt1"/>
                 </a:solidFill>
@@ -7812,7 +7819,18 @@
                 <a:cs typeface="Arial" charset="0"/>
                 <a:sym typeface="Cabin"/>
               </a:rPr>
-              <a:t>(i.e., change its order)</a:t>
+            </a:br>
+            <a:r>
+              <a:rPr lang="es-419" sz="3400" b="0" u="none" strike="noStrike" cap="none" dirty="0">
+                <a:solidFill>
+                  <a:schemeClr val="lt1"/>
+                </a:solidFill>
+                <a:latin typeface="Arial" charset="0"/>
+                <a:ea typeface="Arial" charset="0"/>
+                <a:cs typeface="Arial" charset="0"/>
+                <a:sym typeface="Cabin"/>
+              </a:rPr>
+              <a:t>(i.e., cambiar su orden)</a:t>
             </a:r>
           </a:p>
           <a:p>
@@ -7834,7 +7852,7 @@
               <a:buChar char="•"/>
             </a:pPr>
             <a:r>
-              <a:rPr lang="en-US" sz="3400" b="0" u="none" strike="noStrike" cap="none" dirty="0">
+              <a:rPr lang="es-419" sz="3400" b="0" u="none" strike="noStrike" cap="none" dirty="0">
                 <a:solidFill>
                   <a:schemeClr val="lt1"/>
                 </a:solidFill>
@@ -7843,10 +7861,10 @@
                 <a:cs typeface="Arial" charset="0"/>
                 <a:sym typeface="Cabin"/>
               </a:rPr>
-              <a:t>The </a:t>
-            </a:r>
-            <a:r>
-              <a:rPr lang="en-US" sz="3400" b="0" u="none" strike="noStrike" cap="none" dirty="0">
+              <a:t>El método </a:t>
+            </a:r>
+            <a:r>
+              <a:rPr lang="es-419" sz="3400" b="0" u="none" strike="noStrike" cap="none" dirty="0" err="1">
                 <a:solidFill>
                   <a:srgbClr val="FF00FF"/>
                 </a:solidFill>
@@ -7858,19 +7876,19 @@
               <a:t>sort</a:t>
             </a:r>
             <a:r>
-              <a:rPr lang="en-US" sz="3400" b="0" u="none" strike="noStrike" cap="none" dirty="0">
-                <a:solidFill>
-                  <a:schemeClr val="lt1"/>
+              <a:rPr lang="es-419" sz="3400" b="0" u="none" strike="noStrike" cap="none" dirty="0">
+                <a:solidFill>
+                  <a:srgbClr val="FF00FF"/>
                 </a:solidFill>
                 <a:latin typeface="Arial" charset="0"/>
                 <a:ea typeface="Arial" charset="0"/>
                 <a:cs typeface="Arial" charset="0"/>
                 <a:sym typeface="Cabin"/>
               </a:rPr>
-              <a:t> method (unlike in strings) means </a:t>
-            </a:r>
-            <a:r>
-              <a:rPr lang="en-US" sz="3400" b="0" dirty="0">
+              <a:t> (ordenar)</a:t>
+            </a:r>
+            <a:r>
+              <a:rPr lang="es-419" sz="3400" b="0" u="none" strike="noStrike" cap="none" dirty="0">
                 <a:solidFill>
                   <a:schemeClr val="lt1"/>
                 </a:solidFill>
@@ -7879,22 +7897,34 @@
                 <a:cs typeface="Arial" charset="0"/>
                 <a:sym typeface="Cabin"/>
               </a:rPr>
-              <a:t>“</a:t>
-            </a:r>
-            <a:r>
-              <a:rPr lang="en-US" sz="3400" b="0" u="none" strike="noStrike" cap="none" dirty="0">
-                <a:solidFill>
-                  <a:srgbClr val="FF00FF"/>
+              <a:t> (al contrario que en las cadenas) significa </a:t>
+            </a:r>
+            <a:r>
+              <a:rPr lang="es-419" sz="3400" b="0" dirty="0">
+                <a:solidFill>
+                  <a:schemeClr val="lt1"/>
                 </a:solidFill>
                 <a:latin typeface="Arial" charset="0"/>
                 <a:ea typeface="Arial" charset="0"/>
                 <a:cs typeface="Arial" charset="0"/>
                 <a:sym typeface="Cabin"/>
               </a:rPr>
-              <a:t>sort yourself</a:t>
-            </a:r>
-            <a:r>
-              <a:rPr lang="en-US" sz="3400" b="0" dirty="0">
+              <a:t>“</a:t>
+            </a:r>
+            <a:r>
+              <a:rPr lang="es-419" sz="3400" b="0" dirty="0">
+                <a:solidFill>
+                  <a:srgbClr val="FF00FF"/>
+                </a:solidFill>
+                <a:latin typeface="Arial" charset="0"/>
+                <a:ea typeface="Arial" charset="0"/>
+                <a:cs typeface="Arial" charset="0"/>
+                <a:sym typeface="Cabin"/>
+              </a:rPr>
+              <a:t>ordénalo tu mismo</a:t>
+            </a:r>
+            <a:r>
+              <a:rPr lang="es-419" sz="3400" b="0" dirty="0">
                 <a:solidFill>
                   <a:schemeClr val="lt1"/>
                 </a:solidFill>
@@ -7916,8 +7946,8 @@
         </p:nvSpPr>
         <p:spPr>
           <a:xfrm>
-            <a:off x="6771475" y="2570745"/>
-            <a:ext cx="8976525" cy="4365000"/>
+            <a:off x="7651645" y="2678322"/>
+            <a:ext cx="8585066" cy="4365000"/>
           </a:xfrm>
           <a:prstGeom prst="rect">
             <a:avLst/>
@@ -7951,7 +7981,7 @@
               <a:buNone/>
             </a:pPr>
             <a:r>
-              <a:rPr lang="en-US" sz="2600" b="1" i="0" u="none" strike="noStrike" cap="none" dirty="0">
+              <a:rPr lang="es-419" sz="2600" b="1" i="0" u="none" strike="noStrike" cap="none" dirty="0">
                 <a:solidFill>
                   <a:schemeClr val="lt1"/>
                 </a:solidFill>
@@ -7963,7 +7993,7 @@
               <a:t>&gt;&gt;&gt; </a:t>
             </a:r>
             <a:r>
-              <a:rPr lang="en-US" sz="2600" b="1" i="0" u="none" strike="noStrike" cap="none" dirty="0">
+              <a:rPr lang="es-419" sz="2600" b="1" i="0" u="none" strike="noStrike" cap="none" dirty="0">
                 <a:solidFill>
                   <a:srgbClr val="00FF00"/>
                 </a:solidFill>
@@ -7972,10 +8002,10 @@
                 <a:cs typeface="Courier New"/>
                 <a:sym typeface="Courier New"/>
               </a:rPr>
-              <a:t>friends</a:t>
-            </a:r>
-            <a:r>
-              <a:rPr lang="en-US" sz="2600" b="1" i="0" u="none" strike="noStrike" cap="none" dirty="0">
+              <a:t>amigos</a:t>
+            </a:r>
+            <a:r>
+              <a:rPr lang="es-419" sz="2600" b="1" i="0" u="none" strike="noStrike" cap="none" dirty="0">
                 <a:solidFill>
                   <a:schemeClr val="lt1"/>
                 </a:solidFill>
@@ -7987,7 +8017,7 @@
               <a:t> = </a:t>
             </a:r>
             <a:r>
-              <a:rPr lang="en-US" sz="2600" b="1" i="0" u="none" strike="noStrike" cap="none" dirty="0">
+              <a:rPr lang="es-419" sz="2600" b="1" i="0" u="none" strike="noStrike" cap="none" dirty="0">
                 <a:solidFill>
                   <a:srgbClr val="FF7F00"/>
                 </a:solidFill>
@@ -7997,85 +8027,6 @@
                 <a:sym typeface="Courier New"/>
               </a:rPr>
               <a:t>[ 'Joseph', 'Glenn', 'Sally' ]</a:t>
-            </a:r>
-          </a:p>
-          <a:p>
-            <a:pPr marL="0" marR="0" lvl="0" indent="0" algn="l" rtl="0">
-              <a:lnSpc>
-                <a:spcPct val="100000"/>
-              </a:lnSpc>
-              <a:spcBef>
-                <a:spcPts val="0"/>
-              </a:spcBef>
-              <a:spcAft>
-                <a:spcPts val="0"/>
-              </a:spcAft>
-              <a:buClr>
-                <a:schemeClr val="lt1"/>
-              </a:buClr>
-              <a:buSzPct val="25000"/>
-              <a:buFont typeface="Cabin"/>
-              <a:buNone/>
-            </a:pPr>
-            <a:r>
-              <a:rPr lang="en-US" sz="2600" b="1" i="0" u="none" strike="noStrike" cap="none" dirty="0">
-                <a:solidFill>
-                  <a:schemeClr val="lt1"/>
-                </a:solidFill>
-                <a:latin typeface="Courier New"/>
-                <a:ea typeface="Courier New"/>
-                <a:cs typeface="Courier New"/>
-                <a:sym typeface="Courier New"/>
-              </a:rPr>
-              <a:t>&gt;&gt;&gt;</a:t>
-            </a:r>
-            <a:r>
-              <a:rPr lang="en-US" sz="2600" b="1" i="0" u="none" strike="noStrike" cap="none" dirty="0">
-                <a:solidFill>
-                  <a:srgbClr val="00FF00"/>
-                </a:solidFill>
-                <a:latin typeface="Courier New"/>
-                <a:ea typeface="Courier New"/>
-                <a:cs typeface="Courier New"/>
-                <a:sym typeface="Courier New"/>
-              </a:rPr>
-              <a:t> </a:t>
-            </a:r>
-            <a:r>
-              <a:rPr lang="en-US" sz="2600" b="1" i="0" u="none" strike="noStrike" cap="none" dirty="0" err="1">
-                <a:solidFill>
-                  <a:srgbClr val="00FF00"/>
-                </a:solidFill>
-                <a:latin typeface="Courier New"/>
-                <a:ea typeface="Courier New"/>
-                <a:cs typeface="Courier New"/>
-                <a:sym typeface="Courier New"/>
-              </a:rPr>
-              <a:t>friends</a:t>
-            </a:r>
-            <a:r>
-              <a:rPr lang="en-US" sz="2600" b="1" i="0" u="none" strike="noStrike" cap="none" dirty="0" err="1">
-                <a:solidFill>
-                  <a:srgbClr val="FF00FF"/>
-                </a:solidFill>
-                <a:latin typeface="Courier New"/>
-                <a:ea typeface="Courier New"/>
-                <a:cs typeface="Courier New"/>
-                <a:sym typeface="Courier New"/>
-              </a:rPr>
-              <a:t>.sort</a:t>
-            </a:r>
-            <a:r>
-              <a:rPr lang="en-US" sz="2600" b="1" i="0" u="none" strike="noStrike" cap="none" dirty="0">
-                <a:solidFill>
-                  <a:schemeClr val="lt1"/>
-                </a:solidFill>
-                <a:latin typeface="Courier New"/>
-                <a:ea typeface="Courier New"/>
-                <a:cs typeface="Courier New"/>
-                <a:sym typeface="Courier New"/>
-              </a:rPr>
-              <a:t>()</a:t>
             </a:r>
           </a:p>
           <a:p>
@@ -8086,7 +8037,75 @@
               <a:buSzPct val="25000"/>
             </a:pPr>
             <a:r>
-              <a:rPr lang="en-US" sz="2600" b="1" i="0" u="none" strike="noStrike" cap="none" dirty="0">
+              <a:rPr lang="es-419" sz="2600" b="1" i="0" u="none" strike="noStrike" cap="none" dirty="0">
+                <a:solidFill>
+                  <a:schemeClr val="lt1"/>
+                </a:solidFill>
+                <a:latin typeface="Courier New"/>
+                <a:ea typeface="Courier New"/>
+                <a:cs typeface="Courier New"/>
+                <a:sym typeface="Courier New"/>
+              </a:rPr>
+              <a:t>&gt;&gt;&gt;</a:t>
+            </a:r>
+            <a:r>
+              <a:rPr lang="es-419" sz="2600" b="1" dirty="0">
+                <a:solidFill>
+                  <a:srgbClr val="00FF00"/>
+                </a:solidFill>
+                <a:latin typeface="Courier New"/>
+                <a:ea typeface="Courier New"/>
+                <a:cs typeface="Courier New"/>
+                <a:sym typeface="Courier New"/>
+              </a:rPr>
+              <a:t> </a:t>
+            </a:r>
+            <a:r>
+              <a:rPr lang="es-419" sz="2600" b="1" dirty="0" err="1">
+                <a:solidFill>
+                  <a:srgbClr val="00FF00"/>
+                </a:solidFill>
+                <a:latin typeface="Courier New"/>
+                <a:ea typeface="Courier New"/>
+                <a:cs typeface="Courier New"/>
+                <a:sym typeface="Courier New"/>
+              </a:rPr>
+              <a:t>amigos</a:t>
+            </a:r>
+            <a:r>
+              <a:rPr lang="es-419" sz="2600" b="1" i="0" u="none" strike="noStrike" cap="none" dirty="0" err="1">
+                <a:solidFill>
+                  <a:srgbClr val="FF00FF"/>
+                </a:solidFill>
+                <a:latin typeface="Courier New"/>
+                <a:ea typeface="Courier New"/>
+                <a:cs typeface="Courier New"/>
+                <a:sym typeface="Courier New"/>
+              </a:rPr>
+              <a:t>.sort</a:t>
+            </a:r>
+            <a:r>
+              <a:rPr lang="es-419" sz="2600" b="1" i="0" u="none" strike="noStrike" cap="none" dirty="0">
+                <a:solidFill>
+                  <a:schemeClr val="lt1"/>
+                </a:solidFill>
+                <a:latin typeface="Courier New"/>
+                <a:ea typeface="Courier New"/>
+                <a:cs typeface="Courier New"/>
+                <a:sym typeface="Courier New"/>
+              </a:rPr>
+              <a:t>()</a:t>
+            </a:r>
+          </a:p>
+          <a:p>
+            <a:pPr lvl="0">
+              <a:buClr>
+                <a:schemeClr val="lt1"/>
+              </a:buClr>
+              <a:buSzPct val="25000"/>
+            </a:pPr>
+            <a:r>
+              <a:rPr lang="es-419" sz="2600" b="1" i="0" u="none" strike="noStrike" cap="none" dirty="0">
                 <a:solidFill>
                   <a:schemeClr val="lt1"/>
                 </a:solidFill>
@@ -8098,7 +8117,7 @@
               <a:t>&gt;&gt;&gt; </a:t>
             </a:r>
             <a:r>
-              <a:rPr lang="en-US" sz="2600" b="1" i="0" u="none" strike="noStrike" cap="none" dirty="0" smtClean="0">
+              <a:rPr lang="es-419" sz="2600" b="1" i="0" u="none" strike="noStrike" cap="none" dirty="0" err="1">
                 <a:solidFill>
                   <a:srgbClr val="FFFF00"/>
                 </a:solidFill>
@@ -8107,10 +8126,22 @@
                 <a:cs typeface="Courier New"/>
                 <a:sym typeface="Courier New"/>
               </a:rPr>
-              <a:t>print(</a:t>
-            </a:r>
-            <a:r>
-              <a:rPr lang="en-US" sz="2600" b="1" i="0" u="none" strike="noStrike" cap="none" dirty="0" smtClean="0">
+              <a:t>print</a:t>
+            </a:r>
+            <a:r>
+              <a:rPr lang="es-419" sz="2600" b="1" i="0" u="none" strike="noStrike" cap="none" dirty="0">
+                <a:solidFill>
+                  <a:srgbClr val="FFFF00"/>
+                </a:solidFill>
+                <a:latin typeface="Courier New"/>
+                <a:ea typeface="Courier New"/>
+                <a:cs typeface="Courier New"/>
+                <a:sym typeface="Courier New"/>
+              </a:rPr>
+              <a:t>(</a:t>
+            </a:r>
+            <a:r>
+              <a:rPr lang="es-419" sz="2600" b="1" dirty="0">
                 <a:solidFill>
                   <a:srgbClr val="00FF00"/>
                 </a:solidFill>
@@ -8119,10 +8150,10 @@
                 <a:cs typeface="Courier New"/>
                 <a:sym typeface="Courier New"/>
               </a:rPr>
-              <a:t>friends</a:t>
-            </a:r>
-            <a:r>
-              <a:rPr lang="en-US" sz="2600" b="1" dirty="0" smtClean="0">
+              <a:t>amigos</a:t>
+            </a:r>
+            <a:r>
+              <a:rPr lang="es-419" sz="2600" b="1" dirty="0">
                 <a:solidFill>
                   <a:srgbClr val="FFFF00"/>
                 </a:solidFill>
@@ -8133,7 +8164,7 @@
               </a:rPr>
               <a:t>)</a:t>
             </a:r>
-            <a:endParaRPr lang="en-US" sz="2600" b="1" i="0" u="none" strike="noStrike" cap="none" dirty="0">
+            <a:endParaRPr lang="es-419" sz="2600" b="1" i="0" u="none" strike="noStrike" cap="none" dirty="0">
               <a:solidFill>
                 <a:srgbClr val="00FF00"/>
               </a:solidFill>
@@ -8162,7 +8193,7 @@
               <a:buNone/>
             </a:pPr>
             <a:r>
-              <a:rPr lang="en-US" sz="2600" b="1" i="0" u="none" strike="noStrike" cap="none" dirty="0">
+              <a:rPr lang="es-419" sz="2600" b="1" i="0" u="none" strike="noStrike" cap="none" dirty="0">
                 <a:solidFill>
                   <a:schemeClr val="lt1"/>
                 </a:solidFill>
@@ -8182,7 +8213,7 @@
               <a:buSzPct val="25000"/>
             </a:pPr>
             <a:r>
-              <a:rPr lang="en-US" sz="2600" b="1" i="0" u="none" strike="noStrike" cap="none" dirty="0">
+              <a:rPr lang="es-419" sz="2600" b="1" i="0" u="none" strike="noStrike" cap="none" dirty="0">
                 <a:solidFill>
                   <a:schemeClr val="lt1"/>
                 </a:solidFill>
@@ -8194,7 +8225,7 @@
               <a:t>&gt;&gt;&gt; </a:t>
             </a:r>
             <a:r>
-              <a:rPr lang="en-US" sz="2600" b="1" i="0" u="none" strike="noStrike" cap="none" dirty="0" smtClean="0">
+              <a:rPr lang="es-419" sz="2600" b="1" i="0" u="none" strike="noStrike" cap="none" dirty="0" err="1">
                 <a:solidFill>
                   <a:srgbClr val="FFFF00"/>
                 </a:solidFill>
@@ -8206,7 +8237,7 @@
               <a:t>print</a:t>
             </a:r>
             <a:r>
-              <a:rPr lang="en-US" sz="2600" b="1" dirty="0">
+              <a:rPr lang="es-419" sz="2600" b="1" dirty="0">
                 <a:solidFill>
                   <a:schemeClr val="lt1"/>
                 </a:solidFill>
@@ -8218,7 +8249,7 @@
               <a:t>(</a:t>
             </a:r>
             <a:r>
-              <a:rPr lang="en-US" sz="2600" b="1" i="0" u="none" strike="noStrike" cap="none" dirty="0" smtClean="0">
+              <a:rPr lang="es-419" sz="2600" b="1" dirty="0">
                 <a:solidFill>
                   <a:srgbClr val="00FF00"/>
                 </a:solidFill>
@@ -8227,10 +8258,10 @@
                 <a:cs typeface="Courier New"/>
                 <a:sym typeface="Courier New"/>
               </a:rPr>
-              <a:t>friends</a:t>
-            </a:r>
-            <a:r>
-              <a:rPr lang="en-US" sz="2600" b="1" i="0" u="none" strike="noStrike" cap="none" dirty="0" smtClean="0">
+              <a:t>amigos</a:t>
+            </a:r>
+            <a:r>
+              <a:rPr lang="es-419" sz="2600" b="1" i="0" u="none" strike="noStrike" cap="none" dirty="0">
                 <a:solidFill>
                   <a:srgbClr val="00FFFF"/>
                 </a:solidFill>
@@ -8242,7 +8273,7 @@
               <a:t>[</a:t>
             </a:r>
             <a:r>
-              <a:rPr lang="en-US" sz="2600" b="1" i="0" u="none" strike="noStrike" cap="none" dirty="0" smtClean="0">
+              <a:rPr lang="es-419" sz="2600" b="1" i="0" u="none" strike="noStrike" cap="none" dirty="0">
                 <a:solidFill>
                   <a:schemeClr val="lt1"/>
                 </a:solidFill>
@@ -8254,7 +8285,7 @@
               <a:t>1</a:t>
             </a:r>
             <a:r>
-              <a:rPr lang="en-US" sz="2600" b="1" i="0" u="none" strike="noStrike" cap="none" dirty="0" smtClean="0">
+              <a:rPr lang="es-419" sz="2600" b="1" i="0" u="none" strike="noStrike" cap="none" dirty="0">
                 <a:solidFill>
                   <a:srgbClr val="00FFFF"/>
                 </a:solidFill>
@@ -8266,7 +8297,7 @@
               <a:t>]</a:t>
             </a:r>
             <a:r>
-              <a:rPr lang="en-US" sz="2600" b="1" dirty="0" smtClean="0">
+              <a:rPr lang="es-419" sz="2600" b="1" dirty="0">
                 <a:solidFill>
                   <a:srgbClr val="FFFF00"/>
                 </a:solidFill>
@@ -8277,7 +8308,7 @@
               </a:rPr>
               <a:t>)</a:t>
             </a:r>
-            <a:endParaRPr lang="en-US" sz="2600" b="1" i="0" u="none" strike="noStrike" cap="none" dirty="0">
+            <a:endParaRPr lang="es-419" sz="2600" b="1" i="0" u="none" strike="noStrike" cap="none" dirty="0">
               <a:solidFill>
                 <a:srgbClr val="00FFFF"/>
               </a:solidFill>
@@ -8306,7 +8337,7 @@
               <a:buNone/>
             </a:pPr>
             <a:r>
-              <a:rPr lang="en-US" sz="2600" b="1" i="0" u="none" strike="noStrike" cap="none" dirty="0">
+              <a:rPr lang="es-419" sz="2600" b="1" i="0" u="none" strike="noStrike" cap="none" dirty="0">
                 <a:solidFill>
                   <a:schemeClr val="lt1"/>
                 </a:solidFill>
@@ -8337,7 +8368,7 @@
               <a:buNone/>
             </a:pPr>
             <a:r>
-              <a:rPr lang="en-US" sz="2600" b="1" i="0" u="none" strike="noStrike" cap="none" dirty="0">
+              <a:rPr lang="es-419" sz="2600" b="1" i="0" u="none" strike="noStrike" cap="none" dirty="0">
                 <a:solidFill>
                   <a:schemeClr val="lt1"/>
                 </a:solidFill>
@@ -8356,13 +8387,6 @@
   <p:clrMapOvr>
     <a:masterClrMapping/>
   </p:clrMapOvr>
-  <p:timing>
-    <p:tnLst>
-      <p:par>
-        <p:cTn xmlns:p14="http://schemas.microsoft.com/office/powerpoint/2010/main" id="1" dur="indefinite" restart="never" nodeType="tmRoot"/>
-      </p:par>
-    </p:tnLst>
-  </p:timing>
 </p:sld>
 </file>
 
@@ -8426,7 +8450,7 @@
               <a:buNone/>
             </a:pPr>
             <a:r>
-              <a:rPr lang="en-US" sz="7600" u="none" strike="noStrike" cap="none" dirty="0">
+              <a:rPr lang="es-419" sz="7600" u="none" strike="noStrike" cap="none" dirty="0">
                 <a:solidFill>
                   <a:srgbClr val="FFFF00"/>
                 </a:solidFill>
@@ -8435,10 +8459,10 @@
                 <a:cs typeface="Arial" charset="0"/>
                 <a:sym typeface="Cabin"/>
               </a:rPr>
-              <a:t>Built</a:t>
-            </a:r>
-            <a:r>
-              <a:rPr lang="en-US" sz="7600" dirty="0">
+              <a:t>Funciones </a:t>
+            </a:r>
+            <a:r>
+              <a:rPr lang="es-419" sz="7600" dirty="0">
                 <a:solidFill>
                   <a:srgbClr val="FFFF00"/>
                 </a:solidFill>
@@ -8447,20 +8471,17 @@
                 <a:cs typeface="Arial" charset="0"/>
                 <a:sym typeface="Cabin"/>
               </a:rPr>
-              <a:t>-</a:t>
-            </a:r>
-            <a:r>
-              <a:rPr lang="en-US" sz="7600" u="none" strike="noStrike" cap="none" dirty="0">
-                <a:solidFill>
-                  <a:srgbClr val="FFFF00"/>
-                </a:solidFill>
-                <a:latin typeface="Arial" charset="0"/>
-                <a:ea typeface="Arial" charset="0"/>
-                <a:cs typeface="Arial" charset="0"/>
-                <a:sym typeface="Cabin"/>
-              </a:rPr>
-              <a:t>in Functions and Lists</a:t>
-            </a:r>
+              <a:t>Nativas y Listas</a:t>
+            </a:r>
+            <a:endParaRPr lang="es-419" sz="7600" u="none" strike="noStrike" cap="none" dirty="0">
+              <a:solidFill>
+                <a:srgbClr val="FFFF00"/>
+              </a:solidFill>
+              <a:latin typeface="Arial" charset="0"/>
+              <a:ea typeface="Arial" charset="0"/>
+              <a:cs typeface="Arial" charset="0"/>
+              <a:sym typeface="Cabin"/>
+            </a:endParaRPr>
           </a:p>
         </p:txBody>
       </p:sp>
@@ -8508,7 +8529,7 @@
               <a:buChar char="•"/>
             </a:pPr>
             <a:r>
-              <a:rPr lang="en-US" sz="3400" b="0" u="none" strike="noStrike" cap="none" dirty="0">
+              <a:rPr lang="es-419" sz="3400" b="0" u="none" strike="noStrike" cap="none" dirty="0">
                 <a:solidFill>
                   <a:schemeClr val="lt1"/>
                 </a:solidFill>
@@ -8517,10 +8538,10 @@
                 <a:cs typeface="Arial" charset="0"/>
                 <a:sym typeface="Cabin"/>
               </a:rPr>
-              <a:t>There are a number of </a:t>
-            </a:r>
-            <a:r>
-              <a:rPr lang="en-US" sz="3400" b="0" u="none" strike="noStrike" cap="none" dirty="0">
+              <a:t>Hay un cierto número de </a:t>
+            </a:r>
+            <a:r>
+              <a:rPr lang="es-419" sz="3400" b="0" u="none" strike="noStrike" cap="none" dirty="0">
                 <a:solidFill>
                   <a:srgbClr val="FF00FF"/>
                 </a:solidFill>
@@ -8529,10 +8550,10 @@
                 <a:cs typeface="Arial" charset="0"/>
                 <a:sym typeface="Cabin"/>
               </a:rPr>
-              <a:t>functions</a:t>
-            </a:r>
-            <a:r>
-              <a:rPr lang="en-US" sz="3400" b="0" u="none" strike="noStrike" cap="none" dirty="0">
+              <a:t>funciones</a:t>
+            </a:r>
+            <a:r>
+              <a:rPr lang="es-419" sz="3400" b="0" u="none" strike="noStrike" cap="none" dirty="0">
                 <a:solidFill>
                   <a:schemeClr val="lt1"/>
                 </a:solidFill>
@@ -8541,10 +8562,10 @@
                 <a:cs typeface="Arial" charset="0"/>
                 <a:sym typeface="Cabin"/>
               </a:rPr>
-              <a:t> built into </a:t>
-            </a:r>
-            <a:r>
-              <a:rPr lang="en-US" sz="3400" b="0" u="none" strike="noStrike" cap="none" dirty="0">
+              <a:t> nativas en </a:t>
+            </a:r>
+            <a:r>
+              <a:rPr lang="es-419" sz="3400" b="0" u="none" strike="noStrike" cap="none" dirty="0">
                 <a:solidFill>
                   <a:srgbClr val="FFFF00"/>
                 </a:solidFill>
@@ -8556,7 +8577,7 @@
               <a:t>Python</a:t>
             </a:r>
             <a:r>
-              <a:rPr lang="en-US" sz="3400" b="0" u="none" strike="noStrike" cap="none" dirty="0">
+              <a:rPr lang="es-419" sz="3400" b="0" u="none" strike="noStrike" cap="none" dirty="0">
                 <a:solidFill>
                   <a:schemeClr val="lt1"/>
                 </a:solidFill>
@@ -8565,10 +8586,10 @@
                 <a:cs typeface="Arial" charset="0"/>
                 <a:sym typeface="Cabin"/>
               </a:rPr>
-              <a:t> that take </a:t>
-            </a:r>
-            <a:r>
-              <a:rPr lang="en-US" sz="3400" b="0" u="none" strike="noStrike" cap="none" dirty="0">
+              <a:t> que toman </a:t>
+            </a:r>
+            <a:r>
+              <a:rPr lang="es-419" sz="3400" b="0" u="none" strike="noStrike" cap="none" dirty="0">
                 <a:solidFill>
                   <a:srgbClr val="00FF00"/>
                 </a:solidFill>
@@ -8577,10 +8598,10 @@
                 <a:cs typeface="Arial" charset="0"/>
                 <a:sym typeface="Cabin"/>
               </a:rPr>
-              <a:t>lists</a:t>
-            </a:r>
-            <a:r>
-              <a:rPr lang="en-US" sz="3400" b="0" u="none" strike="noStrike" cap="none" dirty="0">
+              <a:t>listas</a:t>
+            </a:r>
+            <a:r>
+              <a:rPr lang="es-419" sz="3400" b="0" u="none" strike="noStrike" cap="none" dirty="0">
                 <a:solidFill>
                   <a:schemeClr val="lt1"/>
                 </a:solidFill>
@@ -8589,7 +8610,7 @@
                 <a:cs typeface="Arial" charset="0"/>
                 <a:sym typeface="Cabin"/>
               </a:rPr>
-              <a:t> as parameters</a:t>
+              <a:t> como parámetros</a:t>
             </a:r>
           </a:p>
           <a:p>
@@ -8608,7 +8629,7 @@
               <a:buChar char="•"/>
             </a:pPr>
             <a:r>
-              <a:rPr lang="en-US" sz="3400" b="0" u="none" strike="noStrike" cap="none" dirty="0">
+              <a:rPr lang="es-419" sz="3400" b="0" dirty="0">
                 <a:solidFill>
                   <a:schemeClr val="lt1"/>
                 </a:solidFill>
@@ -8617,8 +8638,17 @@
                 <a:cs typeface="Arial" charset="0"/>
                 <a:sym typeface="Cabin"/>
               </a:rPr>
-              <a:t>Remember the loops we built?  These are much simpler.</a:t>
-            </a:r>
+              <a:t>¿Recuerdas los bucles que hicimos? Son mucho más sencillos</a:t>
+            </a:r>
+            <a:endParaRPr lang="es-419" sz="3400" b="0" u="none" strike="noStrike" cap="none" dirty="0">
+              <a:solidFill>
+                <a:schemeClr val="lt1"/>
+              </a:solidFill>
+              <a:latin typeface="Arial" charset="0"/>
+              <a:ea typeface="Arial" charset="0"/>
+              <a:cs typeface="Arial" charset="0"/>
+              <a:sym typeface="Cabin"/>
+            </a:endParaRPr>
           </a:p>
         </p:txBody>
       </p:sp>
@@ -8665,7 +8695,7 @@
               <a:buNone/>
             </a:pPr>
             <a:r>
-              <a:rPr lang="en-US" sz="3000" b="1" i="0" u="none" strike="noStrike" cap="none" dirty="0">
+              <a:rPr lang="es-419" sz="3000" b="1" i="0" u="none" strike="noStrike" cap="none" dirty="0">
                 <a:solidFill>
                   <a:schemeClr val="lt1"/>
                 </a:solidFill>
@@ -8677,7 +8707,7 @@
               <a:t>&gt;&gt;&gt; </a:t>
             </a:r>
             <a:r>
-              <a:rPr lang="en-US" sz="3000" b="1" i="0" u="none" strike="noStrike" cap="none" dirty="0" err="1">
+              <a:rPr lang="es-419" sz="3000" b="1" i="0" u="none" strike="noStrike" cap="none" dirty="0" err="1">
                 <a:solidFill>
                   <a:srgbClr val="00FF00"/>
                 </a:solidFill>
@@ -8689,7 +8719,7 @@
               <a:t>nums</a:t>
             </a:r>
             <a:r>
-              <a:rPr lang="en-US" sz="3000" b="1" i="0" u="none" strike="noStrike" cap="none" dirty="0">
+              <a:rPr lang="es-419" sz="3000" b="1" i="0" u="none" strike="noStrike" cap="none" dirty="0">
                 <a:solidFill>
                   <a:schemeClr val="lt1"/>
                 </a:solidFill>
@@ -8709,7 +8739,7 @@
               <a:buSzPct val="25000"/>
             </a:pPr>
             <a:r>
-              <a:rPr lang="en-US" sz="3000" b="1" i="0" u="none" strike="noStrike" cap="none" dirty="0">
+              <a:rPr lang="es-419" sz="3000" b="1" i="0" u="none" strike="noStrike" cap="none" dirty="0">
                 <a:solidFill>
                   <a:schemeClr val="lt1"/>
                 </a:solidFill>
@@ -8721,7 +8751,7 @@
               <a:t>&gt;&gt;&gt; </a:t>
             </a:r>
             <a:r>
-              <a:rPr lang="en-US" sz="3000" b="1" i="0" u="none" strike="noStrike" cap="none" dirty="0" smtClean="0">
+              <a:rPr lang="es-419" sz="3000" b="1" i="0" u="none" strike="noStrike" cap="none" dirty="0" err="1">
                 <a:solidFill>
                   <a:srgbClr val="FFFF00"/>
                 </a:solidFill>
@@ -8730,10 +8760,22 @@
                 <a:cs typeface="Courier New"/>
                 <a:sym typeface="Courier New"/>
               </a:rPr>
-              <a:t>print(</a:t>
-            </a:r>
-            <a:r>
-              <a:rPr lang="en-US" sz="3000" b="1" i="0" u="none" strike="noStrike" cap="none" dirty="0" err="1" smtClean="0">
+              <a:t>print</a:t>
+            </a:r>
+            <a:r>
+              <a:rPr lang="es-419" sz="3000" b="1" i="0" u="none" strike="noStrike" cap="none" dirty="0">
+                <a:solidFill>
+                  <a:srgbClr val="FFFF00"/>
+                </a:solidFill>
+                <a:latin typeface="Courier New"/>
+                <a:ea typeface="Courier New"/>
+                <a:cs typeface="Courier New"/>
+                <a:sym typeface="Courier New"/>
+              </a:rPr>
+              <a:t>(</a:t>
+            </a:r>
+            <a:r>
+              <a:rPr lang="es-419" sz="3000" b="1" i="0" u="none" strike="noStrike" cap="none" dirty="0" err="1">
                 <a:solidFill>
                   <a:srgbClr val="FF00FF"/>
                 </a:solidFill>
@@ -8745,7 +8787,7 @@
               <a:t>len</a:t>
             </a:r>
             <a:r>
-              <a:rPr lang="en-US" sz="3000" b="1" i="0" u="none" strike="noStrike" cap="none" dirty="0" smtClean="0">
+              <a:rPr lang="es-419" sz="3000" b="1" i="0" u="none" strike="noStrike" cap="none" dirty="0">
                 <a:solidFill>
                   <a:schemeClr val="lt1"/>
                 </a:solidFill>
@@ -8757,7 +8799,7 @@
               <a:t>(</a:t>
             </a:r>
             <a:r>
-              <a:rPr lang="en-US" sz="3000" b="1" i="0" u="none" strike="noStrike" cap="none" dirty="0" err="1" smtClean="0">
+              <a:rPr lang="es-419" sz="3000" b="1" i="0" u="none" strike="noStrike" cap="none" dirty="0" err="1">
                 <a:solidFill>
                   <a:srgbClr val="00FF00"/>
                 </a:solidFill>
@@ -8769,7 +8811,7 @@
               <a:t>nums</a:t>
             </a:r>
             <a:r>
-              <a:rPr lang="en-US" sz="3000" b="1" i="0" u="none" strike="noStrike" cap="none" dirty="0" smtClean="0">
+              <a:rPr lang="es-419" sz="3000" b="1" i="0" u="none" strike="noStrike" cap="none" dirty="0">
                 <a:solidFill>
                   <a:schemeClr val="lt1"/>
                 </a:solidFill>
@@ -8781,7 +8823,7 @@
               <a:t>)</a:t>
             </a:r>
             <a:r>
-              <a:rPr lang="en-US" sz="3000" b="1" dirty="0" smtClean="0">
+              <a:rPr lang="es-419" sz="3000" b="1" dirty="0">
                 <a:solidFill>
                   <a:srgbClr val="FFFF00"/>
                 </a:solidFill>
@@ -8792,7 +8834,7 @@
               </a:rPr>
               <a:t>)</a:t>
             </a:r>
-            <a:endParaRPr lang="en-US" sz="3000" b="1" i="0" u="none" strike="noStrike" cap="none" dirty="0">
+            <a:endParaRPr lang="es-419" sz="3000" b="1" i="0" u="none" strike="noStrike" cap="none" dirty="0">
               <a:solidFill>
                 <a:schemeClr val="lt1"/>
               </a:solidFill>
@@ -8821,7 +8863,7 @@
               <a:buNone/>
             </a:pPr>
             <a:r>
-              <a:rPr lang="en-US" sz="3000" b="1" i="0" u="none" strike="noStrike" cap="none" dirty="0">
+              <a:rPr lang="es-419" sz="3000" b="1" i="0" u="none" strike="noStrike" cap="none" dirty="0">
                 <a:solidFill>
                   <a:schemeClr val="lt1"/>
                 </a:solidFill>
@@ -8841,7 +8883,7 @@
               <a:buSzPct val="25000"/>
             </a:pPr>
             <a:r>
-              <a:rPr lang="en-US" sz="3000" b="1" i="0" u="none" strike="noStrike" cap="none" dirty="0">
+              <a:rPr lang="es-419" sz="3000" b="1" i="0" u="none" strike="noStrike" cap="none" dirty="0">
                 <a:solidFill>
                   <a:schemeClr val="lt1"/>
                 </a:solidFill>
@@ -8853,7 +8895,7 @@
               <a:t>&gt;&gt;&gt; </a:t>
             </a:r>
             <a:r>
-              <a:rPr lang="en-US" sz="3000" b="1" i="0" u="none" strike="noStrike" cap="none" dirty="0" smtClean="0">
+              <a:rPr lang="es-419" sz="3000" b="1" i="0" u="none" strike="noStrike" cap="none" dirty="0" err="1">
                 <a:solidFill>
                   <a:srgbClr val="FFFF00"/>
                 </a:solidFill>
@@ -8862,10 +8904,22 @@
                 <a:cs typeface="Courier New"/>
                 <a:sym typeface="Courier New"/>
               </a:rPr>
-              <a:t>print(</a:t>
-            </a:r>
-            <a:r>
-              <a:rPr lang="en-US" sz="3000" b="1" i="0" u="none" strike="noStrike" cap="none" dirty="0" smtClean="0">
+              <a:t>print</a:t>
+            </a:r>
+            <a:r>
+              <a:rPr lang="es-419" sz="3000" b="1" i="0" u="none" strike="noStrike" cap="none" dirty="0">
+                <a:solidFill>
+                  <a:srgbClr val="FFFF00"/>
+                </a:solidFill>
+                <a:latin typeface="Courier New"/>
+                <a:ea typeface="Courier New"/>
+                <a:cs typeface="Courier New"/>
+                <a:sym typeface="Courier New"/>
+              </a:rPr>
+              <a:t>(</a:t>
+            </a:r>
+            <a:r>
+              <a:rPr lang="es-419" sz="3000" b="1" i="0" u="none" strike="noStrike" cap="none" dirty="0" err="1">
                 <a:solidFill>
                   <a:srgbClr val="FF00FF"/>
                 </a:solidFill>
@@ -8877,7 +8931,7 @@
               <a:t>max</a:t>
             </a:r>
             <a:r>
-              <a:rPr lang="en-US" sz="3000" b="1" i="0" u="none" strike="noStrike" cap="none" dirty="0" smtClean="0">
+              <a:rPr lang="es-419" sz="3000" b="1" i="0" u="none" strike="noStrike" cap="none" dirty="0">
                 <a:solidFill>
                   <a:schemeClr val="lt1"/>
                 </a:solidFill>
@@ -8889,7 +8943,7 @@
               <a:t>(</a:t>
             </a:r>
             <a:r>
-              <a:rPr lang="en-US" sz="3000" b="1" i="0" u="none" strike="noStrike" cap="none" dirty="0" err="1" smtClean="0">
+              <a:rPr lang="es-419" sz="3000" b="1" i="0" u="none" strike="noStrike" cap="none" dirty="0" err="1">
                 <a:solidFill>
                   <a:srgbClr val="00FF00"/>
                 </a:solidFill>
@@ -8901,7 +8955,7 @@
               <a:t>nums</a:t>
             </a:r>
             <a:r>
-              <a:rPr lang="en-US" sz="3000" b="1" i="0" u="none" strike="noStrike" cap="none" dirty="0" smtClean="0">
+              <a:rPr lang="es-419" sz="3000" b="1" i="0" u="none" strike="noStrike" cap="none" dirty="0">
                 <a:solidFill>
                   <a:schemeClr val="lt1"/>
                 </a:solidFill>
@@ -8913,7 +8967,7 @@
               <a:t>)</a:t>
             </a:r>
             <a:r>
-              <a:rPr lang="en-US" sz="3000" b="1" dirty="0" smtClean="0">
+              <a:rPr lang="es-419" sz="3000" b="1" dirty="0">
                 <a:solidFill>
                   <a:srgbClr val="FFFF00"/>
                 </a:solidFill>
@@ -8924,7 +8978,7 @@
               </a:rPr>
               <a:t>)</a:t>
             </a:r>
-            <a:endParaRPr lang="en-US" sz="3000" b="1" i="0" u="none" strike="noStrike" cap="none" dirty="0">
+            <a:endParaRPr lang="es-419" sz="3000" b="1" i="0" u="none" strike="noStrike" cap="none" dirty="0">
               <a:solidFill>
                 <a:schemeClr val="lt1"/>
               </a:solidFill>
@@ -8953,7 +9007,7 @@
               <a:buNone/>
             </a:pPr>
             <a:r>
-              <a:rPr lang="en-US" sz="3000" b="1" i="0" u="none" strike="noStrike" cap="none" dirty="0">
+              <a:rPr lang="es-419" sz="3000" b="1" i="0" u="none" strike="noStrike" cap="none" dirty="0">
                 <a:solidFill>
                   <a:schemeClr val="lt1"/>
                 </a:solidFill>
@@ -8973,7 +9027,7 @@
               <a:buSzPct val="25000"/>
             </a:pPr>
             <a:r>
-              <a:rPr lang="en-US" sz="3000" b="1" i="0" u="none" strike="noStrike" cap="none" dirty="0">
+              <a:rPr lang="es-419" sz="3000" b="1" i="0" u="none" strike="noStrike" cap="none" dirty="0">
                 <a:solidFill>
                   <a:schemeClr val="lt1"/>
                 </a:solidFill>
@@ -8985,7 +9039,7 @@
               <a:t>&gt;&gt;&gt; </a:t>
             </a:r>
             <a:r>
-              <a:rPr lang="en-US" sz="3000" b="1" i="0" u="none" strike="noStrike" cap="none" dirty="0" smtClean="0">
+              <a:rPr lang="es-419" sz="3000" b="1" i="0" u="none" strike="noStrike" cap="none" dirty="0" err="1">
                 <a:solidFill>
                   <a:srgbClr val="FFFF00"/>
                 </a:solidFill>
@@ -8994,10 +9048,22 @@
                 <a:cs typeface="Courier New"/>
                 <a:sym typeface="Courier New"/>
               </a:rPr>
-              <a:t>print(</a:t>
-            </a:r>
-            <a:r>
-              <a:rPr lang="en-US" sz="3000" b="1" i="0" u="none" strike="noStrike" cap="none" dirty="0" smtClean="0">
+              <a:t>print</a:t>
+            </a:r>
+            <a:r>
+              <a:rPr lang="es-419" sz="3000" b="1" i="0" u="none" strike="noStrike" cap="none" dirty="0">
+                <a:solidFill>
+                  <a:srgbClr val="FFFF00"/>
+                </a:solidFill>
+                <a:latin typeface="Courier New"/>
+                <a:ea typeface="Courier New"/>
+                <a:cs typeface="Courier New"/>
+                <a:sym typeface="Courier New"/>
+              </a:rPr>
+              <a:t>(</a:t>
+            </a:r>
+            <a:r>
+              <a:rPr lang="es-419" sz="3000" b="1" i="0" u="none" strike="noStrike" cap="none" dirty="0">
                 <a:solidFill>
                   <a:srgbClr val="FF00FF"/>
                 </a:solidFill>
@@ -9009,7 +9075,7 @@
               <a:t>min</a:t>
             </a:r>
             <a:r>
-              <a:rPr lang="en-US" sz="3000" b="1" i="0" u="none" strike="noStrike" cap="none" dirty="0" smtClean="0">
+              <a:rPr lang="es-419" sz="3000" b="1" i="0" u="none" strike="noStrike" cap="none" dirty="0">
                 <a:solidFill>
                   <a:schemeClr val="lt1"/>
                 </a:solidFill>
@@ -9021,7 +9087,7 @@
               <a:t>(</a:t>
             </a:r>
             <a:r>
-              <a:rPr lang="en-US" sz="3000" b="1" i="0" u="none" strike="noStrike" cap="none" dirty="0" err="1" smtClean="0">
+              <a:rPr lang="es-419" sz="3000" b="1" i="0" u="none" strike="noStrike" cap="none" dirty="0" err="1">
                 <a:solidFill>
                   <a:srgbClr val="00FF00"/>
                 </a:solidFill>
@@ -9033,7 +9099,7 @@
               <a:t>nums</a:t>
             </a:r>
             <a:r>
-              <a:rPr lang="en-US" sz="3000" b="1" i="0" u="none" strike="noStrike" cap="none" dirty="0" smtClean="0">
+              <a:rPr lang="es-419" sz="3000" b="1" i="0" u="none" strike="noStrike" cap="none" dirty="0">
                 <a:solidFill>
                   <a:schemeClr val="lt1"/>
                 </a:solidFill>
@@ -9045,7 +9111,7 @@
               <a:t>)</a:t>
             </a:r>
             <a:r>
-              <a:rPr lang="en-US" sz="3000" b="1" dirty="0" smtClean="0">
+              <a:rPr lang="es-419" sz="3000" b="1" dirty="0">
                 <a:solidFill>
                   <a:srgbClr val="FFFF00"/>
                 </a:solidFill>
@@ -9056,7 +9122,7 @@
               </a:rPr>
               <a:t>)</a:t>
             </a:r>
-            <a:endParaRPr lang="en-US" sz="3000" b="1" i="0" u="none" strike="noStrike" cap="none" dirty="0">
+            <a:endParaRPr lang="es-419" sz="3000" b="1" i="0" u="none" strike="noStrike" cap="none" dirty="0">
               <a:solidFill>
                 <a:schemeClr val="lt1"/>
               </a:solidFill>
@@ -9085,7 +9151,7 @@
               <a:buNone/>
             </a:pPr>
             <a:r>
-              <a:rPr lang="en-US" sz="3000" b="1" i="0" u="none" strike="noStrike" cap="none" dirty="0">
+              <a:rPr lang="es-419" sz="3000" b="1" i="0" u="none" strike="noStrike" cap="none" dirty="0">
                 <a:solidFill>
                   <a:schemeClr val="lt1"/>
                 </a:solidFill>
@@ -9105,7 +9171,7 @@
               <a:buSzPct val="25000"/>
             </a:pPr>
             <a:r>
-              <a:rPr lang="en-US" sz="3000" b="1" i="0" u="none" strike="noStrike" cap="none" dirty="0">
+              <a:rPr lang="es-419" sz="3000" b="1" i="0" u="none" strike="noStrike" cap="none" dirty="0">
                 <a:solidFill>
                   <a:schemeClr val="lt1"/>
                 </a:solidFill>
@@ -9117,7 +9183,7 @@
               <a:t>&gt;&gt;&gt; </a:t>
             </a:r>
             <a:r>
-              <a:rPr lang="en-US" sz="3000" b="1" i="0" u="none" strike="noStrike" cap="none" dirty="0" smtClean="0">
+              <a:rPr lang="es-419" sz="3000" b="1" i="0" u="none" strike="noStrike" cap="none" dirty="0" err="1">
                 <a:solidFill>
                   <a:srgbClr val="FFFF00"/>
                 </a:solidFill>
@@ -9129,7 +9195,7 @@
               <a:t>print</a:t>
             </a:r>
             <a:r>
-              <a:rPr lang="en-US" sz="3000" b="1" dirty="0">
+              <a:rPr lang="es-419" sz="3000" b="1" dirty="0">
                 <a:solidFill>
                   <a:schemeClr val="lt1"/>
                 </a:solidFill>
@@ -9141,7 +9207,7 @@
               <a:t>(</a:t>
             </a:r>
             <a:r>
-              <a:rPr lang="en-US" sz="3000" b="1" i="0" u="none" strike="noStrike" cap="none" dirty="0" smtClean="0">
+              <a:rPr lang="es-419" sz="3000" b="1" i="0" u="none" strike="noStrike" cap="none" dirty="0">
                 <a:solidFill>
                   <a:srgbClr val="FF00FF"/>
                 </a:solidFill>
@@ -9153,7 +9219,7 @@
               <a:t>sum</a:t>
             </a:r>
             <a:r>
-              <a:rPr lang="en-US" sz="3000" b="1" i="0" u="none" strike="noStrike" cap="none" dirty="0" smtClean="0">
+              <a:rPr lang="es-419" sz="3000" b="1" i="0" u="none" strike="noStrike" cap="none" dirty="0">
                 <a:solidFill>
                   <a:schemeClr val="lt1"/>
                 </a:solidFill>
@@ -9165,7 +9231,7 @@
               <a:t>(</a:t>
             </a:r>
             <a:r>
-              <a:rPr lang="en-US" sz="3000" b="1" i="0" u="none" strike="noStrike" cap="none" dirty="0" err="1" smtClean="0">
+              <a:rPr lang="es-419" sz="3000" b="1" i="0" u="none" strike="noStrike" cap="none" dirty="0" err="1">
                 <a:solidFill>
                   <a:srgbClr val="00FF00"/>
                 </a:solidFill>
@@ -9177,7 +9243,7 @@
               <a:t>nums</a:t>
             </a:r>
             <a:r>
-              <a:rPr lang="en-US" sz="3000" b="1" i="0" u="none" strike="noStrike" cap="none" dirty="0" smtClean="0">
+              <a:rPr lang="es-419" sz="3000" b="1" i="0" u="none" strike="noStrike" cap="none" dirty="0">
                 <a:solidFill>
                   <a:schemeClr val="lt1"/>
                 </a:solidFill>
@@ -9189,7 +9255,7 @@
               <a:t>)</a:t>
             </a:r>
             <a:r>
-              <a:rPr lang="en-US" sz="3000" b="1" dirty="0" smtClean="0">
+              <a:rPr lang="es-419" sz="3000" b="1" dirty="0">
                 <a:solidFill>
                   <a:srgbClr val="FFFF00"/>
                 </a:solidFill>
@@ -9200,7 +9266,7 @@
               </a:rPr>
               <a:t>)</a:t>
             </a:r>
-            <a:endParaRPr lang="en-US" sz="3000" b="1" i="0" u="none" strike="noStrike" cap="none" dirty="0">
+            <a:endParaRPr lang="es-419" sz="3000" b="1" i="0" u="none" strike="noStrike" cap="none" dirty="0">
               <a:solidFill>
                 <a:schemeClr val="lt1"/>
               </a:solidFill>
@@ -9229,7 +9295,7 @@
               <a:buNone/>
             </a:pPr>
             <a:r>
-              <a:rPr lang="en-US" sz="3000" b="1" i="0" u="none" strike="noStrike" cap="none" dirty="0">
+              <a:rPr lang="es-419" sz="3000" b="1" i="0" u="none" strike="noStrike" cap="none" dirty="0">
                 <a:solidFill>
                   <a:schemeClr val="lt1"/>
                 </a:solidFill>
@@ -9249,7 +9315,7 @@
               <a:buSzPct val="25000"/>
             </a:pPr>
             <a:r>
-              <a:rPr lang="en-US" sz="3000" b="1" i="0" u="none" strike="noStrike" cap="none" dirty="0">
+              <a:rPr lang="es-419" sz="3000" b="1" i="0" u="none" strike="noStrike" cap="none" dirty="0">
                 <a:solidFill>
                   <a:schemeClr val="lt1"/>
                 </a:solidFill>
@@ -9261,7 +9327,7 @@
               <a:t>&gt;&gt;&gt; </a:t>
             </a:r>
             <a:r>
-              <a:rPr lang="en-US" sz="3000" b="1" i="0" u="none" strike="noStrike" cap="none" dirty="0" smtClean="0">
+              <a:rPr lang="es-419" sz="3000" b="1" i="0" u="none" strike="noStrike" cap="none" dirty="0" err="1">
                 <a:solidFill>
                   <a:srgbClr val="FFFF00"/>
                 </a:solidFill>
@@ -9273,7 +9339,7 @@
               <a:t>print</a:t>
             </a:r>
             <a:r>
-              <a:rPr lang="en-US" sz="3000" b="1" dirty="0">
+              <a:rPr lang="es-419" sz="3000" b="1" dirty="0">
                 <a:solidFill>
                   <a:schemeClr val="lt1"/>
                 </a:solidFill>
@@ -9285,7 +9351,7 @@
               <a:t>(</a:t>
             </a:r>
             <a:r>
-              <a:rPr lang="en-US" sz="3000" b="1" i="0" u="none" strike="noStrike" cap="none" dirty="0" smtClean="0">
+              <a:rPr lang="es-419" sz="3000" b="1" i="0" u="none" strike="noStrike" cap="none" dirty="0">
                 <a:solidFill>
                   <a:srgbClr val="FF00FF"/>
                 </a:solidFill>
@@ -9297,7 +9363,7 @@
               <a:t>sum</a:t>
             </a:r>
             <a:r>
-              <a:rPr lang="en-US" sz="3000" b="1" i="0" u="none" strike="noStrike" cap="none" dirty="0" smtClean="0">
+              <a:rPr lang="es-419" sz="3000" b="1" i="0" u="none" strike="noStrike" cap="none" dirty="0">
                 <a:solidFill>
                   <a:schemeClr val="lt1"/>
                 </a:solidFill>
@@ -9309,7 +9375,7 @@
               <a:t>(</a:t>
             </a:r>
             <a:r>
-              <a:rPr lang="en-US" sz="3000" b="1" i="0" u="none" strike="noStrike" cap="none" dirty="0" err="1" smtClean="0">
+              <a:rPr lang="es-419" sz="3000" b="1" i="0" u="none" strike="noStrike" cap="none" dirty="0" err="1">
                 <a:solidFill>
                   <a:srgbClr val="00FF00"/>
                 </a:solidFill>
@@ -9321,7 +9387,7 @@
               <a:t>nums</a:t>
             </a:r>
             <a:r>
-              <a:rPr lang="en-US" sz="3000" b="1" i="0" u="none" strike="noStrike" cap="none" dirty="0">
+              <a:rPr lang="es-419" sz="3000" b="1" i="0" u="none" strike="noStrike" cap="none" dirty="0">
                 <a:solidFill>
                   <a:schemeClr val="lt1"/>
                 </a:solidFill>
@@ -9333,7 +9399,7 @@
               <a:t>)/</a:t>
             </a:r>
             <a:r>
-              <a:rPr lang="en-US" sz="3000" b="1" i="0" u="none" strike="noStrike" cap="none" dirty="0" err="1" smtClean="0">
+              <a:rPr lang="es-419" sz="3000" b="1" i="0" u="none" strike="noStrike" cap="none" dirty="0" err="1">
                 <a:solidFill>
                   <a:srgbClr val="FF00FF"/>
                 </a:solidFill>
@@ -9345,7 +9411,7 @@
               <a:t>len</a:t>
             </a:r>
             <a:r>
-              <a:rPr lang="en-US" sz="3000" b="1" i="0" u="none" strike="noStrike" cap="none" dirty="0" smtClean="0">
+              <a:rPr lang="es-419" sz="3000" b="1" i="0" u="none" strike="noStrike" cap="none" dirty="0">
                 <a:solidFill>
                   <a:schemeClr val="lt1"/>
                 </a:solidFill>
@@ -9357,7 +9423,7 @@
               <a:t>(</a:t>
             </a:r>
             <a:r>
-              <a:rPr lang="en-US" sz="3000" b="1" i="0" u="none" strike="noStrike" cap="none" dirty="0" err="1" smtClean="0">
+              <a:rPr lang="es-419" sz="3000" b="1" i="0" u="none" strike="noStrike" cap="none" dirty="0" err="1">
                 <a:solidFill>
                   <a:srgbClr val="00FF00"/>
                 </a:solidFill>
@@ -9369,7 +9435,7 @@
               <a:t>nums</a:t>
             </a:r>
             <a:r>
-              <a:rPr lang="en-US" sz="3000" b="1" i="0" u="none" strike="noStrike" cap="none" dirty="0" smtClean="0">
+              <a:rPr lang="es-419" sz="3000" b="1" i="0" u="none" strike="noStrike" cap="none" dirty="0">
                 <a:solidFill>
                   <a:schemeClr val="lt1"/>
                 </a:solidFill>
@@ -9381,7 +9447,7 @@
               <a:t>)</a:t>
             </a:r>
             <a:r>
-              <a:rPr lang="en-US" sz="3000" b="1" dirty="0" smtClean="0">
+              <a:rPr lang="es-419" sz="3000" b="1" dirty="0">
                 <a:solidFill>
                   <a:srgbClr val="FFFF00"/>
                 </a:solidFill>
@@ -9392,7 +9458,7 @@
               </a:rPr>
               <a:t>)</a:t>
             </a:r>
-            <a:endParaRPr lang="en-US" sz="3000" b="1" i="0" u="none" strike="noStrike" cap="none" dirty="0">
+            <a:endParaRPr lang="es-419" sz="3000" b="1" i="0" u="none" strike="noStrike" cap="none" dirty="0">
               <a:solidFill>
                 <a:schemeClr val="lt1"/>
               </a:solidFill>
@@ -9421,7 +9487,7 @@
               <a:buNone/>
             </a:pPr>
             <a:r>
-              <a:rPr lang="en-US" sz="3000" b="1" i="0" u="none" strike="noStrike" cap="none" dirty="0" smtClean="0">
+              <a:rPr lang="es-419" sz="3000" b="1" i="0" u="none" strike="noStrike" cap="none" dirty="0">
                 <a:solidFill>
                   <a:schemeClr val="lt1"/>
                 </a:solidFill>
@@ -9432,15 +9498,6 @@
               </a:rPr>
               <a:t>25.6</a:t>
             </a:r>
-            <a:endParaRPr lang="en-US" sz="3000" b="1" i="0" u="none" strike="noStrike" cap="none" dirty="0">
-              <a:solidFill>
-                <a:schemeClr val="lt1"/>
-              </a:solidFill>
-              <a:latin typeface="Courier New"/>
-              <a:ea typeface="Courier New"/>
-              <a:cs typeface="Courier New"/>
-              <a:sym typeface="Courier New"/>
-            </a:endParaRPr>
           </a:p>
         </p:txBody>
       </p:sp>
@@ -9449,13 +9506,6 @@
   <p:clrMapOvr>
     <a:masterClrMapping/>
   </p:clrMapOvr>
-  <p:timing>
-    <p:tnLst>
-      <p:par>
-        <p:cTn xmlns:p14="http://schemas.microsoft.com/office/powerpoint/2010/main" id="1" dur="indefinite" restart="never" nodeType="tmRoot"/>
-      </p:par>
-    </p:tnLst>
-  </p:timing>
 </p:sld>
 </file>
 
@@ -9519,7 +9569,7 @@
               <a:buNone/>
             </a:pPr>
             <a:r>
-              <a:rPr lang="en-US" sz="2600" b="1" i="0" u="none" strike="noStrike" cap="none" dirty="0" err="1">
+              <a:rPr lang="es-419" sz="2600" b="1" i="0" u="none" strike="noStrike" cap="none" dirty="0" err="1">
                 <a:solidFill>
                   <a:srgbClr val="00FF00"/>
                 </a:solidFill>
@@ -9528,10 +9578,10 @@
                 <a:cs typeface="Courier New"/>
                 <a:sym typeface="Courier New"/>
               </a:rPr>
-              <a:t>numlist</a:t>
-            </a:r>
-            <a:r>
-              <a:rPr lang="en-US" sz="2600" b="1" i="0" u="none" strike="noStrike" cap="none" dirty="0">
+              <a:t>numlista</a:t>
+            </a:r>
+            <a:r>
+              <a:rPr lang="es-419" sz="2600" b="1" i="0" u="none" strike="noStrike" cap="none" dirty="0">
                 <a:solidFill>
                   <a:srgbClr val="00FF00"/>
                 </a:solidFill>
@@ -9540,7 +9590,31 @@
                 <a:cs typeface="Courier New"/>
                 <a:sym typeface="Courier New"/>
               </a:rPr>
-              <a:t> = list()</a:t>
+              <a:t> = </a:t>
+            </a:r>
+            <a:r>
+              <a:rPr lang="es-419" sz="2600" b="1" i="0" u="none" strike="noStrike" cap="none" dirty="0" err="1">
+                <a:solidFill>
+                  <a:srgbClr val="00FF00"/>
+                </a:solidFill>
+                <a:latin typeface="Courier New"/>
+                <a:ea typeface="Courier New"/>
+                <a:cs typeface="Courier New"/>
+                <a:sym typeface="Courier New"/>
+              </a:rPr>
+              <a:t>list</a:t>
+            </a:r>
+            <a:r>
+              <a:rPr lang="es-419" sz="2600" b="1" i="0" u="none" strike="noStrike" cap="none" dirty="0">
+                <a:solidFill>
+                  <a:srgbClr val="00FF00"/>
+                </a:solidFill>
+                <a:latin typeface="Courier New"/>
+                <a:ea typeface="Courier New"/>
+                <a:cs typeface="Courier New"/>
+                <a:sym typeface="Courier New"/>
+              </a:rPr>
+              <a:t>()</a:t>
             </a:r>
           </a:p>
           <a:p>
@@ -9562,7 +9636,7 @@
               <a:buNone/>
             </a:pPr>
             <a:r>
-              <a:rPr lang="en-US" sz="2600" b="1" i="0" u="none" strike="noStrike" cap="none" dirty="0">
+              <a:rPr lang="es-419" sz="2600" b="1" i="0" u="none" strike="noStrike" cap="none" dirty="0" err="1">
                 <a:solidFill>
                   <a:srgbClr val="FFFFFF"/>
                 </a:solidFill>
@@ -9571,7 +9645,19 @@
                 <a:cs typeface="Courier New"/>
                 <a:sym typeface="Courier New"/>
               </a:rPr>
-              <a:t>while True :</a:t>
+              <a:t>while</a:t>
+            </a:r>
+            <a:r>
+              <a:rPr lang="es-419" sz="2600" b="1" i="0" u="none" strike="noStrike" cap="none" dirty="0">
+                <a:solidFill>
+                  <a:srgbClr val="FFFFFF"/>
+                </a:solidFill>
+                <a:latin typeface="Courier New"/>
+                <a:ea typeface="Courier New"/>
+                <a:cs typeface="Courier New"/>
+                <a:sym typeface="Courier New"/>
+              </a:rPr>
+              <a:t> True :</a:t>
             </a:r>
           </a:p>
           <a:p>
@@ -9593,7 +9679,7 @@
               <a:buNone/>
             </a:pPr>
             <a:r>
-              <a:rPr lang="en-US" sz="2600" b="1" i="0" u="none" strike="noStrike" cap="none" dirty="0">
+              <a:rPr lang="es-419" sz="2600" b="1" i="0" u="none" strike="noStrike" cap="none" dirty="0">
                 <a:solidFill>
                   <a:srgbClr val="FFFFFF"/>
                 </a:solidFill>
@@ -9605,7 +9691,7 @@
               <a:t>    </a:t>
             </a:r>
             <a:r>
-              <a:rPr lang="en-US" sz="2600" b="1" i="0" u="none" strike="noStrike" cap="none" dirty="0" err="1">
+              <a:rPr lang="es-419" sz="2600" b="1" i="0" u="none" strike="noStrike" cap="none" dirty="0" err="1">
                 <a:solidFill>
                   <a:srgbClr val="FFFFFF"/>
                 </a:solidFill>
@@ -9617,7 +9703,7 @@
               <a:t>inp</a:t>
             </a:r>
             <a:r>
-              <a:rPr lang="en-US" sz="2600" b="1" i="0" u="none" strike="noStrike" cap="none" dirty="0">
+              <a:rPr lang="es-419" sz="2600" b="1" i="0" u="none" strike="noStrike" cap="none" dirty="0">
                 <a:solidFill>
                   <a:srgbClr val="FFFFFF"/>
                 </a:solidFill>
@@ -9626,10 +9712,18 @@
                 <a:cs typeface="Courier New"/>
                 <a:sym typeface="Courier New"/>
               </a:rPr>
-              <a:t> = </a:t>
-            </a:r>
-            <a:r>
-              <a:rPr lang="en-US" sz="2600" b="1" i="0" u="none" strike="noStrike" cap="none" dirty="0" smtClean="0">
+              <a:t> = input('Ingresa un número: ')</a:t>
+            </a:r>
+          </a:p>
+          <a:p>
+            <a:pPr lvl="0">
+              <a:buClr>
+                <a:srgbClr val="FFFFFF"/>
+              </a:buClr>
+              <a:buSzPct val="25000"/>
+            </a:pPr>
+            <a:r>
+              <a:rPr lang="es-419" sz="2600" b="1" i="0" u="none" strike="noStrike" cap="none" dirty="0">
                 <a:solidFill>
                   <a:srgbClr val="FFFFFF"/>
                 </a:solidFill>
@@ -9638,10 +9732,10 @@
                 <a:cs typeface="Courier New"/>
                 <a:sym typeface="Courier New"/>
               </a:rPr>
-              <a:t>input</a:t>
-            </a:r>
-            <a:r>
-              <a:rPr lang="en-US" sz="2600" b="1" i="0" u="none" strike="noStrike" cap="none" dirty="0">
+              <a:t>    </a:t>
+            </a:r>
+            <a:r>
+              <a:rPr lang="es-419" sz="2600" b="1" i="0" u="none" strike="noStrike" cap="none" dirty="0" err="1">
                 <a:solidFill>
                   <a:srgbClr val="FFFFFF"/>
                 </a:solidFill>
@@ -9650,7 +9744,67 @@
                 <a:cs typeface="Courier New"/>
                 <a:sym typeface="Courier New"/>
               </a:rPr>
-              <a:t>('Enter a number: ')</a:t>
+              <a:t>if</a:t>
+            </a:r>
+            <a:r>
+              <a:rPr lang="es-419" sz="2600" b="1" i="0" u="none" strike="noStrike" cap="none" dirty="0">
+                <a:solidFill>
+                  <a:srgbClr val="FFFFFF"/>
+                </a:solidFill>
+                <a:latin typeface="Courier New"/>
+                <a:ea typeface="Courier New"/>
+                <a:cs typeface="Courier New"/>
+                <a:sym typeface="Courier New"/>
+              </a:rPr>
+              <a:t> </a:t>
+            </a:r>
+            <a:r>
+              <a:rPr lang="es-419" sz="2600" b="1" i="0" u="none" strike="noStrike" cap="none" dirty="0" err="1">
+                <a:solidFill>
+                  <a:srgbClr val="FFFFFF"/>
+                </a:solidFill>
+                <a:latin typeface="Courier New"/>
+                <a:ea typeface="Courier New"/>
+                <a:cs typeface="Courier New"/>
+                <a:sym typeface="Courier New"/>
+              </a:rPr>
+              <a:t>inp</a:t>
+            </a:r>
+            <a:r>
+              <a:rPr lang="es-419" sz="2600" b="1" i="0" u="none" strike="noStrike" cap="none" dirty="0">
+                <a:solidFill>
+                  <a:srgbClr val="FFFFFF"/>
+                </a:solidFill>
+                <a:latin typeface="Courier New"/>
+                <a:ea typeface="Courier New"/>
+                <a:cs typeface="Courier New"/>
+                <a:sym typeface="Courier New"/>
+              </a:rPr>
+              <a:t> </a:t>
+            </a:r>
+            <a:r>
+              <a:rPr lang="es-419" sz="2600" b="1" dirty="0">
+                <a:solidFill>
+                  <a:srgbClr val="FFFFFF"/>
+                </a:solidFill>
+                <a:latin typeface="Courier New"/>
+                <a:ea typeface="Courier New"/>
+                <a:cs typeface="Courier New"/>
+                <a:sym typeface="Courier New"/>
+              </a:rPr>
+              <a:t>== 'hecho' </a:t>
+            </a:r>
+            <a:r>
+              <a:rPr lang="es-419" sz="2600" b="1" i="0" u="none" strike="noStrike" cap="none" dirty="0">
+                <a:solidFill>
+                  <a:srgbClr val="FFFFFF"/>
+                </a:solidFill>
+                <a:latin typeface="Courier New"/>
+                <a:ea typeface="Courier New"/>
+                <a:cs typeface="Courier New"/>
+                <a:sym typeface="Courier New"/>
+              </a:rPr>
+              <a:t>: break</a:t>
             </a:r>
           </a:p>
           <a:p>
@@ -9672,7 +9826,7 @@
               <a:buNone/>
             </a:pPr>
             <a:r>
-              <a:rPr lang="en-US" sz="2600" b="1" i="0" u="none" strike="noStrike" cap="none" dirty="0">
+              <a:rPr lang="es-419" sz="2600" b="1" i="0" u="none" strike="noStrike" cap="none" dirty="0">
                 <a:solidFill>
                   <a:srgbClr val="FFFFFF"/>
                 </a:solidFill>
@@ -9681,10 +9835,10 @@
                 <a:cs typeface="Courier New"/>
                 <a:sym typeface="Courier New"/>
               </a:rPr>
-              <a:t>    if </a:t>
-            </a:r>
-            <a:r>
-              <a:rPr lang="en-US" sz="2600" b="1" i="0" u="none" strike="noStrike" cap="none" dirty="0" err="1">
+              <a:t>    valor = </a:t>
+            </a:r>
+            <a:r>
+              <a:rPr lang="es-419" sz="2600" b="1" i="0" u="none" strike="noStrike" cap="none" dirty="0" err="1">
                 <a:solidFill>
                   <a:srgbClr val="FFFFFF"/>
                 </a:solidFill>
@@ -9693,65 +9847,34 @@
                 <a:cs typeface="Courier New"/>
                 <a:sym typeface="Courier New"/>
               </a:rPr>
+              <a:t>float</a:t>
+            </a:r>
+            <a:r>
+              <a:rPr lang="es-419" sz="2600" b="1" i="0" u="none" strike="noStrike" cap="none" dirty="0">
+                <a:solidFill>
+                  <a:srgbClr val="FFFFFF"/>
+                </a:solidFill>
+                <a:latin typeface="Courier New"/>
+                <a:ea typeface="Courier New"/>
+                <a:cs typeface="Courier New"/>
+                <a:sym typeface="Courier New"/>
+              </a:rPr>
+              <a:t>(</a:t>
+            </a:r>
+            <a:r>
+              <a:rPr lang="es-419" sz="2600" b="1" i="0" u="none" strike="noStrike" cap="none" dirty="0" err="1">
+                <a:solidFill>
+                  <a:srgbClr val="FFFFFF"/>
+                </a:solidFill>
+                <a:latin typeface="Courier New"/>
+                <a:ea typeface="Courier New"/>
+                <a:cs typeface="Courier New"/>
+                <a:sym typeface="Courier New"/>
+              </a:rPr>
               <a:t>inp</a:t>
             </a:r>
             <a:r>
-              <a:rPr lang="en-US" sz="2600" b="1" i="0" u="none" strike="noStrike" cap="none" dirty="0">
-                <a:solidFill>
-                  <a:srgbClr val="FFFFFF"/>
-                </a:solidFill>
-                <a:latin typeface="Courier New"/>
-                <a:ea typeface="Courier New"/>
-                <a:cs typeface="Courier New"/>
-                <a:sym typeface="Courier New"/>
-              </a:rPr>
-              <a:t> == 'done' : break</a:t>
-            </a:r>
-          </a:p>
-          <a:p>
-            <a:pPr marL="0" marR="0" lvl="0" indent="0" algn="l" rtl="0">
-              <a:lnSpc>
-                <a:spcPct val="100000"/>
-              </a:lnSpc>
-              <a:spcBef>
-                <a:spcPts val="0"/>
-              </a:spcBef>
-              <a:spcAft>
-                <a:spcPts val="0"/>
-              </a:spcAft>
-              <a:buClr>
-                <a:srgbClr val="FFFFFF"/>
-              </a:buClr>
-              <a:buSzPct val="25000"/>
-              <a:buFont typeface="Courier New"/>
-              <a:buNone/>
-            </a:pPr>
-            <a:r>
-              <a:rPr lang="en-US" sz="2600" b="1" i="0" u="none" strike="noStrike" cap="none" dirty="0">
-                <a:solidFill>
-                  <a:srgbClr val="FFFFFF"/>
-                </a:solidFill>
-                <a:latin typeface="Courier New"/>
-                <a:ea typeface="Courier New"/>
-                <a:cs typeface="Courier New"/>
-                <a:sym typeface="Courier New"/>
-              </a:rPr>
-              <a:t>    value = float(</a:t>
-            </a:r>
-            <a:r>
-              <a:rPr lang="en-US" sz="2600" b="1" i="0" u="none" strike="noStrike" cap="none" dirty="0" err="1">
-                <a:solidFill>
-                  <a:srgbClr val="FFFFFF"/>
-                </a:solidFill>
-                <a:latin typeface="Courier New"/>
-                <a:ea typeface="Courier New"/>
-                <a:cs typeface="Courier New"/>
-                <a:sym typeface="Courier New"/>
-              </a:rPr>
-              <a:t>inp</a:t>
-            </a:r>
-            <a:r>
-              <a:rPr lang="en-US" sz="2600" b="1" i="0" u="none" strike="noStrike" cap="none" dirty="0">
+              <a:rPr lang="es-419" sz="2600" b="1" i="0" u="none" strike="noStrike" cap="none" dirty="0">
                 <a:solidFill>
                   <a:srgbClr val="FFFFFF"/>
                 </a:solidFill>
@@ -9782,7 +9905,7 @@
               <a:buNone/>
             </a:pPr>
             <a:r>
-              <a:rPr lang="en-US" sz="2600" b="1" i="0" u="none" strike="noStrike" cap="none" dirty="0">
+              <a:rPr lang="es-419" sz="2600" b="1" i="0" u="none" strike="noStrike" cap="none" dirty="0">
                 <a:solidFill>
                   <a:srgbClr val="00FF00"/>
                 </a:solidFill>
@@ -9794,7 +9917,7 @@
               <a:t>    </a:t>
             </a:r>
             <a:r>
-              <a:rPr lang="en-US" sz="2600" b="1" i="0" u="none" strike="noStrike" cap="none" dirty="0" err="1">
+              <a:rPr lang="es-419" sz="2600" b="1" i="0" u="none" strike="noStrike" cap="none" dirty="0" err="1">
                 <a:solidFill>
                   <a:srgbClr val="00FF00"/>
                 </a:solidFill>
@@ -9803,10 +9926,10 @@
                 <a:cs typeface="Courier New"/>
                 <a:sym typeface="Courier New"/>
               </a:rPr>
-              <a:t>numlist.append</a:t>
-            </a:r>
-            <a:r>
-              <a:rPr lang="en-US" sz="2600" b="1" i="0" u="none" strike="noStrike" cap="none" dirty="0">
+              <a:t>numlista.append</a:t>
+            </a:r>
+            <a:r>
+              <a:rPr lang="es-419" sz="2600" b="1" i="0" u="none" strike="noStrike" cap="none" dirty="0">
                 <a:solidFill>
                   <a:srgbClr val="00FF00"/>
                 </a:solidFill>
@@ -9815,7 +9938,7 @@
                 <a:cs typeface="Courier New"/>
                 <a:sym typeface="Courier New"/>
               </a:rPr>
-              <a:t>(value)</a:t>
+              <a:t>(valor)</a:t>
             </a:r>
           </a:p>
           <a:p>
@@ -9831,7 +9954,7 @@
               </a:spcAft>
               <a:buNone/>
             </a:pPr>
-            <a:endParaRPr sz="2600" b="1" i="0" u="none" strike="noStrike" cap="none" dirty="0">
+            <a:endParaRPr lang="es-419" sz="2600" b="1" i="0" u="none" strike="noStrike" cap="none" dirty="0">
               <a:solidFill>
                 <a:srgbClr val="FFFFFF"/>
               </a:solidFill>
@@ -9860,7 +9983,7 @@
               <a:buNone/>
             </a:pPr>
             <a:r>
-              <a:rPr lang="en-US" sz="2600" b="1" i="0" u="none" strike="noStrike" cap="none" dirty="0">
+              <a:rPr lang="es-419" sz="2600" b="1" i="0" u="none" strike="noStrike" cap="none" dirty="0">
                 <a:solidFill>
                   <a:srgbClr val="00FF00"/>
                 </a:solidFill>
@@ -9869,10 +9992,10 @@
                 <a:cs typeface="Courier New"/>
                 <a:sym typeface="Courier New"/>
               </a:rPr>
-              <a:t>average = sum(</a:t>
-            </a:r>
-            <a:r>
-              <a:rPr lang="en-US" sz="2600" b="1" i="0" u="none" strike="noStrike" cap="none" dirty="0" err="1">
+              <a:t>promedio = sum(</a:t>
+            </a:r>
+            <a:r>
+              <a:rPr lang="es-419" sz="2600" b="1" i="0" u="none" strike="noStrike" cap="none" dirty="0" err="1">
                 <a:solidFill>
                   <a:srgbClr val="00FF00"/>
                 </a:solidFill>
@@ -9881,10 +10004,10 @@
                 <a:cs typeface="Courier New"/>
                 <a:sym typeface="Courier New"/>
               </a:rPr>
-              <a:t>numlist</a:t>
-            </a:r>
-            <a:r>
-              <a:rPr lang="en-US" sz="2600" b="1" i="0" u="none" strike="noStrike" cap="none" dirty="0">
+              <a:t>numlista</a:t>
+            </a:r>
+            <a:r>
+              <a:rPr lang="es-419" sz="2600" b="1" i="0" u="none" strike="noStrike" cap="none" dirty="0">
                 <a:solidFill>
                   <a:srgbClr val="00FF00"/>
                 </a:solidFill>
@@ -9896,7 +10019,7 @@
               <a:t>) / </a:t>
             </a:r>
             <a:r>
-              <a:rPr lang="en-US" sz="2600" b="1" i="0" u="none" strike="noStrike" cap="none" dirty="0" err="1">
+              <a:rPr lang="es-419" sz="2600" b="1" i="0" u="none" strike="noStrike" cap="none" dirty="0" err="1">
                 <a:solidFill>
                   <a:srgbClr val="00FF00"/>
                 </a:solidFill>
@@ -9908,7 +10031,7 @@
               <a:t>len</a:t>
             </a:r>
             <a:r>
-              <a:rPr lang="en-US" sz="2600" b="1" i="0" u="none" strike="noStrike" cap="none" dirty="0">
+              <a:rPr lang="es-419" sz="2600" b="1" i="0" u="none" strike="noStrike" cap="none" dirty="0">
                 <a:solidFill>
                   <a:srgbClr val="00FF00"/>
                 </a:solidFill>
@@ -9920,7 +10043,7 @@
               <a:t>(</a:t>
             </a:r>
             <a:r>
-              <a:rPr lang="en-US" sz="2600" b="1" i="0" u="none" strike="noStrike" cap="none" dirty="0" err="1">
+              <a:rPr lang="es-419" sz="2600" b="1" i="0" u="none" strike="noStrike" cap="none" dirty="0" err="1">
                 <a:solidFill>
                   <a:srgbClr val="00FF00"/>
                 </a:solidFill>
@@ -9929,10 +10052,10 @@
                 <a:cs typeface="Courier New"/>
                 <a:sym typeface="Courier New"/>
               </a:rPr>
-              <a:t>numlist</a:t>
-            </a:r>
-            <a:r>
-              <a:rPr lang="en-US" sz="2600" b="1" i="0" u="none" strike="noStrike" cap="none" dirty="0">
+              <a:t>numlista</a:t>
+            </a:r>
+            <a:r>
+              <a:rPr lang="es-419" sz="2600" b="1" i="0" u="none" strike="noStrike" cap="none" dirty="0">
                 <a:solidFill>
                   <a:srgbClr val="00FF00"/>
                 </a:solidFill>
@@ -9945,25 +10068,14 @@
             </a:r>
           </a:p>
           <a:p>
-            <a:pPr marL="0" marR="0" lvl="0" indent="0" algn="l" rtl="0">
-              <a:lnSpc>
-                <a:spcPct val="100000"/>
-              </a:lnSpc>
-              <a:spcBef>
-                <a:spcPts val="0"/>
-              </a:spcBef>
-              <a:spcAft>
-                <a:spcPts val="0"/>
-              </a:spcAft>
+            <a:pPr lvl="0">
               <a:buClr>
                 <a:srgbClr val="FFFFFF"/>
               </a:buClr>
               <a:buSzPct val="25000"/>
-              <a:buFont typeface="Courier New"/>
-              <a:buNone/>
             </a:pPr>
             <a:r>
-              <a:rPr lang="en-US" sz="2600" b="1" i="0" u="none" strike="noStrike" cap="none" dirty="0" smtClean="0">
+              <a:rPr lang="es-419" sz="2600" b="1" i="0" u="none" strike="noStrike" cap="none" dirty="0" err="1">
                 <a:solidFill>
                   <a:srgbClr val="FFFFFF"/>
                 </a:solidFill>
@@ -9972,10 +10084,10 @@
                 <a:cs typeface="Courier New"/>
                 <a:sym typeface="Courier New"/>
               </a:rPr>
-              <a:t>print('Average</a:t>
-            </a:r>
-            <a:r>
-              <a:rPr lang="en-US" sz="2600" b="1" i="0" u="none" strike="noStrike" cap="none" dirty="0">
+              <a:t>print</a:t>
+            </a:r>
+            <a:r>
+              <a:rPr lang="es-419" sz="2600" b="1" dirty="0">
                 <a:solidFill>
                   <a:srgbClr val="FFFFFF"/>
                 </a:solidFill>
@@ -9984,21 +10096,9 @@
                 <a:cs typeface="Courier New"/>
                 <a:sym typeface="Courier New"/>
               </a:rPr>
-              <a:t>:', </a:t>
-            </a:r>
-            <a:r>
-              <a:rPr lang="en-US" sz="2600" b="1" i="0" u="none" strike="noStrike" cap="none" dirty="0" smtClean="0">
-                <a:solidFill>
-                  <a:srgbClr val="FFFFFF"/>
-                </a:solidFill>
-                <a:latin typeface="Courier New"/>
-                <a:ea typeface="Courier New"/>
-                <a:cs typeface="Courier New"/>
-                <a:sym typeface="Courier New"/>
-              </a:rPr>
-              <a:t>average)</a:t>
-            </a:r>
-            <a:endParaRPr lang="en-US" sz="2600" b="1" i="0" u="none" strike="noStrike" cap="none" dirty="0">
+              <a:t>('Promedio:', promedio)</a:t>
+            </a:r>
+            <a:endParaRPr lang="es-419" sz="2600" b="1" i="0" u="none" strike="noStrike" cap="none" dirty="0">
               <a:solidFill>
                 <a:srgbClr val="FFFFFF"/>
               </a:solidFill>
@@ -10053,7 +10153,7 @@
               <a:buNone/>
             </a:pPr>
             <a:r>
-              <a:rPr lang="en-US" sz="2600" b="1" i="0" u="none" strike="noStrike" cap="none" dirty="0">
+              <a:rPr lang="es-419" sz="2600" b="1" i="0" u="none" strike="noStrike" cap="none" dirty="0">
                 <a:solidFill>
                   <a:srgbClr val="FF00FF"/>
                 </a:solidFill>
@@ -10084,7 +10184,7 @@
               <a:buNone/>
             </a:pPr>
             <a:r>
-              <a:rPr lang="en-US" sz="2600" b="1" i="0" u="none" strike="noStrike" cap="none" dirty="0">
+              <a:rPr lang="es-419" sz="2600" b="1" i="0" u="none" strike="noStrike" cap="none" dirty="0">
                 <a:solidFill>
                   <a:srgbClr val="FF00FF"/>
                 </a:solidFill>
@@ -10093,7 +10193,7 @@
                 <a:cs typeface="Courier New"/>
                 <a:sym typeface="Courier New"/>
               </a:rPr>
-              <a:t>count = 0</a:t>
+              <a:t>contador = 0</a:t>
             </a:r>
           </a:p>
           <a:p>
@@ -10115,7 +10215,7 @@
               <a:buNone/>
             </a:pPr>
             <a:r>
-              <a:rPr lang="en-US" sz="2600" b="1" i="0" u="none" strike="noStrike" cap="none" dirty="0">
+              <a:rPr lang="es-419" sz="2600" b="1" i="0" u="none" strike="noStrike" cap="none" dirty="0" err="1">
                 <a:solidFill>
                   <a:srgbClr val="FFFFFF"/>
                 </a:solidFill>
@@ -10124,7 +10224,179 @@
                 <a:cs typeface="Courier New"/>
                 <a:sym typeface="Courier New"/>
               </a:rPr>
-              <a:t>while True :</a:t>
+              <a:t>while</a:t>
+            </a:r>
+            <a:r>
+              <a:rPr lang="es-419" sz="2600" b="1" i="0" u="none" strike="noStrike" cap="none" dirty="0">
+                <a:solidFill>
+                  <a:srgbClr val="FFFFFF"/>
+                </a:solidFill>
+                <a:latin typeface="Courier New"/>
+                <a:ea typeface="Courier New"/>
+                <a:cs typeface="Courier New"/>
+                <a:sym typeface="Courier New"/>
+              </a:rPr>
+              <a:t> True :</a:t>
+            </a:r>
+          </a:p>
+          <a:p>
+            <a:pPr lvl="0">
+              <a:buClr>
+                <a:srgbClr val="FFFFFF"/>
+              </a:buClr>
+              <a:buSzPct val="25000"/>
+            </a:pPr>
+            <a:r>
+              <a:rPr lang="es-419" sz="2600" b="1" i="0" u="none" strike="noStrike" cap="none" dirty="0">
+                <a:solidFill>
+                  <a:srgbClr val="FFFFFF"/>
+                </a:solidFill>
+                <a:latin typeface="Courier New"/>
+                <a:ea typeface="Courier New"/>
+                <a:cs typeface="Courier New"/>
+                <a:sym typeface="Courier New"/>
+              </a:rPr>
+              <a:t>    </a:t>
+            </a:r>
+            <a:r>
+              <a:rPr lang="es-419" sz="2600" b="1" i="0" u="none" strike="noStrike" cap="none" dirty="0" err="1">
+                <a:solidFill>
+                  <a:srgbClr val="FFFFFF"/>
+                </a:solidFill>
+                <a:latin typeface="Courier New"/>
+                <a:ea typeface="Courier New"/>
+                <a:cs typeface="Courier New"/>
+                <a:sym typeface="Courier New"/>
+              </a:rPr>
+              <a:t>inp</a:t>
+            </a:r>
+            <a:r>
+              <a:rPr lang="es-419" sz="2600" b="1" i="0" u="none" strike="noStrike" cap="none" dirty="0">
+                <a:solidFill>
+                  <a:srgbClr val="FFFFFF"/>
+                </a:solidFill>
+                <a:latin typeface="Courier New"/>
+                <a:ea typeface="Courier New"/>
+                <a:cs typeface="Courier New"/>
+                <a:sym typeface="Courier New"/>
+              </a:rPr>
+              <a:t> = </a:t>
+            </a:r>
+            <a:r>
+              <a:rPr lang="es-419" sz="2600" b="1" dirty="0">
+                <a:solidFill>
+                  <a:srgbClr val="FFFFFF"/>
+                </a:solidFill>
+                <a:latin typeface="Courier New"/>
+                <a:ea typeface="Courier New"/>
+                <a:cs typeface="Courier New"/>
+                <a:sym typeface="Courier New"/>
+              </a:rPr>
+              <a:t>input('Ingresa </a:t>
+            </a:r>
+            <a:r>
+              <a:rPr lang="es-419" sz="2600" b="1" i="0" u="none" strike="noStrike" cap="none" dirty="0">
+                <a:solidFill>
+                  <a:srgbClr val="FFFFFF"/>
+                </a:solidFill>
+                <a:latin typeface="Courier New"/>
+                <a:ea typeface="Courier New"/>
+                <a:cs typeface="Courier New"/>
+                <a:sym typeface="Courier New"/>
+              </a:rPr>
+              <a:t>un número: ')</a:t>
+            </a:r>
+          </a:p>
+          <a:p>
+            <a:pPr lvl="0">
+              <a:buClr>
+                <a:srgbClr val="FFFFFF"/>
+              </a:buClr>
+              <a:buSzPct val="25000"/>
+            </a:pPr>
+            <a:r>
+              <a:rPr lang="es-419" sz="2600" b="1" i="0" u="none" strike="noStrike" cap="none" dirty="0">
+                <a:solidFill>
+                  <a:srgbClr val="FFFFFF"/>
+                </a:solidFill>
+                <a:latin typeface="Courier New"/>
+                <a:ea typeface="Courier New"/>
+                <a:cs typeface="Courier New"/>
+                <a:sym typeface="Courier New"/>
+              </a:rPr>
+              <a:t>    </a:t>
+            </a:r>
+            <a:r>
+              <a:rPr lang="es-419" sz="2600" b="1" i="0" u="none" strike="noStrike" cap="none" dirty="0" err="1">
+                <a:solidFill>
+                  <a:srgbClr val="FFFFFF"/>
+                </a:solidFill>
+                <a:latin typeface="Courier New"/>
+                <a:ea typeface="Courier New"/>
+                <a:cs typeface="Courier New"/>
+                <a:sym typeface="Courier New"/>
+              </a:rPr>
+              <a:t>if</a:t>
+            </a:r>
+            <a:r>
+              <a:rPr lang="es-419" sz="2600" b="1" i="0" u="none" strike="noStrike" cap="none" dirty="0">
+                <a:solidFill>
+                  <a:srgbClr val="FFFFFF"/>
+                </a:solidFill>
+                <a:latin typeface="Courier New"/>
+                <a:ea typeface="Courier New"/>
+                <a:cs typeface="Courier New"/>
+                <a:sym typeface="Courier New"/>
+              </a:rPr>
+              <a:t> </a:t>
+            </a:r>
+            <a:r>
+              <a:rPr lang="es-419" sz="2600" b="1" i="0" u="none" strike="noStrike" cap="none" dirty="0" err="1">
+                <a:solidFill>
+                  <a:srgbClr val="FFFFFF"/>
+                </a:solidFill>
+                <a:latin typeface="Courier New"/>
+                <a:ea typeface="Courier New"/>
+                <a:cs typeface="Courier New"/>
+                <a:sym typeface="Courier New"/>
+              </a:rPr>
+              <a:t>inp</a:t>
+            </a:r>
+            <a:r>
+              <a:rPr lang="es-419" sz="2600" b="1" i="0" u="none" strike="noStrike" cap="none" dirty="0">
+                <a:solidFill>
+                  <a:srgbClr val="FFFFFF"/>
+                </a:solidFill>
+                <a:latin typeface="Courier New"/>
+                <a:ea typeface="Courier New"/>
+                <a:cs typeface="Courier New"/>
+                <a:sym typeface="Courier New"/>
+              </a:rPr>
+              <a:t> </a:t>
+            </a:r>
+            <a:r>
+              <a:rPr lang="es-419" sz="2600" b="1" dirty="0">
+                <a:solidFill>
+                  <a:srgbClr val="FFFFFF"/>
+                </a:solidFill>
+                <a:latin typeface="Courier New"/>
+                <a:ea typeface="Courier New"/>
+                <a:cs typeface="Courier New"/>
+                <a:sym typeface="Courier New"/>
+              </a:rPr>
+              <a:t>== 'hecho' </a:t>
+            </a:r>
+            <a:r>
+              <a:rPr lang="es-419" sz="2600" b="1" i="0" u="none" strike="noStrike" cap="none" dirty="0">
+                <a:solidFill>
+                  <a:srgbClr val="FFFFFF"/>
+                </a:solidFill>
+                <a:latin typeface="Courier New"/>
+                <a:ea typeface="Courier New"/>
+                <a:cs typeface="Courier New"/>
+                <a:sym typeface="Courier New"/>
+              </a:rPr>
+              <a:t>: break</a:t>
             </a:r>
           </a:p>
           <a:p>
@@ -10146,7 +10418,7 @@
               <a:buNone/>
             </a:pPr>
             <a:r>
-              <a:rPr lang="en-US" sz="2600" b="1" i="0" u="none" strike="noStrike" cap="none" dirty="0">
+              <a:rPr lang="es-419" sz="2600" b="1" i="0" u="none" strike="noStrike" cap="none" dirty="0">
                 <a:solidFill>
                   <a:srgbClr val="FFFFFF"/>
                 </a:solidFill>
@@ -10155,10 +10427,10 @@
                 <a:cs typeface="Courier New"/>
                 <a:sym typeface="Courier New"/>
               </a:rPr>
-              <a:t>    </a:t>
-            </a:r>
-            <a:r>
-              <a:rPr lang="en-US" sz="2600" b="1" i="0" u="none" strike="noStrike" cap="none" dirty="0" err="1">
+              <a:t>    valor = </a:t>
+            </a:r>
+            <a:r>
+              <a:rPr lang="es-419" sz="2600" b="1" i="0" u="none" strike="noStrike" cap="none" dirty="0" err="1">
                 <a:solidFill>
                   <a:srgbClr val="FFFFFF"/>
                 </a:solidFill>
@@ -10167,10 +10439,34 @@
                 <a:cs typeface="Courier New"/>
                 <a:sym typeface="Courier New"/>
               </a:rPr>
+              <a:t>float</a:t>
+            </a:r>
+            <a:r>
+              <a:rPr lang="es-419" sz="2600" b="1" i="0" u="none" strike="noStrike" cap="none" dirty="0">
+                <a:solidFill>
+                  <a:srgbClr val="FFFFFF"/>
+                </a:solidFill>
+                <a:latin typeface="Courier New"/>
+                <a:ea typeface="Courier New"/>
+                <a:cs typeface="Courier New"/>
+                <a:sym typeface="Courier New"/>
+              </a:rPr>
+              <a:t>(</a:t>
+            </a:r>
+            <a:r>
+              <a:rPr lang="es-419" sz="2600" b="1" i="0" u="none" strike="noStrike" cap="none" dirty="0" err="1">
+                <a:solidFill>
+                  <a:srgbClr val="FFFFFF"/>
+                </a:solidFill>
+                <a:latin typeface="Courier New"/>
+                <a:ea typeface="Courier New"/>
+                <a:cs typeface="Courier New"/>
+                <a:sym typeface="Courier New"/>
+              </a:rPr>
               <a:t>inp</a:t>
             </a:r>
             <a:r>
-              <a:rPr lang="en-US" sz="2600" b="1" i="0" u="none" strike="noStrike" cap="none" dirty="0">
+              <a:rPr lang="es-419" sz="2600" b="1" i="0" u="none" strike="noStrike" cap="none" dirty="0">
                 <a:solidFill>
                   <a:srgbClr val="FFFFFF"/>
                 </a:solidFill>
@@ -10179,31 +10475,7 @@
                 <a:cs typeface="Courier New"/>
                 <a:sym typeface="Courier New"/>
               </a:rPr>
-              <a:t> = </a:t>
-            </a:r>
-            <a:r>
-              <a:rPr lang="en-US" sz="2600" b="1" i="0" u="none" strike="noStrike" cap="none" dirty="0" smtClean="0">
-                <a:solidFill>
-                  <a:srgbClr val="FFFFFF"/>
-                </a:solidFill>
-                <a:latin typeface="Courier New"/>
-                <a:ea typeface="Courier New"/>
-                <a:cs typeface="Courier New"/>
-                <a:sym typeface="Courier New"/>
-              </a:rPr>
-              <a:t>input</a:t>
-            </a:r>
-            <a:r>
-              <a:rPr lang="en-US" sz="2600" b="1" i="0" u="none" strike="noStrike" cap="none" dirty="0">
-                <a:solidFill>
-                  <a:srgbClr val="FFFFFF"/>
-                </a:solidFill>
-                <a:latin typeface="Courier New"/>
-                <a:ea typeface="Courier New"/>
-                <a:cs typeface="Courier New"/>
-                <a:sym typeface="Courier New"/>
-              </a:rPr>
-              <a:t>('Enter a number: ')</a:t>
+              <a:t>)</a:t>
             </a:r>
           </a:p>
           <a:p>
@@ -10225,7 +10497,7 @@
               <a:buNone/>
             </a:pPr>
             <a:r>
-              <a:rPr lang="en-US" sz="2600" b="1" i="0" u="none" strike="noStrike" cap="none" dirty="0">
+              <a:rPr lang="es-419" sz="2600" b="1" i="0" u="none" strike="noStrike" cap="none" dirty="0">
                 <a:solidFill>
                   <a:srgbClr val="FFFFFF"/>
                 </a:solidFill>
@@ -10234,120 +10506,10 @@
                 <a:cs typeface="Courier New"/>
                 <a:sym typeface="Courier New"/>
               </a:rPr>
-              <a:t>    if </a:t>
-            </a:r>
-            <a:r>
-              <a:rPr lang="en-US" sz="2600" b="1" i="0" u="none" strike="noStrike" cap="none" dirty="0" err="1">
-                <a:solidFill>
-                  <a:srgbClr val="FFFFFF"/>
-                </a:solidFill>
-                <a:latin typeface="Courier New"/>
-                <a:ea typeface="Courier New"/>
-                <a:cs typeface="Courier New"/>
-                <a:sym typeface="Courier New"/>
-              </a:rPr>
-              <a:t>inp</a:t>
-            </a:r>
-            <a:r>
-              <a:rPr lang="en-US" sz="2600" b="1" i="0" u="none" strike="noStrike" cap="none" dirty="0">
-                <a:solidFill>
-                  <a:srgbClr val="FFFFFF"/>
-                </a:solidFill>
-                <a:latin typeface="Courier New"/>
-                <a:ea typeface="Courier New"/>
-                <a:cs typeface="Courier New"/>
-                <a:sym typeface="Courier New"/>
-              </a:rPr>
-              <a:t> == 'done' : break</a:t>
-            </a:r>
-          </a:p>
-          <a:p>
-            <a:pPr marL="0" marR="0" lvl="0" indent="0" algn="l" rtl="0">
-              <a:lnSpc>
-                <a:spcPct val="100000"/>
-              </a:lnSpc>
-              <a:spcBef>
-                <a:spcPts val="0"/>
-              </a:spcBef>
-              <a:spcAft>
-                <a:spcPts val="0"/>
-              </a:spcAft>
-              <a:buClr>
-                <a:srgbClr val="FFFFFF"/>
-              </a:buClr>
-              <a:buSzPct val="25000"/>
-              <a:buFont typeface="Courier New"/>
-              <a:buNone/>
-            </a:pPr>
-            <a:r>
-              <a:rPr lang="en-US" sz="2600" b="1" i="0" u="none" strike="noStrike" cap="none" dirty="0">
-                <a:solidFill>
-                  <a:srgbClr val="FFFFFF"/>
-                </a:solidFill>
-                <a:latin typeface="Courier New"/>
-                <a:ea typeface="Courier New"/>
-                <a:cs typeface="Courier New"/>
-                <a:sym typeface="Courier New"/>
-              </a:rPr>
-              <a:t>    value = float(</a:t>
-            </a:r>
-            <a:r>
-              <a:rPr lang="en-US" sz="2600" b="1" i="0" u="none" strike="noStrike" cap="none" dirty="0" err="1">
-                <a:solidFill>
-                  <a:srgbClr val="FFFFFF"/>
-                </a:solidFill>
-                <a:latin typeface="Courier New"/>
-                <a:ea typeface="Courier New"/>
-                <a:cs typeface="Courier New"/>
-                <a:sym typeface="Courier New"/>
-              </a:rPr>
-              <a:t>inp</a:t>
-            </a:r>
-            <a:r>
-              <a:rPr lang="en-US" sz="2600" b="1" i="0" u="none" strike="noStrike" cap="none" dirty="0">
-                <a:solidFill>
-                  <a:srgbClr val="FFFFFF"/>
-                </a:solidFill>
-                <a:latin typeface="Courier New"/>
-                <a:ea typeface="Courier New"/>
-                <a:cs typeface="Courier New"/>
-                <a:sym typeface="Courier New"/>
-              </a:rPr>
-              <a:t>)</a:t>
-            </a:r>
-          </a:p>
-          <a:p>
-            <a:pPr marL="0" marR="0" lvl="0" indent="0" algn="l" rtl="0">
-              <a:lnSpc>
-                <a:spcPct val="100000"/>
-              </a:lnSpc>
-              <a:spcBef>
-                <a:spcPts val="0"/>
-              </a:spcBef>
-              <a:spcAft>
-                <a:spcPts val="0"/>
-              </a:spcAft>
-              <a:buClr>
-                <a:srgbClr val="FFFFFF"/>
-              </a:buClr>
-              <a:buSzPct val="25000"/>
-              <a:buFont typeface="Courier New"/>
-              <a:buNone/>
-            </a:pPr>
-            <a:r>
-              <a:rPr lang="en-US" sz="2600" b="1" i="0" u="none" strike="noStrike" cap="none" dirty="0">
-                <a:solidFill>
-                  <a:srgbClr val="FFFFFF"/>
-                </a:solidFill>
-                <a:latin typeface="Courier New"/>
-                <a:ea typeface="Courier New"/>
-                <a:cs typeface="Courier New"/>
-                <a:sym typeface="Courier New"/>
-              </a:rPr>
               <a:t>   </a:t>
             </a:r>
             <a:r>
-              <a:rPr lang="en-US" sz="2600" b="1" i="0" u="none" strike="noStrike" cap="none" dirty="0">
+              <a:rPr lang="es-419" sz="2600" b="1" i="0" u="none" strike="noStrike" cap="none" dirty="0">
                 <a:solidFill>
                   <a:srgbClr val="FF00FF"/>
                 </a:solidFill>
@@ -10356,7 +10518,7 @@
                 <a:cs typeface="Courier New"/>
                 <a:sym typeface="Courier New"/>
               </a:rPr>
-              <a:t> total = total + value     </a:t>
+              <a:t> total = total + valor     </a:t>
             </a:r>
           </a:p>
           <a:p>
@@ -10378,7 +10540,7 @@
               <a:buNone/>
             </a:pPr>
             <a:r>
-              <a:rPr lang="en-US" sz="2600" b="1" i="0" u="none" strike="noStrike" cap="none" dirty="0">
+              <a:rPr lang="es-419" sz="2600" b="1" i="0" u="none" strike="noStrike" cap="none" dirty="0">
                 <a:solidFill>
                   <a:srgbClr val="FF00FF"/>
                 </a:solidFill>
@@ -10387,7 +10549,7 @@
                 <a:cs typeface="Courier New"/>
                 <a:sym typeface="Courier New"/>
               </a:rPr>
-              <a:t>    count = count + 1</a:t>
+              <a:t>    contador = contador + 1</a:t>
             </a:r>
           </a:p>
           <a:p>
@@ -10403,7 +10565,7 @@
               </a:spcAft>
               <a:buNone/>
             </a:pPr>
-            <a:endParaRPr sz="2600" b="1" i="0" u="none" strike="noStrike" cap="none" dirty="0">
+            <a:endParaRPr lang="es-419" sz="2600" b="1" i="0" u="none" strike="noStrike" cap="none" dirty="0">
               <a:solidFill>
                 <a:srgbClr val="FFFFFF"/>
               </a:solidFill>
@@ -10432,7 +10594,7 @@
               <a:buNone/>
             </a:pPr>
             <a:r>
-              <a:rPr lang="en-US" sz="2600" b="1" i="0" u="none" strike="noStrike" cap="none" dirty="0">
+              <a:rPr lang="es-419" sz="2600" b="1" i="0" u="none" strike="noStrike" cap="none" dirty="0">
                 <a:solidFill>
                   <a:srgbClr val="FF00FF"/>
                 </a:solidFill>
@@ -10441,29 +10603,18 @@
                 <a:cs typeface="Courier New"/>
                 <a:sym typeface="Courier New"/>
               </a:rPr>
-              <a:t>average = total / count</a:t>
-            </a:r>
-          </a:p>
-          <a:p>
-            <a:pPr marL="0" marR="0" lvl="0" indent="0" algn="l" rtl="0">
-              <a:lnSpc>
-                <a:spcPct val="100000"/>
-              </a:lnSpc>
-              <a:spcBef>
-                <a:spcPts val="0"/>
-              </a:spcBef>
-              <a:spcAft>
-                <a:spcPts val="0"/>
-              </a:spcAft>
+              <a:t>promedio = total / contador</a:t>
+            </a:r>
+          </a:p>
+          <a:p>
+            <a:pPr lvl="0">
               <a:buClr>
                 <a:srgbClr val="FFFFFF"/>
               </a:buClr>
               <a:buSzPct val="25000"/>
-              <a:buFont typeface="Courier New"/>
-              <a:buNone/>
             </a:pPr>
             <a:r>
-              <a:rPr lang="en-US" sz="2600" b="1" i="0" u="none" strike="noStrike" cap="none" dirty="0" smtClean="0">
+              <a:rPr lang="es-419" sz="2600" b="1" i="0" u="none" strike="noStrike" cap="none" dirty="0" err="1">
                 <a:solidFill>
                   <a:srgbClr val="FFFFFF"/>
                 </a:solidFill>
@@ -10472,10 +10623,10 @@
                 <a:cs typeface="Courier New"/>
                 <a:sym typeface="Courier New"/>
               </a:rPr>
-              <a:t>print('Average</a:t>
-            </a:r>
-            <a:r>
-              <a:rPr lang="en-US" sz="2600" b="1" i="0" u="none" strike="noStrike" cap="none" dirty="0">
+              <a:t>print</a:t>
+            </a:r>
+            <a:r>
+              <a:rPr lang="es-419" sz="2600" b="1" dirty="0">
                 <a:solidFill>
                   <a:srgbClr val="FFFFFF"/>
                 </a:solidFill>
@@ -10484,10 +10635,10 @@
                 <a:cs typeface="Courier New"/>
                 <a:sym typeface="Courier New"/>
               </a:rPr>
-              <a:t>:', </a:t>
-            </a:r>
-            <a:r>
-              <a:rPr lang="en-US" sz="2600" b="1" i="0" u="none" strike="noStrike" cap="none" dirty="0" smtClean="0">
+              <a:t>('Promedio:', promedio</a:t>
+            </a:r>
+            <a:r>
+              <a:rPr lang="es-419" sz="2600" b="1" i="0" u="none" strike="noStrike" cap="none" dirty="0">
                 <a:solidFill>
                   <a:srgbClr val="FFFFFF"/>
                 </a:solidFill>
@@ -10496,17 +10647,8 @@
                 <a:cs typeface="Courier New"/>
                 <a:sym typeface="Courier New"/>
               </a:rPr>
-              <a:t>average)</a:t>
-            </a:r>
-            <a:endParaRPr lang="en-US" sz="2600" b="1" i="0" u="none" strike="noStrike" cap="none" dirty="0">
-              <a:solidFill>
-                <a:srgbClr val="FFFFFF"/>
-              </a:solidFill>
-              <a:latin typeface="Courier New"/>
-              <a:ea typeface="Courier New"/>
-              <a:cs typeface="Courier New"/>
-              <a:sym typeface="Courier New"/>
-            </a:endParaRPr>
+              <a:t>)</a:t>
+            </a:r>
           </a:p>
         </p:txBody>
       </p:sp>
@@ -10518,8 +10660,8 @@
         </p:nvSpPr>
         <p:spPr>
           <a:xfrm>
-            <a:off x="9308725" y="828688"/>
-            <a:ext cx="5435700" cy="2862300"/>
+            <a:off x="9308724" y="828688"/>
+            <a:ext cx="6666381" cy="2862300"/>
           </a:xfrm>
           <a:prstGeom prst="rect">
             <a:avLst/>
@@ -10553,7 +10695,7 @@
               <a:buNone/>
             </a:pPr>
             <a:r>
-              <a:rPr lang="en-US" sz="3600" u="none" strike="noStrike" cap="none" dirty="0">
+              <a:rPr lang="es-419" sz="3600" u="none" strike="noStrike" cap="none" dirty="0">
                 <a:solidFill>
                   <a:srgbClr val="FFFF00"/>
                 </a:solidFill>
@@ -10562,10 +10704,10 @@
                 <a:cs typeface="Arial" charset="0"/>
                 <a:sym typeface="Cabin"/>
               </a:rPr>
-              <a:t>Enter a number: </a:t>
-            </a:r>
-            <a:r>
-              <a:rPr lang="en-US" sz="3600" u="none" strike="noStrike" cap="none" dirty="0">
+              <a:t>Ingresa un número: </a:t>
+            </a:r>
+            <a:r>
+              <a:rPr lang="es-419" sz="3600" u="none" strike="noStrike" cap="none" dirty="0">
                 <a:solidFill>
                   <a:srgbClr val="00FFFF"/>
                 </a:solidFill>
@@ -10596,7 +10738,7 @@
               <a:buNone/>
             </a:pPr>
             <a:r>
-              <a:rPr lang="en-US" sz="3600" u="none" strike="noStrike" cap="none" dirty="0">
+              <a:rPr lang="es-419" sz="3600" u="none" strike="noStrike" cap="none" dirty="0">
                 <a:solidFill>
                   <a:srgbClr val="FFFF00"/>
                 </a:solidFill>
@@ -10605,10 +10747,10 @@
                 <a:cs typeface="Arial" charset="0"/>
                 <a:sym typeface="Cabin"/>
               </a:rPr>
-              <a:t>Enter a number: </a:t>
-            </a:r>
-            <a:r>
-              <a:rPr lang="en-US" sz="3600" u="none" strike="noStrike" cap="none" dirty="0">
+              <a:t>Ingresa un número: </a:t>
+            </a:r>
+            <a:r>
+              <a:rPr lang="es-419" sz="3600" u="none" strike="noStrike" cap="none" dirty="0">
                 <a:solidFill>
                   <a:srgbClr val="00FFFF"/>
                 </a:solidFill>
@@ -10639,7 +10781,7 @@
               <a:buNone/>
             </a:pPr>
             <a:r>
-              <a:rPr lang="en-US" sz="3600" u="none" strike="noStrike" cap="none" dirty="0">
+              <a:rPr lang="es-419" sz="3600" u="none" strike="noStrike" cap="none" dirty="0">
                 <a:solidFill>
                   <a:srgbClr val="FFFF00"/>
                 </a:solidFill>
@@ -10648,10 +10790,10 @@
                 <a:cs typeface="Arial" charset="0"/>
                 <a:sym typeface="Cabin"/>
               </a:rPr>
-              <a:t>Enter a number: </a:t>
-            </a:r>
-            <a:r>
-              <a:rPr lang="en-US" sz="3600" u="none" strike="noStrike" cap="none" dirty="0">
+              <a:t>Ingresa un número: </a:t>
+            </a:r>
+            <a:r>
+              <a:rPr lang="es-419" sz="3600" u="none" strike="noStrike" cap="none" dirty="0">
                 <a:solidFill>
                   <a:srgbClr val="00FFFF"/>
                 </a:solidFill>
@@ -10682,7 +10824,7 @@
               <a:buNone/>
             </a:pPr>
             <a:r>
-              <a:rPr lang="en-US" sz="3600" u="none" strike="noStrike" cap="none" dirty="0">
+              <a:rPr lang="es-419" sz="3600" u="none" strike="noStrike" cap="none" dirty="0">
                 <a:solidFill>
                   <a:srgbClr val="FFFF00"/>
                 </a:solidFill>
@@ -10691,10 +10833,10 @@
                 <a:cs typeface="Arial" charset="0"/>
                 <a:sym typeface="Cabin"/>
               </a:rPr>
-              <a:t>Enter a number: </a:t>
-            </a:r>
-            <a:r>
-              <a:rPr lang="en-US" sz="3600" u="none" strike="noStrike" cap="none" dirty="0">
+              <a:t>Ingresa un número: </a:t>
+            </a:r>
+            <a:r>
+              <a:rPr lang="es-419" sz="3600" u="none" strike="noStrike" cap="none" dirty="0">
                 <a:solidFill>
                   <a:srgbClr val="00FFFF"/>
                 </a:solidFill>
@@ -10703,7 +10845,7 @@
                 <a:cs typeface="Arial" charset="0"/>
                 <a:sym typeface="Cabin"/>
               </a:rPr>
-              <a:t>done</a:t>
+              <a:t>hecho</a:t>
             </a:r>
           </a:p>
           <a:p>
@@ -10725,7 +10867,7 @@
               <a:buNone/>
             </a:pPr>
             <a:r>
-              <a:rPr lang="en-US" sz="3600" u="none" strike="noStrike" cap="none" dirty="0">
+              <a:rPr lang="es-419" sz="3600" u="none" strike="noStrike" cap="none" dirty="0">
                 <a:solidFill>
                   <a:srgbClr val="FFFF00"/>
                 </a:solidFill>
@@ -10734,7 +10876,7 @@
                 <a:cs typeface="Arial" charset="0"/>
                 <a:sym typeface="Cabin"/>
               </a:rPr>
-              <a:t>Average: 5.66666666667</a:t>
+              <a:t>Promedio: 5.66666666667</a:t>
             </a:r>
           </a:p>
         </p:txBody>
@@ -10744,13 +10886,6 @@
   <p:clrMapOvr>
     <a:masterClrMapping/>
   </p:clrMapOvr>
-  <p:timing>
-    <p:tnLst>
-      <p:par>
-        <p:cTn xmlns:p14="http://schemas.microsoft.com/office/powerpoint/2010/main" id="1" dur="indefinite" restart="never" nodeType="tmRoot"/>
-      </p:par>
-    </p:tnLst>
-  </p:timing>
 </p:sld>
 </file>
 
